--- a/ee543_sunum.pptx
+++ b/ee543_sunum.pptx
@@ -9,12 +9,15 @@
     <p:sldId id="257" r:id="rId3"/>
     <p:sldId id="258" r:id="rId4"/>
     <p:sldId id="260" r:id="rId5"/>
-    <p:sldId id="261" r:id="rId6"/>
-    <p:sldId id="262" r:id="rId7"/>
-    <p:sldId id="259" r:id="rId8"/>
-    <p:sldId id="263" r:id="rId9"/>
-    <p:sldId id="264" r:id="rId10"/>
-    <p:sldId id="265" r:id="rId11"/>
+    <p:sldId id="266" r:id="rId6"/>
+    <p:sldId id="261" r:id="rId7"/>
+    <p:sldId id="262" r:id="rId8"/>
+    <p:sldId id="259" r:id="rId9"/>
+    <p:sldId id="267" r:id="rId10"/>
+    <p:sldId id="263" r:id="rId11"/>
+    <p:sldId id="264" r:id="rId12"/>
+    <p:sldId id="265" r:id="rId13"/>
+    <p:sldId id="268" r:id="rId14"/>
   </p:sldIdLst>
   <p:sldSz cx="9144000" cy="6858000" type="screen4x3"/>
   <p:notesSz cx="6858000" cy="9144000"/>
@@ -3256,6 +3259,425 @@
 </file>
 
 <file path=ppt/slides/slide10.xml><?xml version="1.0" encoding="utf-8"?>
+<p:sld xmlns:a="http://schemas.openxmlformats.org/drawingml/2006/main" xmlns:r="http://schemas.openxmlformats.org/officeDocument/2006/relationships" xmlns:p="http://schemas.openxmlformats.org/presentationml/2006/main">
+  <p:cSld>
+    <p:spTree>
+      <p:nvGrpSpPr>
+        <p:cNvPr id="1" name=""/>
+        <p:cNvGrpSpPr/>
+        <p:nvPr/>
+      </p:nvGrpSpPr>
+      <p:grpSpPr>
+        <a:xfrm>
+          <a:off x="0" y="0"/>
+          <a:ext cx="0" cy="0"/>
+          <a:chOff x="0" y="0"/>
+          <a:chExt cx="0" cy="0"/>
+        </a:xfrm>
+      </p:grpSpPr>
+      <p:sp>
+        <p:nvSpPr>
+          <p:cNvPr id="2" name="1 Başlık"/>
+          <p:cNvSpPr>
+            <a:spLocks noGrp="1"/>
+          </p:cNvSpPr>
+          <p:nvPr>
+            <p:ph type="title"/>
+          </p:nvPr>
+        </p:nvSpPr>
+        <p:spPr/>
+        <p:txBody>
+          <a:bodyPr/>
+          <a:lstStyle/>
+          <a:p>
+            <a:endParaRPr lang="tr-TR"/>
+          </a:p>
+        </p:txBody>
+      </p:sp>
+      <p:sp>
+        <p:nvSpPr>
+          <p:cNvPr id="3" name="2 İçerik Yer Tutucusu"/>
+          <p:cNvSpPr>
+            <a:spLocks noGrp="1"/>
+          </p:cNvSpPr>
+          <p:nvPr>
+            <p:ph idx="1"/>
+          </p:nvPr>
+        </p:nvSpPr>
+        <p:spPr/>
+        <p:txBody>
+          <a:bodyPr/>
+          <a:lstStyle/>
+          <a:p>
+            <a:endParaRPr lang="tr-TR" dirty="0"/>
+          </a:p>
+        </p:txBody>
+      </p:sp>
+      <p:pic>
+        <p:nvPicPr>
+          <p:cNvPr id="7170" name="Picture 2" descr="C:\Users\gunge\OneDrive\Masaüstü\ee543\fotos_ML\accuracy_ML.png"/>
+          <p:cNvPicPr>
+            <a:picLocks noChangeAspect="1" noChangeArrowheads="1"/>
+          </p:cNvPicPr>
+          <p:nvPr/>
+        </p:nvPicPr>
+        <p:blipFill>
+          <a:blip r:embed="rId2"/>
+          <a:srcRect/>
+          <a:stretch>
+            <a:fillRect/>
+          </a:stretch>
+        </p:blipFill>
+        <p:spPr bwMode="auto">
+          <a:xfrm>
+            <a:off x="0" y="0"/>
+            <a:ext cx="4972982" cy="3500438"/>
+          </a:xfrm>
+          <a:prstGeom prst="rect">
+            <a:avLst/>
+          </a:prstGeom>
+          <a:noFill/>
+        </p:spPr>
+      </p:pic>
+      <p:pic>
+        <p:nvPicPr>
+          <p:cNvPr id="7171" name="Picture 3" descr="C:\Users\gunge\OneDrive\Masaüstü\ee543\fotos_ML\loss.png"/>
+          <p:cNvPicPr>
+            <a:picLocks noChangeAspect="1" noChangeArrowheads="1"/>
+          </p:cNvPicPr>
+          <p:nvPr/>
+        </p:nvPicPr>
+        <p:blipFill>
+          <a:blip r:embed="rId3"/>
+          <a:srcRect/>
+          <a:stretch>
+            <a:fillRect/>
+          </a:stretch>
+        </p:blipFill>
+        <p:spPr bwMode="auto">
+          <a:xfrm>
+            <a:off x="4171017" y="3357562"/>
+            <a:ext cx="4972983" cy="3500438"/>
+          </a:xfrm>
+          <a:prstGeom prst="rect">
+            <a:avLst/>
+          </a:prstGeom>
+          <a:noFill/>
+        </p:spPr>
+      </p:pic>
+    </p:spTree>
+  </p:cSld>
+  <p:clrMapOvr>
+    <a:masterClrMapping/>
+  </p:clrMapOvr>
+  <p:timing>
+    <p:tnLst>
+      <p:par>
+        <p:cTn id="1" dur="indefinite" restart="never" nodeType="tmRoot"/>
+      </p:par>
+    </p:tnLst>
+  </p:timing>
+</p:sld>
+</file>
+
+<file path=ppt/slides/slide11.xml><?xml version="1.0" encoding="utf-8"?>
+<p:sld xmlns:a="http://schemas.openxmlformats.org/drawingml/2006/main" xmlns:r="http://schemas.openxmlformats.org/officeDocument/2006/relationships" xmlns:p="http://schemas.openxmlformats.org/presentationml/2006/main">
+  <p:cSld>
+    <p:spTree>
+      <p:nvGrpSpPr>
+        <p:cNvPr id="1" name=""/>
+        <p:cNvGrpSpPr/>
+        <p:nvPr/>
+      </p:nvGrpSpPr>
+      <p:grpSpPr>
+        <a:xfrm>
+          <a:off x="0" y="0"/>
+          <a:ext cx="0" cy="0"/>
+          <a:chOff x="0" y="0"/>
+          <a:chExt cx="0" cy="0"/>
+        </a:xfrm>
+      </p:grpSpPr>
+      <p:sp>
+        <p:nvSpPr>
+          <p:cNvPr id="2" name="1 Başlık"/>
+          <p:cNvSpPr>
+            <a:spLocks noGrp="1"/>
+          </p:cNvSpPr>
+          <p:nvPr>
+            <p:ph type="title"/>
+          </p:nvPr>
+        </p:nvSpPr>
+        <p:spPr/>
+        <p:txBody>
+          <a:bodyPr/>
+          <a:lstStyle/>
+          <a:p>
+            <a:endParaRPr lang="tr-TR"/>
+          </a:p>
+        </p:txBody>
+      </p:sp>
+      <p:sp>
+        <p:nvSpPr>
+          <p:cNvPr id="3" name="2 İçerik Yer Tutucusu"/>
+          <p:cNvSpPr>
+            <a:spLocks noGrp="1"/>
+          </p:cNvSpPr>
+          <p:nvPr>
+            <p:ph idx="1"/>
+          </p:nvPr>
+        </p:nvSpPr>
+        <p:spPr/>
+        <p:txBody>
+          <a:bodyPr/>
+          <a:lstStyle/>
+          <a:p>
+            <a:endParaRPr lang="tr-TR" dirty="0"/>
+          </a:p>
+        </p:txBody>
+      </p:sp>
+      <p:pic>
+        <p:nvPicPr>
+          <p:cNvPr id="8194" name="Picture 2" descr="C:\Users\gunge\OneDrive\Masaüstü\ee543\fotos_ML\t115s.png"/>
+          <p:cNvPicPr>
+            <a:picLocks noChangeAspect="1" noChangeArrowheads="1"/>
+          </p:cNvPicPr>
+          <p:nvPr/>
+        </p:nvPicPr>
+        <p:blipFill>
+          <a:blip r:embed="rId2"/>
+          <a:srcRect/>
+          <a:stretch>
+            <a:fillRect/>
+          </a:stretch>
+        </p:blipFill>
+        <p:spPr bwMode="auto">
+          <a:xfrm>
+            <a:off x="3071802" y="285728"/>
+            <a:ext cx="3092163" cy="2019996"/>
+          </a:xfrm>
+          <a:prstGeom prst="rect">
+            <a:avLst/>
+          </a:prstGeom>
+          <a:noFill/>
+        </p:spPr>
+      </p:pic>
+      <p:pic>
+        <p:nvPicPr>
+          <p:cNvPr id="8195" name="Picture 3" descr="C:\Users\gunge\OneDrive\Masaüstü\ee543\fotos_ML\t115p.png"/>
+          <p:cNvPicPr>
+            <a:picLocks noChangeAspect="1" noChangeArrowheads="1"/>
+          </p:cNvPicPr>
+          <p:nvPr/>
+        </p:nvPicPr>
+        <p:blipFill>
+          <a:blip r:embed="rId3"/>
+          <a:srcRect/>
+          <a:stretch>
+            <a:fillRect/>
+          </a:stretch>
+        </p:blipFill>
+        <p:spPr bwMode="auto">
+          <a:xfrm>
+            <a:off x="6072198" y="285728"/>
+            <a:ext cx="3071802" cy="2028857"/>
+          </a:xfrm>
+          <a:prstGeom prst="rect">
+            <a:avLst/>
+          </a:prstGeom>
+          <a:noFill/>
+        </p:spPr>
+      </p:pic>
+      <p:pic>
+        <p:nvPicPr>
+          <p:cNvPr id="8196" name="Picture 4" descr="C:\Users\gunge\OneDrive\Masaüstü\ee543\fotos_ML\t350s.png"/>
+          <p:cNvPicPr>
+            <a:picLocks noChangeAspect="1" noChangeArrowheads="1"/>
+          </p:cNvPicPr>
+          <p:nvPr/>
+        </p:nvPicPr>
+        <p:blipFill>
+          <a:blip r:embed="rId4"/>
+          <a:srcRect/>
+          <a:stretch>
+            <a:fillRect/>
+          </a:stretch>
+        </p:blipFill>
+        <p:spPr bwMode="auto">
+          <a:xfrm>
+            <a:off x="3071802" y="2428868"/>
+            <a:ext cx="3061958" cy="2000264"/>
+          </a:xfrm>
+          <a:prstGeom prst="rect">
+            <a:avLst/>
+          </a:prstGeom>
+          <a:noFill/>
+        </p:spPr>
+      </p:pic>
+      <p:pic>
+        <p:nvPicPr>
+          <p:cNvPr id="8197" name="Picture 5" descr="C:\Users\gunge\OneDrive\Masaüstü\ee543\fotos_ML\t350p.png"/>
+          <p:cNvPicPr>
+            <a:picLocks noChangeAspect="1" noChangeArrowheads="1"/>
+          </p:cNvPicPr>
+          <p:nvPr/>
+        </p:nvPicPr>
+        <p:blipFill>
+          <a:blip r:embed="rId5"/>
+          <a:srcRect/>
+          <a:stretch>
+            <a:fillRect/>
+          </a:stretch>
+        </p:blipFill>
+        <p:spPr bwMode="auto">
+          <a:xfrm>
+            <a:off x="6108921" y="2428868"/>
+            <a:ext cx="3035079" cy="2004601"/>
+          </a:xfrm>
+          <a:prstGeom prst="rect">
+            <a:avLst/>
+          </a:prstGeom>
+          <a:noFill/>
+        </p:spPr>
+      </p:pic>
+      <p:pic>
+        <p:nvPicPr>
+          <p:cNvPr id="8198" name="Picture 6" descr="C:\Users\gunge\OneDrive\Masaüstü\ee543\fotos_ML\t293s.png"/>
+          <p:cNvPicPr>
+            <a:picLocks noChangeAspect="1" noChangeArrowheads="1"/>
+          </p:cNvPicPr>
+          <p:nvPr/>
+        </p:nvPicPr>
+        <p:blipFill>
+          <a:blip r:embed="rId6"/>
+          <a:srcRect/>
+          <a:stretch>
+            <a:fillRect/>
+          </a:stretch>
+        </p:blipFill>
+        <p:spPr bwMode="auto">
+          <a:xfrm>
+            <a:off x="3214678" y="4643446"/>
+            <a:ext cx="2948305" cy="2000263"/>
+          </a:xfrm>
+          <a:prstGeom prst="rect">
+            <a:avLst/>
+          </a:prstGeom>
+          <a:noFill/>
+        </p:spPr>
+      </p:pic>
+      <p:pic>
+        <p:nvPicPr>
+          <p:cNvPr id="8199" name="Picture 7" descr="C:\Users\gunge\OneDrive\Masaüstü\ee543\fotos_ML\t293p.png"/>
+          <p:cNvPicPr>
+            <a:picLocks noChangeAspect="1" noChangeArrowheads="1"/>
+          </p:cNvPicPr>
+          <p:nvPr/>
+        </p:nvPicPr>
+        <p:blipFill>
+          <a:blip r:embed="rId7"/>
+          <a:srcRect/>
+          <a:stretch>
+            <a:fillRect/>
+          </a:stretch>
+        </p:blipFill>
+        <p:spPr bwMode="auto">
+          <a:xfrm>
+            <a:off x="6115450" y="4643422"/>
+            <a:ext cx="3028549" cy="2000288"/>
+          </a:xfrm>
+          <a:prstGeom prst="rect">
+            <a:avLst/>
+          </a:prstGeom>
+          <a:noFill/>
+        </p:spPr>
+      </p:pic>
+      <p:pic>
+        <p:nvPicPr>
+          <p:cNvPr id="8200" name="Picture 8" descr="C:\Users\gunge\OneDrive\Masaüstü\ee543\fotos_CNN\t115s.png"/>
+          <p:cNvPicPr>
+            <a:picLocks noChangeAspect="1" noChangeArrowheads="1"/>
+          </p:cNvPicPr>
+          <p:nvPr/>
+        </p:nvPicPr>
+        <p:blipFill>
+          <a:blip r:embed="rId8"/>
+          <a:srcRect/>
+          <a:stretch>
+            <a:fillRect/>
+          </a:stretch>
+        </p:blipFill>
+        <p:spPr bwMode="auto">
+          <a:xfrm>
+            <a:off x="128800" y="285729"/>
+            <a:ext cx="3061957" cy="2000264"/>
+          </a:xfrm>
+          <a:prstGeom prst="rect">
+            <a:avLst/>
+          </a:prstGeom>
+          <a:noFill/>
+        </p:spPr>
+      </p:pic>
+      <p:pic>
+        <p:nvPicPr>
+          <p:cNvPr id="8201" name="Picture 9" descr="C:\Users\gunge\OneDrive\Masaüstü\ee543\fotos_CNN\test350_s.png"/>
+          <p:cNvPicPr>
+            <a:picLocks noChangeAspect="1" noChangeArrowheads="1"/>
+          </p:cNvPicPr>
+          <p:nvPr/>
+        </p:nvPicPr>
+        <p:blipFill>
+          <a:blip r:embed="rId9"/>
+          <a:srcRect/>
+          <a:stretch>
+            <a:fillRect/>
+          </a:stretch>
+        </p:blipFill>
+        <p:spPr bwMode="auto">
+          <a:xfrm>
+            <a:off x="155943" y="2428868"/>
+            <a:ext cx="3061957" cy="2000264"/>
+          </a:xfrm>
+          <a:prstGeom prst="rect">
+            <a:avLst/>
+          </a:prstGeom>
+          <a:noFill/>
+        </p:spPr>
+      </p:pic>
+      <p:pic>
+        <p:nvPicPr>
+          <p:cNvPr id="8202" name="Picture 10" descr="C:\Users\gunge\OneDrive\Masaüstü\ee543\fotos_CNN\test293_s.png"/>
+          <p:cNvPicPr>
+            <a:picLocks noChangeAspect="1" noChangeArrowheads="1"/>
+          </p:cNvPicPr>
+          <p:nvPr/>
+        </p:nvPicPr>
+        <p:blipFill>
+          <a:blip r:embed="rId10"/>
+          <a:srcRect/>
+          <a:stretch>
+            <a:fillRect/>
+          </a:stretch>
+        </p:blipFill>
+        <p:spPr bwMode="auto">
+          <a:xfrm>
+            <a:off x="357158" y="4714884"/>
+            <a:ext cx="2901473" cy="1968490"/>
+          </a:xfrm>
+          <a:prstGeom prst="rect">
+            <a:avLst/>
+          </a:prstGeom>
+          <a:noFill/>
+        </p:spPr>
+      </p:pic>
+    </p:spTree>
+  </p:cSld>
+  <p:clrMapOvr>
+    <a:masterClrMapping/>
+  </p:clrMapOvr>
+</p:sld>
+</file>
+
+<file path=ppt/slides/slide12.xml><?xml version="1.0" encoding="utf-8"?>
 <p:sld xmlns:a="http://schemas.openxmlformats.org/drawingml/2006/main" xmlns:r="http://schemas.openxmlformats.org/officeDocument/2006/relationships" xmlns:p="http://schemas.openxmlformats.org/presentationml/2006/main">
   <p:cSld>
     <p:spTree>
@@ -3666,6 +4088,84 @@
 </p:sld>
 </file>
 
+<file path=ppt/slides/slide13.xml><?xml version="1.0" encoding="utf-8"?>
+<p:sld xmlns:a="http://schemas.openxmlformats.org/drawingml/2006/main" xmlns:r="http://schemas.openxmlformats.org/officeDocument/2006/relationships" xmlns:p="http://schemas.openxmlformats.org/presentationml/2006/main">
+  <p:cSld>
+    <p:spTree>
+      <p:nvGrpSpPr>
+        <p:cNvPr id="1" name=""/>
+        <p:cNvGrpSpPr/>
+        <p:nvPr/>
+      </p:nvGrpSpPr>
+      <p:grpSpPr>
+        <a:xfrm>
+          <a:off x="0" y="0"/>
+          <a:ext cx="0" cy="0"/>
+          <a:chOff x="0" y="0"/>
+          <a:chExt cx="0" cy="0"/>
+        </a:xfrm>
+      </p:grpSpPr>
+      <p:sp>
+        <p:nvSpPr>
+          <p:cNvPr id="2" name="1 Başlık"/>
+          <p:cNvSpPr>
+            <a:spLocks noGrp="1"/>
+          </p:cNvSpPr>
+          <p:nvPr>
+            <p:ph type="title"/>
+          </p:nvPr>
+        </p:nvSpPr>
+        <p:spPr/>
+        <p:txBody>
+          <a:bodyPr/>
+          <a:lstStyle/>
+          <a:p>
+            <a:r>
+              <a:rPr lang="tr-TR" dirty="0" err="1" smtClean="0"/>
+              <a:t>References</a:t>
+            </a:r>
+            <a:r>
+              <a:rPr lang="tr-TR" dirty="0" smtClean="0"/>
+              <a:t> </a:t>
+            </a:r>
+            <a:endParaRPr lang="tr-TR" dirty="0"/>
+          </a:p>
+        </p:txBody>
+      </p:sp>
+      <p:sp>
+        <p:nvSpPr>
+          <p:cNvPr id="3" name="2 İçerik Yer Tutucusu"/>
+          <p:cNvSpPr>
+            <a:spLocks noGrp="1"/>
+          </p:cNvSpPr>
+          <p:nvPr>
+            <p:ph idx="1"/>
+          </p:nvPr>
+        </p:nvSpPr>
+        <p:spPr/>
+        <p:txBody>
+          <a:bodyPr/>
+          <a:lstStyle/>
+          <a:p>
+            <a:pPr>
+              <a:buNone/>
+            </a:pPr>
+            <a:r>
+              <a:rPr lang="tr-TR" smtClean="0"/>
+              <a:t>[1]</a:t>
+            </a:r>
+            <a:endParaRPr lang="tr-TR"/>
+          </a:p>
+        </p:txBody>
+      </p:sp>
+    </p:spTree>
+  </p:cSld>
+  <p:clrMapOvr>
+    <a:masterClrMapping/>
+  </p:clrMapOvr>
+</p:sld>
+</file>
+
 <file path=ppt/slides/slide2.xml><?xml version="1.0" encoding="utf-8"?>
 <p:sld xmlns:a="http://schemas.openxmlformats.org/drawingml/2006/main" xmlns:r="http://schemas.openxmlformats.org/officeDocument/2006/relationships" xmlns:p="http://schemas.openxmlformats.org/presentationml/2006/main">
   <p:cSld>
@@ -4065,16 +4565,44 @@
               <a:buNone/>
             </a:pPr>
             <a:r>
-              <a:rPr lang="en-US" sz="2800" dirty="0" smtClean="0"/>
+              <a:rPr lang="en-US" sz="2400" dirty="0" smtClean="0"/>
               <a:t>3 convolution, 3 pooling, 1 fully connected classify  and output layers are used.</a:t>
             </a:r>
-            <a:endParaRPr lang="tr-TR" sz="2800" dirty="0"/>
+            <a:r>
+              <a:rPr lang="tr-TR" sz="2400" dirty="0" smtClean="0"/>
+              <a:t> </a:t>
+            </a:r>
+            <a:r>
+              <a:rPr lang="en-US" sz="2400" dirty="0" smtClean="0"/>
+              <a:t>Adam optimizer and categorical</a:t>
+            </a:r>
+            <a:r>
+              <a:rPr lang="tr-TR" sz="2400" dirty="0" smtClean="0"/>
+              <a:t> </a:t>
+            </a:r>
+            <a:r>
+              <a:rPr lang="en-US" sz="2400" dirty="0" smtClean="0"/>
+              <a:t>cross entropy</a:t>
+            </a:r>
+            <a:r>
+              <a:rPr lang="tr-TR" sz="2400" dirty="0" smtClean="0"/>
+              <a:t> </a:t>
+            </a:r>
+            <a:r>
+              <a:rPr lang="en-US" sz="2400" dirty="0" smtClean="0"/>
+              <a:t>loss function is chosen</a:t>
+            </a:r>
+            <a:r>
+              <a:rPr lang="tr-TR" sz="2400" dirty="0" smtClean="0"/>
+              <a:t>.</a:t>
+            </a:r>
+            <a:endParaRPr lang="en-US" sz="2400" dirty="0"/>
           </a:p>
         </p:txBody>
       </p:sp>
       <p:pic>
         <p:nvPicPr>
-          <p:cNvPr id="3079" name="Picture 7" descr="C:\Users\gunge\OneDrive\Masaüstü\ee543\sunum\keras_diagram (1).png"/>
+          <p:cNvPr id="3080" name="Picture 8" descr="C:\Users\gunge\OneDrive\Masaüstü\ee543\fotos_CNN\keras_diagram.png"/>
           <p:cNvPicPr>
             <a:picLocks noChangeAspect="1" noChangeArrowheads="1"/>
           </p:cNvPicPr>
@@ -4089,8 +4617,8 @@
         </p:blipFill>
         <p:spPr bwMode="auto">
           <a:xfrm>
-            <a:off x="642910" y="2857496"/>
-            <a:ext cx="7913258" cy="3000396"/>
+            <a:off x="1142976" y="3071810"/>
+            <a:ext cx="7348025" cy="2786082"/>
           </a:xfrm>
           <a:prstGeom prst="rect">
             <a:avLst/>
@@ -4114,6 +4642,242 @@
 </file>
 
 <file path=ppt/slides/slide5.xml><?xml version="1.0" encoding="utf-8"?>
+<p:sld xmlns:a="http://schemas.openxmlformats.org/drawingml/2006/main" xmlns:r="http://schemas.openxmlformats.org/officeDocument/2006/relationships" xmlns:p="http://schemas.openxmlformats.org/presentationml/2006/main">
+  <p:cSld>
+    <p:spTree>
+      <p:nvGrpSpPr>
+        <p:cNvPr id="1" name=""/>
+        <p:cNvGrpSpPr/>
+        <p:nvPr/>
+      </p:nvGrpSpPr>
+      <p:grpSpPr>
+        <a:xfrm>
+          <a:off x="0" y="0"/>
+          <a:ext cx="0" cy="0"/>
+          <a:chOff x="0" y="0"/>
+          <a:chExt cx="0" cy="0"/>
+        </a:xfrm>
+      </p:grpSpPr>
+      <p:sp>
+        <p:nvSpPr>
+          <p:cNvPr id="2" name="1 Başlık"/>
+          <p:cNvSpPr>
+            <a:spLocks noGrp="1"/>
+          </p:cNvSpPr>
+          <p:nvPr>
+            <p:ph type="title"/>
+          </p:nvPr>
+        </p:nvSpPr>
+        <p:spPr/>
+        <p:txBody>
+          <a:bodyPr/>
+          <a:lstStyle/>
+          <a:p>
+            <a:endParaRPr lang="tr-TR"/>
+          </a:p>
+        </p:txBody>
+      </p:sp>
+      <p:sp>
+        <p:nvSpPr>
+          <p:cNvPr id="3" name="2 İçerik Yer Tutucusu"/>
+          <p:cNvSpPr>
+            <a:spLocks noGrp="1"/>
+          </p:cNvSpPr>
+          <p:nvPr>
+            <p:ph idx="1"/>
+          </p:nvPr>
+        </p:nvSpPr>
+        <p:spPr>
+          <a:xfrm>
+            <a:off x="428596" y="2500306"/>
+            <a:ext cx="8229600" cy="768337"/>
+          </a:xfrm>
+        </p:spPr>
+        <p:txBody>
+          <a:bodyPr>
+            <a:normAutofit/>
+          </a:bodyPr>
+          <a:lstStyle/>
+          <a:p>
+            <a:pPr algn="ctr">
+              <a:buNone/>
+            </a:pPr>
+            <a:r>
+              <a:rPr lang="en-US" sz="2400" dirty="0" smtClean="0"/>
+              <a:t>Adam optimizer formula</a:t>
+            </a:r>
+            <a:endParaRPr lang="en-US" sz="2400" dirty="0"/>
+          </a:p>
+        </p:txBody>
+      </p:sp>
+      <p:pic>
+        <p:nvPicPr>
+          <p:cNvPr id="9218" name="Picture 2"/>
+          <p:cNvPicPr>
+            <a:picLocks noChangeAspect="1" noChangeArrowheads="1"/>
+          </p:cNvPicPr>
+          <p:nvPr/>
+        </p:nvPicPr>
+        <p:blipFill>
+          <a:blip r:embed="rId2"/>
+          <a:srcRect/>
+          <a:stretch>
+            <a:fillRect/>
+          </a:stretch>
+        </p:blipFill>
+        <p:spPr bwMode="auto">
+          <a:xfrm>
+            <a:off x="500034" y="571480"/>
+            <a:ext cx="8063423" cy="1857388"/>
+          </a:xfrm>
+          <a:prstGeom prst="rect">
+            <a:avLst/>
+          </a:prstGeom>
+          <a:noFill/>
+          <a:ln w="9525">
+            <a:noFill/>
+            <a:miter lim="800000"/>
+            <a:headEnd/>
+            <a:tailEnd/>
+          </a:ln>
+          <a:effectLst/>
+        </p:spPr>
+      </p:pic>
+      <p:sp>
+        <p:nvSpPr>
+          <p:cNvPr id="6" name="2 İçerik Yer Tutucusu"/>
+          <p:cNvSpPr txBox="1">
+            <a:spLocks/>
+          </p:cNvSpPr>
+          <p:nvPr/>
+        </p:nvSpPr>
+        <p:spPr>
+          <a:xfrm>
+            <a:off x="500034" y="5715016"/>
+            <a:ext cx="8229600" cy="768337"/>
+          </a:xfrm>
+          <a:prstGeom prst="rect">
+            <a:avLst/>
+          </a:prstGeom>
+        </p:spPr>
+        <p:txBody>
+          <a:bodyPr vert="horz" lIns="91440" tIns="45720" rIns="91440" bIns="45720" rtlCol="0">
+            <a:normAutofit/>
+          </a:bodyPr>
+          <a:lstStyle/>
+          <a:p>
+            <a:pPr marL="342900" marR="0" lvl="0" indent="-342900" algn="ctr" defTabSz="914400" rtl="0" eaLnBrk="1" fontAlgn="auto" latinLnBrk="0" hangingPunct="1">
+              <a:lnSpc>
+                <a:spcPct val="100000"/>
+              </a:lnSpc>
+              <a:spcBef>
+                <a:spcPct val="20000"/>
+              </a:spcBef>
+              <a:spcAft>
+                <a:spcPts val="0"/>
+              </a:spcAft>
+              <a:buClrTx/>
+              <a:buSzTx/>
+              <a:buFont typeface="Arial" pitchFamily="34" charset="0"/>
+              <a:buNone/>
+              <a:tabLst/>
+              <a:defRPr/>
+            </a:pPr>
+            <a:r>
+              <a:rPr kumimoji="0" lang="en-US" sz="2400" b="0" i="0" u="none" strike="noStrike" kern="1200" cap="none" spc="0" normalizeH="0" baseline="0" dirty="0" smtClean="0">
+                <a:ln>
+                  <a:noFill/>
+                </a:ln>
+                <a:solidFill>
+                  <a:schemeClr val="tx1"/>
+                </a:solidFill>
+                <a:effectLst/>
+                <a:uLnTx/>
+                <a:uFillTx/>
+                <a:latin typeface="+mn-lt"/>
+                <a:ea typeface="+mn-ea"/>
+                <a:cs typeface="+mn-cs"/>
+              </a:rPr>
+              <a:t>Cross entropy formula</a:t>
+            </a:r>
+          </a:p>
+        </p:txBody>
+      </p:sp>
+      <p:pic>
+        <p:nvPicPr>
+          <p:cNvPr id="9221" name="Picture 5"/>
+          <p:cNvPicPr>
+            <a:picLocks noChangeAspect="1" noChangeArrowheads="1"/>
+          </p:cNvPicPr>
+          <p:nvPr/>
+        </p:nvPicPr>
+        <p:blipFill>
+          <a:blip r:embed="rId3"/>
+          <a:srcRect/>
+          <a:stretch>
+            <a:fillRect/>
+          </a:stretch>
+        </p:blipFill>
+        <p:spPr bwMode="auto">
+          <a:xfrm>
+            <a:off x="357158" y="3643314"/>
+            <a:ext cx="8562975" cy="2009775"/>
+          </a:xfrm>
+          <a:prstGeom prst="rect">
+            <a:avLst/>
+          </a:prstGeom>
+          <a:noFill/>
+          <a:ln w="9525">
+            <a:noFill/>
+            <a:miter lim="800000"/>
+            <a:headEnd/>
+            <a:tailEnd/>
+          </a:ln>
+          <a:effectLst/>
+        </p:spPr>
+      </p:pic>
+      <p:pic>
+        <p:nvPicPr>
+          <p:cNvPr id="9220" name="Picture 4"/>
+          <p:cNvPicPr>
+            <a:picLocks noChangeAspect="1" noChangeArrowheads="1"/>
+          </p:cNvPicPr>
+          <p:nvPr/>
+        </p:nvPicPr>
+        <p:blipFill>
+          <a:blip r:embed="rId4"/>
+          <a:srcRect/>
+          <a:stretch>
+            <a:fillRect/>
+          </a:stretch>
+        </p:blipFill>
+        <p:spPr bwMode="auto">
+          <a:xfrm>
+            <a:off x="3428992" y="4572008"/>
+            <a:ext cx="5336834" cy="857256"/>
+          </a:xfrm>
+          <a:prstGeom prst="rect">
+            <a:avLst/>
+          </a:prstGeom>
+          <a:noFill/>
+          <a:ln w="9525">
+            <a:noFill/>
+            <a:miter lim="800000"/>
+            <a:headEnd/>
+            <a:tailEnd/>
+          </a:ln>
+          <a:effectLst/>
+        </p:spPr>
+      </p:pic>
+    </p:spTree>
+  </p:cSld>
+  <p:clrMapOvr>
+    <a:masterClrMapping/>
+  </p:clrMapOvr>
+</p:sld>
+</file>
+
+<file path=ppt/slides/slide6.xml><?xml version="1.0" encoding="utf-8"?>
 <p:sld xmlns:a="http://schemas.openxmlformats.org/drawingml/2006/main" xmlns:r="http://schemas.openxmlformats.org/officeDocument/2006/relationships" xmlns:p="http://schemas.openxmlformats.org/presentationml/2006/main">
   <p:cSld>
     <p:spTree>
@@ -4235,7 +4999,7 @@
 </p:sld>
 </file>
 
-<file path=ppt/slides/slide6.xml><?xml version="1.0" encoding="utf-8"?>
+<file path=ppt/slides/slide7.xml><?xml version="1.0" encoding="utf-8"?>
 <p:sld xmlns:a="http://schemas.openxmlformats.org/drawingml/2006/main" xmlns:r="http://schemas.openxmlformats.org/officeDocument/2006/relationships" xmlns:p="http://schemas.openxmlformats.org/presentationml/2006/main">
   <p:cSld>
     <p:spTree>
@@ -4461,117 +5225,6 @@
 </p:sld>
 </file>
 
-<file path=ppt/slides/slide7.xml><?xml version="1.0" encoding="utf-8"?>
-<p:sld xmlns:a="http://schemas.openxmlformats.org/drawingml/2006/main" xmlns:r="http://schemas.openxmlformats.org/officeDocument/2006/relationships" xmlns:p="http://schemas.openxmlformats.org/presentationml/2006/main">
-  <p:cSld>
-    <p:spTree>
-      <p:nvGrpSpPr>
-        <p:cNvPr id="1" name=""/>
-        <p:cNvGrpSpPr/>
-        <p:nvPr/>
-      </p:nvGrpSpPr>
-      <p:grpSpPr>
-        <a:xfrm>
-          <a:off x="0" y="0"/>
-          <a:ext cx="0" cy="0"/>
-          <a:chOff x="0" y="0"/>
-          <a:chExt cx="0" cy="0"/>
-        </a:xfrm>
-      </p:grpSpPr>
-      <p:sp>
-        <p:nvSpPr>
-          <p:cNvPr id="2" name="1 Başlık"/>
-          <p:cNvSpPr>
-            <a:spLocks noGrp="1"/>
-          </p:cNvSpPr>
-          <p:nvPr>
-            <p:ph type="title"/>
-          </p:nvPr>
-        </p:nvSpPr>
-        <p:spPr/>
-        <p:txBody>
-          <a:bodyPr/>
-          <a:lstStyle/>
-          <a:p>
-            <a:r>
-              <a:rPr lang="en-US" dirty="0" smtClean="0"/>
-              <a:t>Multilayer Neural </a:t>
-            </a:r>
-            <a:r>
-              <a:rPr lang="tr-TR" dirty="0" smtClean="0"/>
-              <a:t>Network</a:t>
-            </a:r>
-            <a:endParaRPr lang="tr-TR" dirty="0"/>
-          </a:p>
-        </p:txBody>
-      </p:sp>
-      <p:sp>
-        <p:nvSpPr>
-          <p:cNvPr id="3" name="2 İçerik Yer Tutucusu"/>
-          <p:cNvSpPr>
-            <a:spLocks noGrp="1"/>
-          </p:cNvSpPr>
-          <p:nvPr>
-            <p:ph idx="1"/>
-          </p:nvPr>
-        </p:nvSpPr>
-        <p:spPr/>
-        <p:txBody>
-          <a:bodyPr/>
-          <a:lstStyle/>
-          <a:p>
-            <a:pPr algn="ctr">
-              <a:buNone/>
-            </a:pPr>
-            <a:r>
-              <a:rPr lang="en-US" dirty="0" smtClean="0"/>
-              <a:t>4 layers and 2 dropouts are used. </a:t>
-            </a:r>
-            <a:endParaRPr lang="tr-TR" dirty="0"/>
-          </a:p>
-        </p:txBody>
-      </p:sp>
-      <p:pic>
-        <p:nvPicPr>
-          <p:cNvPr id="6146" name="Picture 2" descr="C:\Users\gunge\OneDrive\Masaüstü\ee543\fotos_ML\block=diagram.png"/>
-          <p:cNvPicPr>
-            <a:picLocks noChangeAspect="1" noChangeArrowheads="1"/>
-          </p:cNvPicPr>
-          <p:nvPr/>
-        </p:nvPicPr>
-        <p:blipFill>
-          <a:blip r:embed="rId2"/>
-          <a:srcRect/>
-          <a:stretch>
-            <a:fillRect/>
-          </a:stretch>
-        </p:blipFill>
-        <p:spPr bwMode="auto">
-          <a:xfrm>
-            <a:off x="500034" y="2786058"/>
-            <a:ext cx="8018300" cy="3214710"/>
-          </a:xfrm>
-          <a:prstGeom prst="rect">
-            <a:avLst/>
-          </a:prstGeom>
-          <a:noFill/>
-        </p:spPr>
-      </p:pic>
-    </p:spTree>
-  </p:cSld>
-  <p:clrMapOvr>
-    <a:masterClrMapping/>
-  </p:clrMapOvr>
-  <p:timing>
-    <p:tnLst>
-      <p:par>
-        <p:cTn id="1" dur="indefinite" restart="never" nodeType="tmRoot"/>
-      </p:par>
-    </p:tnLst>
-  </p:timing>
-</p:sld>
-</file>
-
 <file path=ppt/slides/slide8.xml><?xml version="1.0" encoding="utf-8"?>
 <p:sld xmlns:a="http://schemas.openxmlformats.org/drawingml/2006/main" xmlns:r="http://schemas.openxmlformats.org/officeDocument/2006/relationships" xmlns:p="http://schemas.openxmlformats.org/presentationml/2006/main">
   <p:cSld>
@@ -4604,7 +5257,15 @@
           <a:bodyPr/>
           <a:lstStyle/>
           <a:p>
-            <a:endParaRPr lang="tr-TR"/>
+            <a:r>
+              <a:rPr lang="en-US" dirty="0" smtClean="0"/>
+              <a:t>Multilayer Neural </a:t>
+            </a:r>
+            <a:r>
+              <a:rPr lang="tr-TR" dirty="0" smtClean="0"/>
+              <a:t>Network</a:t>
+            </a:r>
+            <a:endParaRPr lang="tr-TR" dirty="0"/>
           </a:p>
         </p:txBody>
       </p:sp>
@@ -4620,16 +5281,101 @@
         </p:nvSpPr>
         <p:spPr/>
         <p:txBody>
-          <a:bodyPr/>
-          <a:lstStyle/>
-          <a:p>
-            <a:endParaRPr lang="tr-TR" dirty="0"/>
+          <a:bodyPr>
+            <a:normAutofit/>
+          </a:bodyPr>
+          <a:lstStyle/>
+          <a:p>
+            <a:pPr algn="ctr">
+              <a:buNone/>
+            </a:pPr>
+            <a:r>
+              <a:rPr lang="en-US" sz="2800" dirty="0" smtClean="0"/>
+              <a:t>4 layers and 2 dropouts are used.</a:t>
+            </a:r>
+            <a:r>
+              <a:rPr lang="tr-TR" sz="2800" dirty="0" smtClean="0"/>
+              <a:t> </a:t>
+            </a:r>
+            <a:r>
+              <a:rPr lang="en-US" sz="2800" dirty="0" smtClean="0"/>
+              <a:t>Gradient</a:t>
+            </a:r>
+            <a:r>
+              <a:rPr lang="tr-TR" sz="2800" dirty="0" smtClean="0"/>
+              <a:t> </a:t>
+            </a:r>
+            <a:r>
+              <a:rPr lang="en-US" sz="2800" dirty="0" smtClean="0"/>
+              <a:t>descent</a:t>
+            </a:r>
+            <a:r>
+              <a:rPr lang="tr-TR" sz="2800" dirty="0" smtClean="0"/>
+              <a:t> op</a:t>
+            </a:r>
+            <a:r>
+              <a:rPr lang="en-US" sz="2800" dirty="0" err="1" smtClean="0"/>
+              <a:t>timizie</a:t>
+            </a:r>
+            <a:r>
+              <a:rPr lang="tr-TR" sz="2800" dirty="0" smtClean="0"/>
+              <a:t>r </a:t>
+            </a:r>
+            <a:r>
+              <a:rPr lang="en-US" sz="2800" dirty="0" smtClean="0"/>
+              <a:t>and</a:t>
+            </a:r>
+            <a:r>
+              <a:rPr lang="tr-TR" sz="2800" dirty="0" smtClean="0"/>
+              <a:t> </a:t>
+            </a:r>
+            <a:r>
+              <a:rPr lang="en-US" sz="2800" dirty="0" smtClean="0"/>
+              <a:t>square root</a:t>
+            </a:r>
+            <a:r>
+              <a:rPr lang="tr-TR" sz="2800" dirty="0" smtClean="0"/>
+              <a:t> </a:t>
+            </a:r>
+            <a:r>
+              <a:rPr lang="en-US" sz="2800" dirty="0" smtClean="0"/>
+              <a:t>hinges</a:t>
+            </a:r>
+            <a:r>
+              <a:rPr lang="tr-TR" sz="2800" dirty="0" smtClean="0"/>
+              <a:t> </a:t>
+            </a:r>
+            <a:r>
+              <a:rPr lang="tr-TR" sz="2800" dirty="0" err="1" smtClean="0"/>
+              <a:t>loss</a:t>
+            </a:r>
+            <a:r>
+              <a:rPr lang="tr-TR" sz="2800" dirty="0" smtClean="0"/>
+              <a:t> </a:t>
+            </a:r>
+            <a:r>
+              <a:rPr lang="tr-TR" sz="2800" dirty="0" err="1" smtClean="0"/>
+              <a:t>function</a:t>
+            </a:r>
+            <a:r>
+              <a:rPr lang="tr-TR" sz="2800" dirty="0" smtClean="0"/>
+              <a:t> is </a:t>
+            </a:r>
+            <a:r>
+              <a:rPr lang="tr-TR" sz="2800" dirty="0" err="1" smtClean="0"/>
+              <a:t>chosen</a:t>
+            </a:r>
+            <a:r>
+              <a:rPr lang="en-US" sz="2800" dirty="0" smtClean="0"/>
+              <a:t> </a:t>
+            </a:r>
+            <a:endParaRPr lang="tr-TR" sz="2800" dirty="0"/>
           </a:p>
         </p:txBody>
       </p:sp>
       <p:pic>
         <p:nvPicPr>
-          <p:cNvPr id="7170" name="Picture 2" descr="C:\Users\gunge\OneDrive\Masaüstü\ee543\fotos_ML\accuracy_ML.png"/>
+          <p:cNvPr id="6147" name="Picture 3" descr="C:\Users\gunge\OneDrive\Masaüstü\ee543\fotos_ML\Untitled Diagram.png"/>
           <p:cNvPicPr>
             <a:picLocks noChangeAspect="1" noChangeArrowheads="1"/>
           </p:cNvPicPr>
@@ -4644,34 +5390,8 @@
         </p:blipFill>
         <p:spPr bwMode="auto">
           <a:xfrm>
-            <a:off x="0" y="0"/>
-            <a:ext cx="4972982" cy="3500438"/>
-          </a:xfrm>
-          <a:prstGeom prst="rect">
-            <a:avLst/>
-          </a:prstGeom>
-          <a:noFill/>
-        </p:spPr>
-      </p:pic>
-      <p:pic>
-        <p:nvPicPr>
-          <p:cNvPr id="7171" name="Picture 3" descr="C:\Users\gunge\OneDrive\Masaüstü\ee543\fotos_ML\loss.png"/>
-          <p:cNvPicPr>
-            <a:picLocks noChangeAspect="1" noChangeArrowheads="1"/>
-          </p:cNvPicPr>
-          <p:nvPr/>
-        </p:nvPicPr>
-        <p:blipFill>
-          <a:blip r:embed="rId3"/>
-          <a:srcRect/>
-          <a:stretch>
-            <a:fillRect/>
-          </a:stretch>
-        </p:blipFill>
-        <p:spPr bwMode="auto">
-          <a:xfrm>
-            <a:off x="4171017" y="3357562"/>
-            <a:ext cx="4972983" cy="3500438"/>
+            <a:off x="714348" y="3143248"/>
+            <a:ext cx="7661931" cy="3071834"/>
           </a:xfrm>
           <a:prstGeom prst="rect">
             <a:avLst/>
@@ -4726,32 +5446,235 @@
           <a:bodyPr/>
           <a:lstStyle/>
           <a:p>
-            <a:endParaRPr lang="tr-TR"/>
-          </a:p>
-        </p:txBody>
-      </p:sp>
-      <p:sp>
-        <p:nvSpPr>
-          <p:cNvPr id="3" name="2 İçerik Yer Tutucusu"/>
-          <p:cNvSpPr>
-            <a:spLocks noGrp="1"/>
-          </p:cNvSpPr>
-          <p:nvPr>
-            <p:ph idx="1"/>
-          </p:nvPr>
-        </p:nvSpPr>
-        <p:spPr/>
-        <p:txBody>
-          <a:bodyPr/>
-          <a:lstStyle/>
-          <a:p>
             <a:endParaRPr lang="tr-TR" dirty="0"/>
+          </a:p>
+        </p:txBody>
+      </p:sp>
+      <p:sp>
+        <p:nvSpPr>
+          <p:cNvPr id="4" name="2 İçerik Yer Tutucusu"/>
+          <p:cNvSpPr txBox="1">
+            <a:spLocks/>
+          </p:cNvSpPr>
+          <p:nvPr/>
+        </p:nvSpPr>
+        <p:spPr>
+          <a:xfrm>
+            <a:off x="428596" y="2500306"/>
+            <a:ext cx="8229600" cy="768337"/>
+          </a:xfrm>
+          <a:prstGeom prst="rect">
+            <a:avLst/>
+          </a:prstGeom>
+        </p:spPr>
+        <p:txBody>
+          <a:bodyPr vert="horz" lIns="91440" tIns="45720" rIns="91440" bIns="45720" rtlCol="0">
+            <a:normAutofit/>
+          </a:bodyPr>
+          <a:lstStyle/>
+          <a:p>
+            <a:pPr marL="342900" marR="0" lvl="0" indent="-342900" algn="ctr" defTabSz="914400" rtl="0" eaLnBrk="1" fontAlgn="auto" latinLnBrk="0" hangingPunct="1">
+              <a:lnSpc>
+                <a:spcPct val="100000"/>
+              </a:lnSpc>
+              <a:spcBef>
+                <a:spcPct val="20000"/>
+              </a:spcBef>
+              <a:spcAft>
+                <a:spcPts val="0"/>
+              </a:spcAft>
+              <a:buClrTx/>
+              <a:buSzTx/>
+              <a:buFont typeface="Arial" pitchFamily="34" charset="0"/>
+              <a:buNone/>
+              <a:tabLst/>
+              <a:defRPr/>
+            </a:pPr>
+            <a:r>
+              <a:rPr kumimoji="0" lang="en-US" sz="2400" b="0" i="0" u="none" strike="noStrike" kern="1200" cap="none" spc="0" normalizeH="0" baseline="0" dirty="0" smtClean="0">
+                <a:ln>
+                  <a:noFill/>
+                </a:ln>
+                <a:solidFill>
+                  <a:schemeClr val="tx1"/>
+                </a:solidFill>
+                <a:effectLst/>
+                <a:uLnTx/>
+                <a:uFillTx/>
+                <a:latin typeface="+mn-lt"/>
+                <a:ea typeface="+mn-ea"/>
+                <a:cs typeface="+mn-cs"/>
+              </a:rPr>
+              <a:t>Gradient</a:t>
+            </a:r>
+            <a:r>
+              <a:rPr kumimoji="0" lang="en-US" sz="2400" b="0" i="0" u="none" strike="noStrike" kern="1200" cap="none" spc="0" normalizeH="0" dirty="0" smtClean="0">
+                <a:ln>
+                  <a:noFill/>
+                </a:ln>
+                <a:solidFill>
+                  <a:schemeClr val="tx1"/>
+                </a:solidFill>
+                <a:effectLst/>
+                <a:uLnTx/>
+                <a:uFillTx/>
+                <a:latin typeface="+mn-lt"/>
+                <a:ea typeface="+mn-ea"/>
+                <a:cs typeface="+mn-cs"/>
+              </a:rPr>
+              <a:t> Descent</a:t>
+            </a:r>
+            <a:r>
+              <a:rPr kumimoji="0" lang="en-US" sz="2400" b="0" i="0" u="none" strike="noStrike" kern="1200" cap="none" spc="0" normalizeH="0" baseline="0" noProof="0" dirty="0" smtClean="0">
+                <a:ln>
+                  <a:noFill/>
+                </a:ln>
+                <a:solidFill>
+                  <a:schemeClr val="tx1"/>
+                </a:solidFill>
+                <a:effectLst/>
+                <a:uLnTx/>
+                <a:uFillTx/>
+                <a:latin typeface="+mn-lt"/>
+                <a:ea typeface="+mn-ea"/>
+                <a:cs typeface="+mn-cs"/>
+              </a:rPr>
+              <a:t> optimizer formula</a:t>
+            </a:r>
+          </a:p>
+        </p:txBody>
+      </p:sp>
+      <p:sp>
+        <p:nvSpPr>
+          <p:cNvPr id="6" name="2 İçerik Yer Tutucusu"/>
+          <p:cNvSpPr txBox="1">
+            <a:spLocks/>
+          </p:cNvSpPr>
+          <p:nvPr/>
+        </p:nvSpPr>
+        <p:spPr>
+          <a:xfrm>
+            <a:off x="500034" y="5715016"/>
+            <a:ext cx="8229600" cy="768337"/>
+          </a:xfrm>
+          <a:prstGeom prst="rect">
+            <a:avLst/>
+          </a:prstGeom>
+        </p:spPr>
+        <p:txBody>
+          <a:bodyPr vert="horz" lIns="91440" tIns="45720" rIns="91440" bIns="45720" rtlCol="0">
+            <a:normAutofit/>
+          </a:bodyPr>
+          <a:lstStyle/>
+          <a:p>
+            <a:pPr marL="342900" marR="0" lvl="0" indent="-342900" algn="ctr" defTabSz="914400" rtl="0" eaLnBrk="1" fontAlgn="auto" latinLnBrk="0" hangingPunct="1">
+              <a:lnSpc>
+                <a:spcPct val="100000"/>
+              </a:lnSpc>
+              <a:spcBef>
+                <a:spcPct val="20000"/>
+              </a:spcBef>
+              <a:spcAft>
+                <a:spcPts val="0"/>
+              </a:spcAft>
+              <a:buClrTx/>
+              <a:buSzTx/>
+              <a:buFont typeface="Arial" pitchFamily="34" charset="0"/>
+              <a:buNone/>
+              <a:tabLst/>
+              <a:defRPr/>
+            </a:pPr>
+            <a:r>
+              <a:rPr kumimoji="0" lang="tr-TR" sz="2400" b="0" i="0" u="none" strike="noStrike" kern="1200" cap="none" spc="0" normalizeH="0" baseline="0" dirty="0" err="1" smtClean="0">
+                <a:ln>
+                  <a:noFill/>
+                </a:ln>
+                <a:solidFill>
+                  <a:schemeClr val="tx1"/>
+                </a:solidFill>
+                <a:effectLst/>
+                <a:uLnTx/>
+                <a:uFillTx/>
+                <a:latin typeface="+mn-lt"/>
+                <a:ea typeface="+mn-ea"/>
+                <a:cs typeface="+mn-cs"/>
+              </a:rPr>
+              <a:t>Hinge</a:t>
+            </a:r>
+            <a:r>
+              <a:rPr kumimoji="0" lang="tr-TR" sz="2400" b="0" i="0" u="none" strike="noStrike" kern="1200" cap="none" spc="0" normalizeH="0" baseline="0" dirty="0" smtClean="0">
+                <a:ln>
+                  <a:noFill/>
+                </a:ln>
+                <a:solidFill>
+                  <a:schemeClr val="tx1"/>
+                </a:solidFill>
+                <a:effectLst/>
+                <a:uLnTx/>
+                <a:uFillTx/>
+                <a:latin typeface="+mn-lt"/>
+                <a:ea typeface="+mn-ea"/>
+                <a:cs typeface="+mn-cs"/>
+              </a:rPr>
+              <a:t> </a:t>
+            </a:r>
+            <a:r>
+              <a:rPr kumimoji="0" lang="tr-TR" sz="2400" b="0" i="0" u="none" strike="noStrike" kern="1200" cap="none" spc="0" normalizeH="0" baseline="0" dirty="0" err="1" smtClean="0">
+                <a:ln>
+                  <a:noFill/>
+                </a:ln>
+                <a:solidFill>
+                  <a:schemeClr val="tx1"/>
+                </a:solidFill>
+                <a:effectLst/>
+                <a:uLnTx/>
+                <a:uFillTx/>
+                <a:latin typeface="+mn-lt"/>
+                <a:ea typeface="+mn-ea"/>
+                <a:cs typeface="+mn-cs"/>
+              </a:rPr>
+              <a:t>loss</a:t>
+            </a:r>
+            <a:r>
+              <a:rPr kumimoji="0" lang="tr-TR" sz="2400" b="0" i="0" u="none" strike="noStrike" kern="1200" cap="none" spc="0" normalizeH="0" baseline="0" dirty="0" smtClean="0">
+                <a:ln>
+                  <a:noFill/>
+                </a:ln>
+                <a:solidFill>
+                  <a:schemeClr val="tx1"/>
+                </a:solidFill>
+                <a:effectLst/>
+                <a:uLnTx/>
+                <a:uFillTx/>
+                <a:latin typeface="+mn-lt"/>
+                <a:ea typeface="+mn-ea"/>
+                <a:cs typeface="+mn-cs"/>
+              </a:rPr>
+              <a:t> </a:t>
+            </a:r>
+            <a:r>
+              <a:rPr kumimoji="0" lang="en-US" sz="2400" b="0" i="0" u="none" strike="noStrike" kern="1200" cap="none" spc="0" normalizeH="0" baseline="0" dirty="0" smtClean="0">
+                <a:ln>
+                  <a:noFill/>
+                </a:ln>
+                <a:solidFill>
+                  <a:schemeClr val="tx1"/>
+                </a:solidFill>
+                <a:effectLst/>
+                <a:uLnTx/>
+                <a:uFillTx/>
+                <a:latin typeface="+mn-lt"/>
+                <a:ea typeface="+mn-ea"/>
+                <a:cs typeface="+mn-cs"/>
+              </a:rPr>
+              <a:t>formula</a:t>
+            </a:r>
           </a:p>
         </p:txBody>
       </p:sp>
       <p:pic>
         <p:nvPicPr>
-          <p:cNvPr id="8194" name="Picture 2" descr="C:\Users\gunge\OneDrive\Masaüstü\ee543\fotos_ML\t115s.png"/>
+          <p:cNvPr id="10242" name="Picture 2" descr="https://upload.wikimedia.org/wikipedia/commons/thumb/f/ff/Gradient_descent.svg/350px-Gradient_descent.svg.png"/>
           <p:cNvPicPr>
             <a:picLocks noChangeAspect="1" noChangeArrowheads="1"/>
           </p:cNvPicPr>
@@ -4766,8 +5689,8 @@
         </p:blipFill>
         <p:spPr bwMode="auto">
           <a:xfrm>
-            <a:off x="3071802" y="285728"/>
-            <a:ext cx="3092163" cy="2019996"/>
+            <a:off x="5810250" y="0"/>
+            <a:ext cx="3333750" cy="3571875"/>
           </a:xfrm>
           <a:prstGeom prst="rect">
             <a:avLst/>
@@ -4777,7 +5700,7 @@
       </p:pic>
       <p:pic>
         <p:nvPicPr>
-          <p:cNvPr id="8195" name="Picture 3" descr="C:\Users\gunge\OneDrive\Masaüstü\ee543\fotos_ML\t115p.png"/>
+          <p:cNvPr id="10243" name="Picture 3"/>
           <p:cNvPicPr>
             <a:picLocks noChangeAspect="1" noChangeArrowheads="1"/>
           </p:cNvPicPr>
@@ -4792,22 +5715,31 @@
         </p:blipFill>
         <p:spPr bwMode="auto">
           <a:xfrm>
-            <a:off x="6072198" y="285728"/>
-            <a:ext cx="3071802" cy="2028857"/>
+            <a:off x="500034" y="1071546"/>
+            <a:ext cx="5072066" cy="1076240"/>
           </a:xfrm>
           <a:prstGeom prst="rect">
             <a:avLst/>
           </a:prstGeom>
           <a:noFill/>
+          <a:ln w="9525">
+            <a:noFill/>
+            <a:miter lim="800000"/>
+            <a:headEnd/>
+            <a:tailEnd/>
+          </a:ln>
+          <a:effectLst/>
         </p:spPr>
       </p:pic>
       <p:pic>
         <p:nvPicPr>
-          <p:cNvPr id="8196" name="Picture 4" descr="C:\Users\gunge\OneDrive\Masaüstü\ee543\fotos_ML\t350s.png"/>
+          <p:cNvPr id="10244" name="Picture 4"/>
           <p:cNvPicPr>
-            <a:picLocks noChangeAspect="1" noChangeArrowheads="1"/>
+            <a:picLocks noGrp="1" noChangeAspect="1" noChangeArrowheads="1"/>
           </p:cNvPicPr>
-          <p:nvPr/>
+          <p:nvPr>
+            <p:ph idx="1"/>
+          </p:nvPr>
         </p:nvPicPr>
         <p:blipFill>
           <a:blip r:embed="rId4"/>
@@ -4818,169 +5750,20 @@
         </p:blipFill>
         <p:spPr bwMode="auto">
           <a:xfrm>
-            <a:off x="3071802" y="2428868"/>
-            <a:ext cx="3061958" cy="2000264"/>
+            <a:off x="785786" y="4500570"/>
+            <a:ext cx="5357850" cy="1094439"/>
           </a:xfrm>
           <a:prstGeom prst="rect">
             <a:avLst/>
           </a:prstGeom>
           <a:noFill/>
-        </p:spPr>
-      </p:pic>
-      <p:pic>
-        <p:nvPicPr>
-          <p:cNvPr id="8197" name="Picture 5" descr="C:\Users\gunge\OneDrive\Masaüstü\ee543\fotos_ML\t350p.png"/>
-          <p:cNvPicPr>
-            <a:picLocks noChangeAspect="1" noChangeArrowheads="1"/>
-          </p:cNvPicPr>
-          <p:nvPr/>
-        </p:nvPicPr>
-        <p:blipFill>
-          <a:blip r:embed="rId5"/>
-          <a:srcRect/>
-          <a:stretch>
-            <a:fillRect/>
-          </a:stretch>
-        </p:blipFill>
-        <p:spPr bwMode="auto">
-          <a:xfrm>
-            <a:off x="6108921" y="2428868"/>
-            <a:ext cx="3035079" cy="2004601"/>
-          </a:xfrm>
-          <a:prstGeom prst="rect">
-            <a:avLst/>
-          </a:prstGeom>
-          <a:noFill/>
-        </p:spPr>
-      </p:pic>
-      <p:pic>
-        <p:nvPicPr>
-          <p:cNvPr id="8198" name="Picture 6" descr="C:\Users\gunge\OneDrive\Masaüstü\ee543\fotos_ML\t293s.png"/>
-          <p:cNvPicPr>
-            <a:picLocks noChangeAspect="1" noChangeArrowheads="1"/>
-          </p:cNvPicPr>
-          <p:nvPr/>
-        </p:nvPicPr>
-        <p:blipFill>
-          <a:blip r:embed="rId6"/>
-          <a:srcRect/>
-          <a:stretch>
-            <a:fillRect/>
-          </a:stretch>
-        </p:blipFill>
-        <p:spPr bwMode="auto">
-          <a:xfrm>
-            <a:off x="3214678" y="4643446"/>
-            <a:ext cx="2948305" cy="2000263"/>
-          </a:xfrm>
-          <a:prstGeom prst="rect">
-            <a:avLst/>
-          </a:prstGeom>
-          <a:noFill/>
-        </p:spPr>
-      </p:pic>
-      <p:pic>
-        <p:nvPicPr>
-          <p:cNvPr id="8199" name="Picture 7" descr="C:\Users\gunge\OneDrive\Masaüstü\ee543\fotos_ML\t293p.png"/>
-          <p:cNvPicPr>
-            <a:picLocks noChangeAspect="1" noChangeArrowheads="1"/>
-          </p:cNvPicPr>
-          <p:nvPr/>
-        </p:nvPicPr>
-        <p:blipFill>
-          <a:blip r:embed="rId7"/>
-          <a:srcRect/>
-          <a:stretch>
-            <a:fillRect/>
-          </a:stretch>
-        </p:blipFill>
-        <p:spPr bwMode="auto">
-          <a:xfrm>
-            <a:off x="6115450" y="4643422"/>
-            <a:ext cx="3028549" cy="2000288"/>
-          </a:xfrm>
-          <a:prstGeom prst="rect">
-            <a:avLst/>
-          </a:prstGeom>
-          <a:noFill/>
-        </p:spPr>
-      </p:pic>
-      <p:pic>
-        <p:nvPicPr>
-          <p:cNvPr id="8200" name="Picture 8" descr="C:\Users\gunge\OneDrive\Masaüstü\ee543\fotos_CNN\t115s.png"/>
-          <p:cNvPicPr>
-            <a:picLocks noChangeAspect="1" noChangeArrowheads="1"/>
-          </p:cNvPicPr>
-          <p:nvPr/>
-        </p:nvPicPr>
-        <p:blipFill>
-          <a:blip r:embed="rId8"/>
-          <a:srcRect/>
-          <a:stretch>
-            <a:fillRect/>
-          </a:stretch>
-        </p:blipFill>
-        <p:spPr bwMode="auto">
-          <a:xfrm>
-            <a:off x="128800" y="285729"/>
-            <a:ext cx="3061957" cy="2000264"/>
-          </a:xfrm>
-          <a:prstGeom prst="rect">
-            <a:avLst/>
-          </a:prstGeom>
-          <a:noFill/>
-        </p:spPr>
-      </p:pic>
-      <p:pic>
-        <p:nvPicPr>
-          <p:cNvPr id="8201" name="Picture 9" descr="C:\Users\gunge\OneDrive\Masaüstü\ee543\fotos_CNN\test350_s.png"/>
-          <p:cNvPicPr>
-            <a:picLocks noChangeAspect="1" noChangeArrowheads="1"/>
-          </p:cNvPicPr>
-          <p:nvPr/>
-        </p:nvPicPr>
-        <p:blipFill>
-          <a:blip r:embed="rId9"/>
-          <a:srcRect/>
-          <a:stretch>
-            <a:fillRect/>
-          </a:stretch>
-        </p:blipFill>
-        <p:spPr bwMode="auto">
-          <a:xfrm>
-            <a:off x="155943" y="2428868"/>
-            <a:ext cx="3061957" cy="2000264"/>
-          </a:xfrm>
-          <a:prstGeom prst="rect">
-            <a:avLst/>
-          </a:prstGeom>
-          <a:noFill/>
-        </p:spPr>
-      </p:pic>
-      <p:pic>
-        <p:nvPicPr>
-          <p:cNvPr id="8202" name="Picture 10" descr="C:\Users\gunge\OneDrive\Masaüstü\ee543\fotos_CNN\test293_s.png"/>
-          <p:cNvPicPr>
-            <a:picLocks noChangeAspect="1" noChangeArrowheads="1"/>
-          </p:cNvPicPr>
-          <p:nvPr/>
-        </p:nvPicPr>
-        <p:blipFill>
-          <a:blip r:embed="rId10"/>
-          <a:srcRect/>
-          <a:stretch>
-            <a:fillRect/>
-          </a:stretch>
-        </p:blipFill>
-        <p:spPr bwMode="auto">
-          <a:xfrm>
-            <a:off x="357158" y="4714884"/>
-            <a:ext cx="2901473" cy="1968490"/>
-          </a:xfrm>
-          <a:prstGeom prst="rect">
-            <a:avLst/>
-          </a:prstGeom>
-          <a:noFill/>
+          <a:ln w="9525">
+            <a:noFill/>
+            <a:miter lim="800000"/>
+            <a:headEnd/>
+            <a:tailEnd/>
+          </a:ln>
+          <a:effectLst/>
         </p:spPr>
       </p:pic>
     </p:spTree>

--- a/ee543_sunum.pptx
+++ b/ee543_sunum.pptx
@@ -8,16 +8,17 @@
     <p:sldId id="256" r:id="rId2"/>
     <p:sldId id="257" r:id="rId3"/>
     <p:sldId id="258" r:id="rId4"/>
-    <p:sldId id="260" r:id="rId5"/>
-    <p:sldId id="266" r:id="rId6"/>
-    <p:sldId id="261" r:id="rId7"/>
-    <p:sldId id="262" r:id="rId8"/>
-    <p:sldId id="259" r:id="rId9"/>
-    <p:sldId id="267" r:id="rId10"/>
-    <p:sldId id="263" r:id="rId11"/>
-    <p:sldId id="264" r:id="rId12"/>
-    <p:sldId id="265" r:id="rId13"/>
-    <p:sldId id="268" r:id="rId14"/>
+    <p:sldId id="269" r:id="rId5"/>
+    <p:sldId id="260" r:id="rId6"/>
+    <p:sldId id="266" r:id="rId7"/>
+    <p:sldId id="261" r:id="rId8"/>
+    <p:sldId id="262" r:id="rId9"/>
+    <p:sldId id="259" r:id="rId10"/>
+    <p:sldId id="267" r:id="rId11"/>
+    <p:sldId id="263" r:id="rId12"/>
+    <p:sldId id="264" r:id="rId13"/>
+    <p:sldId id="265" r:id="rId14"/>
+    <p:sldId id="268" r:id="rId15"/>
   </p:sldIdLst>
   <p:sldSz cx="9144000" cy="6858000" type="screen4x3"/>
   <p:notesSz cx="6858000" cy="9144000"/>
@@ -3290,6 +3291,373 @@
           <a:bodyPr/>
           <a:lstStyle/>
           <a:p>
+            <a:endParaRPr lang="tr-TR" dirty="0"/>
+          </a:p>
+        </p:txBody>
+      </p:sp>
+      <p:sp>
+        <p:nvSpPr>
+          <p:cNvPr id="4" name="2 İçerik Yer Tutucusu"/>
+          <p:cNvSpPr txBox="1">
+            <a:spLocks/>
+          </p:cNvSpPr>
+          <p:nvPr/>
+        </p:nvSpPr>
+        <p:spPr>
+          <a:xfrm>
+            <a:off x="428596" y="2500306"/>
+            <a:ext cx="8229600" cy="768337"/>
+          </a:xfrm>
+          <a:prstGeom prst="rect">
+            <a:avLst/>
+          </a:prstGeom>
+        </p:spPr>
+        <p:txBody>
+          <a:bodyPr vert="horz" lIns="91440" tIns="45720" rIns="91440" bIns="45720" rtlCol="0">
+            <a:normAutofit/>
+          </a:bodyPr>
+          <a:lstStyle/>
+          <a:p>
+            <a:pPr marL="342900" marR="0" lvl="0" indent="-342900" algn="ctr" defTabSz="914400" rtl="0" eaLnBrk="1" fontAlgn="auto" latinLnBrk="0" hangingPunct="1">
+              <a:lnSpc>
+                <a:spcPct val="100000"/>
+              </a:lnSpc>
+              <a:spcBef>
+                <a:spcPct val="20000"/>
+              </a:spcBef>
+              <a:spcAft>
+                <a:spcPts val="0"/>
+              </a:spcAft>
+              <a:buClrTx/>
+              <a:buSzTx/>
+              <a:buFont typeface="Arial" pitchFamily="34" charset="0"/>
+              <a:buNone/>
+              <a:tabLst/>
+              <a:defRPr/>
+            </a:pPr>
+            <a:r>
+              <a:rPr kumimoji="0" lang="en-US" sz="2400" b="0" i="0" u="none" strike="noStrike" kern="1200" cap="none" spc="0" normalizeH="0" baseline="0" dirty="0" smtClean="0">
+                <a:ln>
+                  <a:noFill/>
+                </a:ln>
+                <a:solidFill>
+                  <a:schemeClr val="tx1"/>
+                </a:solidFill>
+                <a:effectLst/>
+                <a:uLnTx/>
+                <a:uFillTx/>
+                <a:latin typeface="+mn-lt"/>
+                <a:ea typeface="+mn-ea"/>
+                <a:cs typeface="+mn-cs"/>
+              </a:rPr>
+              <a:t>Gradient</a:t>
+            </a:r>
+            <a:r>
+              <a:rPr kumimoji="0" lang="en-US" sz="2400" b="0" i="0" u="none" strike="noStrike" kern="1200" cap="none" spc="0" normalizeH="0" dirty="0" smtClean="0">
+                <a:ln>
+                  <a:noFill/>
+                </a:ln>
+                <a:solidFill>
+                  <a:schemeClr val="tx1"/>
+                </a:solidFill>
+                <a:effectLst/>
+                <a:uLnTx/>
+                <a:uFillTx/>
+                <a:latin typeface="+mn-lt"/>
+                <a:ea typeface="+mn-ea"/>
+                <a:cs typeface="+mn-cs"/>
+              </a:rPr>
+              <a:t> Descent</a:t>
+            </a:r>
+            <a:r>
+              <a:rPr kumimoji="0" lang="en-US" sz="2400" b="0" i="0" u="none" strike="noStrike" kern="1200" cap="none" spc="0" normalizeH="0" baseline="0" noProof="0" dirty="0" smtClean="0">
+                <a:ln>
+                  <a:noFill/>
+                </a:ln>
+                <a:solidFill>
+                  <a:schemeClr val="tx1"/>
+                </a:solidFill>
+                <a:effectLst/>
+                <a:uLnTx/>
+                <a:uFillTx/>
+                <a:latin typeface="+mn-lt"/>
+                <a:ea typeface="+mn-ea"/>
+                <a:cs typeface="+mn-cs"/>
+              </a:rPr>
+              <a:t> optimizer formula</a:t>
+            </a:r>
+          </a:p>
+        </p:txBody>
+      </p:sp>
+      <p:sp>
+        <p:nvSpPr>
+          <p:cNvPr id="6" name="2 İçerik Yer Tutucusu"/>
+          <p:cNvSpPr txBox="1">
+            <a:spLocks/>
+          </p:cNvSpPr>
+          <p:nvPr/>
+        </p:nvSpPr>
+        <p:spPr>
+          <a:xfrm>
+            <a:off x="500034" y="5715016"/>
+            <a:ext cx="8229600" cy="768337"/>
+          </a:xfrm>
+          <a:prstGeom prst="rect">
+            <a:avLst/>
+          </a:prstGeom>
+        </p:spPr>
+        <p:txBody>
+          <a:bodyPr vert="horz" lIns="91440" tIns="45720" rIns="91440" bIns="45720" rtlCol="0">
+            <a:normAutofit/>
+          </a:bodyPr>
+          <a:lstStyle/>
+          <a:p>
+            <a:pPr marL="342900" marR="0" lvl="0" indent="-342900" algn="ctr" defTabSz="914400" rtl="0" eaLnBrk="1" fontAlgn="auto" latinLnBrk="0" hangingPunct="1">
+              <a:lnSpc>
+                <a:spcPct val="100000"/>
+              </a:lnSpc>
+              <a:spcBef>
+                <a:spcPct val="20000"/>
+              </a:spcBef>
+              <a:spcAft>
+                <a:spcPts val="0"/>
+              </a:spcAft>
+              <a:buClrTx/>
+              <a:buSzTx/>
+              <a:buFont typeface="Arial" pitchFamily="34" charset="0"/>
+              <a:buNone/>
+              <a:tabLst/>
+              <a:defRPr/>
+            </a:pPr>
+            <a:r>
+              <a:rPr kumimoji="0" lang="tr-TR" sz="2400" b="0" i="0" u="none" strike="noStrike" kern="1200" cap="none" spc="0" normalizeH="0" baseline="0" dirty="0" err="1" smtClean="0">
+                <a:ln>
+                  <a:noFill/>
+                </a:ln>
+                <a:solidFill>
+                  <a:schemeClr val="tx1"/>
+                </a:solidFill>
+                <a:effectLst/>
+                <a:uLnTx/>
+                <a:uFillTx/>
+                <a:latin typeface="+mn-lt"/>
+                <a:ea typeface="+mn-ea"/>
+                <a:cs typeface="+mn-cs"/>
+              </a:rPr>
+              <a:t>Hinge</a:t>
+            </a:r>
+            <a:r>
+              <a:rPr kumimoji="0" lang="tr-TR" sz="2400" b="0" i="0" u="none" strike="noStrike" kern="1200" cap="none" spc="0" normalizeH="0" baseline="0" dirty="0" smtClean="0">
+                <a:ln>
+                  <a:noFill/>
+                </a:ln>
+                <a:solidFill>
+                  <a:schemeClr val="tx1"/>
+                </a:solidFill>
+                <a:effectLst/>
+                <a:uLnTx/>
+                <a:uFillTx/>
+                <a:latin typeface="+mn-lt"/>
+                <a:ea typeface="+mn-ea"/>
+                <a:cs typeface="+mn-cs"/>
+              </a:rPr>
+              <a:t> </a:t>
+            </a:r>
+            <a:r>
+              <a:rPr kumimoji="0" lang="tr-TR" sz="2400" b="0" i="0" u="none" strike="noStrike" kern="1200" cap="none" spc="0" normalizeH="0" baseline="0" dirty="0" err="1" smtClean="0">
+                <a:ln>
+                  <a:noFill/>
+                </a:ln>
+                <a:solidFill>
+                  <a:schemeClr val="tx1"/>
+                </a:solidFill>
+                <a:effectLst/>
+                <a:uLnTx/>
+                <a:uFillTx/>
+                <a:latin typeface="+mn-lt"/>
+                <a:ea typeface="+mn-ea"/>
+                <a:cs typeface="+mn-cs"/>
+              </a:rPr>
+              <a:t>loss</a:t>
+            </a:r>
+            <a:r>
+              <a:rPr kumimoji="0" lang="tr-TR" sz="2400" b="0" i="0" u="none" strike="noStrike" kern="1200" cap="none" spc="0" normalizeH="0" baseline="0" dirty="0" smtClean="0">
+                <a:ln>
+                  <a:noFill/>
+                </a:ln>
+                <a:solidFill>
+                  <a:schemeClr val="tx1"/>
+                </a:solidFill>
+                <a:effectLst/>
+                <a:uLnTx/>
+                <a:uFillTx/>
+                <a:latin typeface="+mn-lt"/>
+                <a:ea typeface="+mn-ea"/>
+                <a:cs typeface="+mn-cs"/>
+              </a:rPr>
+              <a:t> </a:t>
+            </a:r>
+            <a:r>
+              <a:rPr kumimoji="0" lang="en-US" sz="2400" b="0" i="0" u="none" strike="noStrike" kern="1200" cap="none" spc="0" normalizeH="0" baseline="0" dirty="0" smtClean="0">
+                <a:ln>
+                  <a:noFill/>
+                </a:ln>
+                <a:solidFill>
+                  <a:schemeClr val="tx1"/>
+                </a:solidFill>
+                <a:effectLst/>
+                <a:uLnTx/>
+                <a:uFillTx/>
+                <a:latin typeface="+mn-lt"/>
+                <a:ea typeface="+mn-ea"/>
+                <a:cs typeface="+mn-cs"/>
+              </a:rPr>
+              <a:t>formula</a:t>
+            </a:r>
+          </a:p>
+        </p:txBody>
+      </p:sp>
+      <p:pic>
+        <p:nvPicPr>
+          <p:cNvPr id="10242" name="Picture 2" descr="https://upload.wikimedia.org/wikipedia/commons/thumb/f/ff/Gradient_descent.svg/350px-Gradient_descent.svg.png"/>
+          <p:cNvPicPr>
+            <a:picLocks noChangeAspect="1" noChangeArrowheads="1"/>
+          </p:cNvPicPr>
+          <p:nvPr/>
+        </p:nvPicPr>
+        <p:blipFill>
+          <a:blip r:embed="rId2"/>
+          <a:srcRect/>
+          <a:stretch>
+            <a:fillRect/>
+          </a:stretch>
+        </p:blipFill>
+        <p:spPr bwMode="auto">
+          <a:xfrm>
+            <a:off x="5810250" y="0"/>
+            <a:ext cx="3333750" cy="3571875"/>
+          </a:xfrm>
+          <a:prstGeom prst="rect">
+            <a:avLst/>
+          </a:prstGeom>
+          <a:noFill/>
+        </p:spPr>
+      </p:pic>
+      <p:pic>
+        <p:nvPicPr>
+          <p:cNvPr id="10243" name="Picture 3"/>
+          <p:cNvPicPr>
+            <a:picLocks noChangeAspect="1" noChangeArrowheads="1"/>
+          </p:cNvPicPr>
+          <p:nvPr/>
+        </p:nvPicPr>
+        <p:blipFill>
+          <a:blip r:embed="rId3"/>
+          <a:srcRect/>
+          <a:stretch>
+            <a:fillRect/>
+          </a:stretch>
+        </p:blipFill>
+        <p:spPr bwMode="auto">
+          <a:xfrm>
+            <a:off x="500034" y="1071546"/>
+            <a:ext cx="5072066" cy="1076240"/>
+          </a:xfrm>
+          <a:prstGeom prst="rect">
+            <a:avLst/>
+          </a:prstGeom>
+          <a:noFill/>
+          <a:ln w="9525">
+            <a:noFill/>
+            <a:miter lim="800000"/>
+            <a:headEnd/>
+            <a:tailEnd/>
+          </a:ln>
+          <a:effectLst/>
+        </p:spPr>
+      </p:pic>
+      <p:pic>
+        <p:nvPicPr>
+          <p:cNvPr id="10244" name="Picture 4"/>
+          <p:cNvPicPr>
+            <a:picLocks noGrp="1" noChangeAspect="1" noChangeArrowheads="1"/>
+          </p:cNvPicPr>
+          <p:nvPr>
+            <p:ph idx="1"/>
+          </p:nvPr>
+        </p:nvPicPr>
+        <p:blipFill>
+          <a:blip r:embed="rId4"/>
+          <a:srcRect/>
+          <a:stretch>
+            <a:fillRect/>
+          </a:stretch>
+        </p:blipFill>
+        <p:spPr bwMode="auto">
+          <a:xfrm>
+            <a:off x="785786" y="4500570"/>
+            <a:ext cx="5357850" cy="1094439"/>
+          </a:xfrm>
+          <a:prstGeom prst="rect">
+            <a:avLst/>
+          </a:prstGeom>
+          <a:noFill/>
+          <a:ln w="9525">
+            <a:noFill/>
+            <a:miter lim="800000"/>
+            <a:headEnd/>
+            <a:tailEnd/>
+          </a:ln>
+          <a:effectLst/>
+        </p:spPr>
+      </p:pic>
+    </p:spTree>
+  </p:cSld>
+  <p:clrMapOvr>
+    <a:masterClrMapping/>
+  </p:clrMapOvr>
+  <p:timing>
+    <p:tnLst>
+      <p:par>
+        <p:cTn id="1" dur="indefinite" restart="never" nodeType="tmRoot"/>
+      </p:par>
+    </p:tnLst>
+  </p:timing>
+</p:sld>
+</file>
+
+<file path=ppt/slides/slide11.xml><?xml version="1.0" encoding="utf-8"?>
+<p:sld xmlns:a="http://schemas.openxmlformats.org/drawingml/2006/main" xmlns:r="http://schemas.openxmlformats.org/officeDocument/2006/relationships" xmlns:p="http://schemas.openxmlformats.org/presentationml/2006/main">
+  <p:cSld>
+    <p:spTree>
+      <p:nvGrpSpPr>
+        <p:cNvPr id="1" name=""/>
+        <p:cNvGrpSpPr/>
+        <p:nvPr/>
+      </p:nvGrpSpPr>
+      <p:grpSpPr>
+        <a:xfrm>
+          <a:off x="0" y="0"/>
+          <a:ext cx="0" cy="0"/>
+          <a:chOff x="0" y="0"/>
+          <a:chExt cx="0" cy="0"/>
+        </a:xfrm>
+      </p:grpSpPr>
+      <p:sp>
+        <p:nvSpPr>
+          <p:cNvPr id="2" name="1 Başlık"/>
+          <p:cNvSpPr>
+            <a:spLocks noGrp="1"/>
+          </p:cNvSpPr>
+          <p:nvPr>
+            <p:ph type="title"/>
+          </p:nvPr>
+        </p:nvSpPr>
+        <p:spPr/>
+        <p:txBody>
+          <a:bodyPr/>
+          <a:lstStyle/>
+          <a:p>
             <a:endParaRPr lang="tr-TR"/>
           </a:p>
         </p:txBody>
@@ -3380,7 +3748,7 @@
 </p:sld>
 </file>
 
-<file path=ppt/slides/slide11.xml><?xml version="1.0" encoding="utf-8"?>
+<file path=ppt/slides/slide12.xml><?xml version="1.0" encoding="utf-8"?>
 <p:sld xmlns:a="http://schemas.openxmlformats.org/drawingml/2006/main" xmlns:r="http://schemas.openxmlformats.org/officeDocument/2006/relationships" xmlns:p="http://schemas.openxmlformats.org/presentationml/2006/main">
   <p:cSld>
     <p:spTree>
@@ -3674,10 +4042,17 @@
   <p:clrMapOvr>
     <a:masterClrMapping/>
   </p:clrMapOvr>
+  <p:timing>
+    <p:tnLst>
+      <p:par>
+        <p:cTn id="1" dur="indefinite" restart="never" nodeType="tmRoot"/>
+      </p:par>
+    </p:tnLst>
+  </p:timing>
 </p:sld>
 </file>
 
-<file path=ppt/slides/slide12.xml><?xml version="1.0" encoding="utf-8"?>
+<file path=ppt/slides/slide13.xml><?xml version="1.0" encoding="utf-8"?>
 <p:sld xmlns:a="http://schemas.openxmlformats.org/drawingml/2006/main" xmlns:r="http://schemas.openxmlformats.org/officeDocument/2006/relationships" xmlns:p="http://schemas.openxmlformats.org/presentationml/2006/main">
   <p:cSld>
     <p:spTree>
@@ -4085,10 +4460,17 @@
   <p:clrMapOvr>
     <a:masterClrMapping/>
   </p:clrMapOvr>
+  <p:timing>
+    <p:tnLst>
+      <p:par>
+        <p:cTn id="1" dur="indefinite" restart="never" nodeType="tmRoot"/>
+      </p:par>
+    </p:tnLst>
+  </p:timing>
 </p:sld>
 </file>
 
-<file path=ppt/slides/slide13.xml><?xml version="1.0" encoding="utf-8"?>
+<file path=ppt/slides/slide14.xml><?xml version="1.0" encoding="utf-8"?>
 <p:sld xmlns:a="http://schemas.openxmlformats.org/drawingml/2006/main" xmlns:r="http://schemas.openxmlformats.org/officeDocument/2006/relationships" xmlns:p="http://schemas.openxmlformats.org/presentationml/2006/main">
   <p:cSld>
     <p:spTree>
@@ -4151,10 +4533,10 @@
               <a:buNone/>
             </a:pPr>
             <a:r>
-              <a:rPr lang="tr-TR" smtClean="0"/>
+              <a:rPr lang="tr-TR" dirty="0" smtClean="0"/>
               <a:t>[1]</a:t>
             </a:r>
-            <a:endParaRPr lang="tr-TR"/>
+            <a:endParaRPr lang="tr-TR" dirty="0"/>
           </a:p>
         </p:txBody>
       </p:sp>
@@ -4163,6 +4545,13 @@
   <p:clrMapOvr>
     <a:masterClrMapping/>
   </p:clrMapOvr>
+  <p:timing>
+    <p:tnLst>
+      <p:par>
+        <p:cTn id="1" dur="indefinite" restart="never" nodeType="tmRoot"/>
+      </p:par>
+    </p:tnLst>
+  </p:timing>
 </p:sld>
 </file>
 
@@ -4240,7 +4629,12 @@
             <p:ph idx="1"/>
           </p:nvPr>
         </p:nvSpPr>
-        <p:spPr/>
+        <p:spPr>
+          <a:xfrm>
+            <a:off x="457200" y="1600200"/>
+            <a:ext cx="4829180" cy="4525963"/>
+          </a:xfrm>
+        </p:spPr>
         <p:txBody>
           <a:bodyPr>
             <a:normAutofit lnSpcReduction="10000"/>
@@ -4344,6 +4738,175 @@
           </a:p>
           <a:p>
             <a:endParaRPr lang="en-US" dirty="0"/>
+          </a:p>
+        </p:txBody>
+      </p:sp>
+      <p:sp>
+        <p:nvSpPr>
+          <p:cNvPr id="5" name="4 Metin kutusu"/>
+          <p:cNvSpPr txBox="1"/>
+          <p:nvPr/>
+        </p:nvSpPr>
+        <p:spPr>
+          <a:xfrm>
+            <a:off x="5643570" y="2786058"/>
+            <a:ext cx="2286016" cy="2831544"/>
+          </a:xfrm>
+          <a:prstGeom prst="rect">
+            <a:avLst/>
+          </a:prstGeom>
+          <a:noFill/>
+        </p:spPr>
+        <p:txBody>
+          <a:bodyPr wrap="square" rtlCol="0">
+            <a:spAutoFit/>
+          </a:bodyPr>
+          <a:lstStyle/>
+          <a:p>
+            <a:r>
+              <a:rPr lang="tr-TR" sz="2000" dirty="0" err="1" smtClean="0"/>
+              <a:t>In</a:t>
+            </a:r>
+            <a:r>
+              <a:rPr lang="tr-TR" sz="2000" dirty="0" smtClean="0"/>
+              <a:t> general, </a:t>
+            </a:r>
+            <a:r>
+              <a:rPr lang="tr-TR" sz="2000" dirty="0" err="1" smtClean="0"/>
+              <a:t>current</a:t>
+            </a:r>
+            <a:r>
+              <a:rPr lang="tr-TR" sz="2000" dirty="0" smtClean="0"/>
+              <a:t>, </a:t>
+            </a:r>
+            <a:r>
+              <a:rPr lang="tr-TR" sz="2000" dirty="0" err="1" smtClean="0"/>
+              <a:t>vibration</a:t>
+            </a:r>
+            <a:r>
+              <a:rPr lang="tr-TR" sz="2000" dirty="0" smtClean="0"/>
+              <a:t>, </a:t>
+            </a:r>
+            <a:r>
+              <a:rPr lang="tr-TR" sz="2000" dirty="0" err="1" smtClean="0"/>
+              <a:t>voltage</a:t>
+            </a:r>
+            <a:r>
+              <a:rPr lang="tr-TR" sz="2000" dirty="0" smtClean="0"/>
+              <a:t> </a:t>
+            </a:r>
+            <a:r>
+              <a:rPr lang="tr-TR" sz="2000" dirty="0" err="1" smtClean="0"/>
+              <a:t>signal</a:t>
+            </a:r>
+            <a:r>
+              <a:rPr lang="tr-TR" sz="2000" dirty="0" smtClean="0"/>
+              <a:t> </a:t>
+            </a:r>
+            <a:r>
+              <a:rPr lang="tr-TR" sz="2000" dirty="0" err="1" smtClean="0"/>
+              <a:t>anaysises</a:t>
+            </a:r>
+            <a:r>
+              <a:rPr lang="tr-TR" sz="2000" dirty="0" smtClean="0"/>
+              <a:t> </a:t>
+            </a:r>
+            <a:r>
+              <a:rPr lang="tr-TR" sz="2000" dirty="0" err="1" smtClean="0"/>
+              <a:t>are</a:t>
+            </a:r>
+            <a:r>
+              <a:rPr lang="tr-TR" sz="2000" dirty="0" smtClean="0"/>
+              <a:t> </a:t>
+            </a:r>
+            <a:r>
+              <a:rPr lang="tr-TR" sz="2000" dirty="0" err="1" smtClean="0"/>
+              <a:t>used</a:t>
+            </a:r>
+            <a:r>
+              <a:rPr lang="tr-TR" sz="2000" dirty="0" smtClean="0"/>
+              <a:t> </a:t>
+            </a:r>
+            <a:r>
+              <a:rPr lang="tr-TR" sz="2000" dirty="0" err="1" smtClean="0"/>
+              <a:t>for</a:t>
+            </a:r>
+            <a:r>
+              <a:rPr lang="tr-TR" sz="2000" dirty="0" smtClean="0"/>
+              <a:t> </a:t>
+            </a:r>
+            <a:r>
+              <a:rPr lang="tr-TR" sz="2000" dirty="0" err="1" smtClean="0"/>
+              <a:t>fault</a:t>
+            </a:r>
+            <a:r>
+              <a:rPr lang="tr-TR" sz="2000" dirty="0" smtClean="0"/>
+              <a:t> </a:t>
+            </a:r>
+            <a:r>
+              <a:rPr lang="tr-TR" sz="2000" dirty="0" err="1" smtClean="0"/>
+              <a:t>detection</a:t>
+            </a:r>
+            <a:r>
+              <a:rPr lang="tr-TR" sz="2000" dirty="0" smtClean="0"/>
+              <a:t> </a:t>
+            </a:r>
+            <a:r>
+              <a:rPr lang="tr-TR" sz="2000" dirty="0" err="1" smtClean="0"/>
+              <a:t>by</a:t>
+            </a:r>
+            <a:r>
+              <a:rPr lang="tr-TR" sz="2000" dirty="0" smtClean="0"/>
+              <a:t> </a:t>
+            </a:r>
+            <a:r>
+              <a:rPr lang="tr-TR" sz="2000" dirty="0" err="1" smtClean="0"/>
+              <a:t>transforming</a:t>
+            </a:r>
+            <a:r>
+              <a:rPr lang="tr-TR" sz="2000" dirty="0" smtClean="0"/>
+              <a:t> </a:t>
+            </a:r>
+            <a:r>
+              <a:rPr lang="tr-TR" sz="2000" dirty="0" err="1" smtClean="0"/>
+              <a:t>method</a:t>
+            </a:r>
+            <a:r>
+              <a:rPr lang="tr-TR" sz="2000" dirty="0" smtClean="0"/>
+              <a:t> </a:t>
+            </a:r>
+            <a:r>
+              <a:rPr lang="tr-TR" sz="2000" dirty="0" err="1" smtClean="0"/>
+              <a:t>like</a:t>
+            </a:r>
+            <a:r>
+              <a:rPr lang="tr-TR" sz="2000" dirty="0" smtClean="0"/>
+              <a:t> </a:t>
+            </a:r>
+            <a:r>
+              <a:rPr lang="tr-TR" sz="2000" dirty="0" err="1" smtClean="0"/>
+              <a:t>fourier</a:t>
+            </a:r>
+            <a:r>
+              <a:rPr lang="tr-TR" sz="2000" dirty="0" smtClean="0"/>
+              <a:t>, </a:t>
+            </a:r>
+            <a:r>
+              <a:rPr lang="tr-TR" sz="2000" dirty="0" err="1" smtClean="0"/>
+              <a:t>Wavelet</a:t>
+            </a:r>
+            <a:r>
+              <a:rPr lang="tr-TR" sz="2000" dirty="0" smtClean="0"/>
+              <a:t> </a:t>
+            </a:r>
+            <a:r>
+              <a:rPr lang="tr-TR" sz="2000" dirty="0" err="1" smtClean="0"/>
+              <a:t>transform</a:t>
+            </a:r>
+            <a:endParaRPr lang="tr-TR" sz="2000" dirty="0" smtClean="0"/>
+          </a:p>
+          <a:p>
+            <a:endParaRPr lang="tr-TR" dirty="0"/>
           </a:p>
         </p:txBody>
       </p:sp>
@@ -4537,6 +5100,126 @@
           <a:lstStyle/>
           <a:p>
             <a:r>
+              <a:rPr lang="tr-TR" dirty="0" err="1" smtClean="0"/>
+              <a:t>Machine</a:t>
+            </a:r>
+            <a:r>
+              <a:rPr lang="tr-TR" dirty="0" smtClean="0"/>
+              <a:t> </a:t>
+            </a:r>
+            <a:r>
+              <a:rPr lang="tr-TR" dirty="0" err="1" smtClean="0"/>
+              <a:t>Lerning</a:t>
+            </a:r>
+            <a:r>
+              <a:rPr lang="tr-TR" dirty="0" smtClean="0"/>
+              <a:t> </a:t>
+            </a:r>
+            <a:r>
+              <a:rPr lang="tr-TR" dirty="0" err="1" smtClean="0"/>
+              <a:t>Methods</a:t>
+            </a:r>
+            <a:endParaRPr lang="tr-TR" dirty="0"/>
+          </a:p>
+        </p:txBody>
+      </p:sp>
+      <p:sp>
+        <p:nvSpPr>
+          <p:cNvPr id="3" name="2 İçerik Yer Tutucusu"/>
+          <p:cNvSpPr>
+            <a:spLocks noGrp="1"/>
+          </p:cNvSpPr>
+          <p:nvPr>
+            <p:ph idx="1"/>
+          </p:nvPr>
+        </p:nvSpPr>
+        <p:spPr>
+          <a:xfrm>
+            <a:off x="457200" y="2285992"/>
+            <a:ext cx="8229600" cy="3840171"/>
+          </a:xfrm>
+        </p:spPr>
+        <p:txBody>
+          <a:bodyPr/>
+          <a:lstStyle/>
+          <a:p>
+            <a:r>
+              <a:rPr lang="tr-TR" dirty="0" smtClean="0"/>
+              <a:t> </a:t>
+            </a:r>
+            <a:r>
+              <a:rPr lang="en-US" dirty="0" smtClean="0"/>
+              <a:t>Convolutional Neural Network</a:t>
+            </a:r>
+            <a:endParaRPr lang="tr-TR" dirty="0" smtClean="0"/>
+          </a:p>
+          <a:p>
+            <a:r>
+              <a:rPr lang="tr-TR" dirty="0" smtClean="0"/>
+              <a:t> </a:t>
+            </a:r>
+            <a:r>
+              <a:rPr lang="en-US" dirty="0" smtClean="0"/>
+              <a:t>Multilayer Neural </a:t>
+            </a:r>
+            <a:r>
+              <a:rPr lang="tr-TR" dirty="0" smtClean="0"/>
+              <a:t>Network</a:t>
+            </a:r>
+          </a:p>
+          <a:p>
+            <a:endParaRPr lang="tr-TR" dirty="0"/>
+          </a:p>
+        </p:txBody>
+      </p:sp>
+    </p:spTree>
+  </p:cSld>
+  <p:clrMapOvr>
+    <a:masterClrMapping/>
+  </p:clrMapOvr>
+  <p:timing>
+    <p:tnLst>
+      <p:par>
+        <p:cTn id="1" dur="indefinite" restart="never" nodeType="tmRoot"/>
+      </p:par>
+    </p:tnLst>
+  </p:timing>
+</p:sld>
+</file>
+
+<file path=ppt/slides/slide5.xml><?xml version="1.0" encoding="utf-8"?>
+<p:sld xmlns:a="http://schemas.openxmlformats.org/drawingml/2006/main" xmlns:r="http://schemas.openxmlformats.org/officeDocument/2006/relationships" xmlns:p="http://schemas.openxmlformats.org/presentationml/2006/main">
+  <p:cSld>
+    <p:spTree>
+      <p:nvGrpSpPr>
+        <p:cNvPr id="1" name=""/>
+        <p:cNvGrpSpPr/>
+        <p:nvPr/>
+      </p:nvGrpSpPr>
+      <p:grpSpPr>
+        <a:xfrm>
+          <a:off x="0" y="0"/>
+          <a:ext cx="0" cy="0"/>
+          <a:chOff x="0" y="0"/>
+          <a:chExt cx="0" cy="0"/>
+        </a:xfrm>
+      </p:grpSpPr>
+      <p:sp>
+        <p:nvSpPr>
+          <p:cNvPr id="2" name="1 Başlık"/>
+          <p:cNvSpPr>
+            <a:spLocks noGrp="1"/>
+          </p:cNvSpPr>
+          <p:nvPr>
+            <p:ph type="title"/>
+          </p:nvPr>
+        </p:nvSpPr>
+        <p:spPr/>
+        <p:txBody>
+          <a:bodyPr/>
+          <a:lstStyle/>
+          <a:p>
+            <a:r>
               <a:rPr lang="en-US" dirty="0" smtClean="0"/>
               <a:t>Convolutional Neural Network</a:t>
             </a:r>
@@ -4641,7 +5324,7 @@
 </p:sld>
 </file>
 
-<file path=ppt/slides/slide5.xml><?xml version="1.0" encoding="utf-8"?>
+<file path=ppt/slides/slide6.xml><?xml version="1.0" encoding="utf-8"?>
 <p:sld xmlns:a="http://schemas.openxmlformats.org/drawingml/2006/main" xmlns:r="http://schemas.openxmlformats.org/officeDocument/2006/relationships" xmlns:p="http://schemas.openxmlformats.org/presentationml/2006/main">
   <p:cSld>
     <p:spTree>
@@ -4874,10 +5557,17 @@
   <p:clrMapOvr>
     <a:masterClrMapping/>
   </p:clrMapOvr>
+  <p:timing>
+    <p:tnLst>
+      <p:par>
+        <p:cTn id="1" dur="indefinite" restart="never" nodeType="tmRoot"/>
+      </p:par>
+    </p:tnLst>
+  </p:timing>
 </p:sld>
 </file>
 
-<file path=ppt/slides/slide6.xml><?xml version="1.0" encoding="utf-8"?>
+<file path=ppt/slides/slide7.xml><?xml version="1.0" encoding="utf-8"?>
 <p:sld xmlns:a="http://schemas.openxmlformats.org/drawingml/2006/main" xmlns:r="http://schemas.openxmlformats.org/officeDocument/2006/relationships" xmlns:p="http://schemas.openxmlformats.org/presentationml/2006/main">
   <p:cSld>
     <p:spTree>
@@ -4999,7 +5689,7 @@
 </p:sld>
 </file>
 
-<file path=ppt/slides/slide7.xml><?xml version="1.0" encoding="utf-8"?>
+<file path=ppt/slides/slide8.xml><?xml version="1.0" encoding="utf-8"?>
 <p:sld xmlns:a="http://schemas.openxmlformats.org/drawingml/2006/main" xmlns:r="http://schemas.openxmlformats.org/officeDocument/2006/relationships" xmlns:p="http://schemas.openxmlformats.org/presentationml/2006/main">
   <p:cSld>
     <p:spTree>
@@ -5225,7 +5915,7 @@
 </p:sld>
 </file>
 
-<file path=ppt/slides/slide8.xml><?xml version="1.0" encoding="utf-8"?>
+<file path=ppt/slides/slide9.xml><?xml version="1.0" encoding="utf-8"?>
 <p:sld xmlns:a="http://schemas.openxmlformats.org/drawingml/2006/main" xmlns:r="http://schemas.openxmlformats.org/officeDocument/2006/relationships" xmlns:p="http://schemas.openxmlformats.org/presentationml/2006/main">
   <p:cSld>
     <p:spTree>
@@ -5411,366 +6101,6 @@
       </p:par>
     </p:tnLst>
   </p:timing>
-</p:sld>
-</file>
-
-<file path=ppt/slides/slide9.xml><?xml version="1.0" encoding="utf-8"?>
-<p:sld xmlns:a="http://schemas.openxmlformats.org/drawingml/2006/main" xmlns:r="http://schemas.openxmlformats.org/officeDocument/2006/relationships" xmlns:p="http://schemas.openxmlformats.org/presentationml/2006/main">
-  <p:cSld>
-    <p:spTree>
-      <p:nvGrpSpPr>
-        <p:cNvPr id="1" name=""/>
-        <p:cNvGrpSpPr/>
-        <p:nvPr/>
-      </p:nvGrpSpPr>
-      <p:grpSpPr>
-        <a:xfrm>
-          <a:off x="0" y="0"/>
-          <a:ext cx="0" cy="0"/>
-          <a:chOff x="0" y="0"/>
-          <a:chExt cx="0" cy="0"/>
-        </a:xfrm>
-      </p:grpSpPr>
-      <p:sp>
-        <p:nvSpPr>
-          <p:cNvPr id="2" name="1 Başlık"/>
-          <p:cNvSpPr>
-            <a:spLocks noGrp="1"/>
-          </p:cNvSpPr>
-          <p:nvPr>
-            <p:ph type="title"/>
-          </p:nvPr>
-        </p:nvSpPr>
-        <p:spPr/>
-        <p:txBody>
-          <a:bodyPr/>
-          <a:lstStyle/>
-          <a:p>
-            <a:endParaRPr lang="tr-TR" dirty="0"/>
-          </a:p>
-        </p:txBody>
-      </p:sp>
-      <p:sp>
-        <p:nvSpPr>
-          <p:cNvPr id="4" name="2 İçerik Yer Tutucusu"/>
-          <p:cNvSpPr txBox="1">
-            <a:spLocks/>
-          </p:cNvSpPr>
-          <p:nvPr/>
-        </p:nvSpPr>
-        <p:spPr>
-          <a:xfrm>
-            <a:off x="428596" y="2500306"/>
-            <a:ext cx="8229600" cy="768337"/>
-          </a:xfrm>
-          <a:prstGeom prst="rect">
-            <a:avLst/>
-          </a:prstGeom>
-        </p:spPr>
-        <p:txBody>
-          <a:bodyPr vert="horz" lIns="91440" tIns="45720" rIns="91440" bIns="45720" rtlCol="0">
-            <a:normAutofit/>
-          </a:bodyPr>
-          <a:lstStyle/>
-          <a:p>
-            <a:pPr marL="342900" marR="0" lvl="0" indent="-342900" algn="ctr" defTabSz="914400" rtl="0" eaLnBrk="1" fontAlgn="auto" latinLnBrk="0" hangingPunct="1">
-              <a:lnSpc>
-                <a:spcPct val="100000"/>
-              </a:lnSpc>
-              <a:spcBef>
-                <a:spcPct val="20000"/>
-              </a:spcBef>
-              <a:spcAft>
-                <a:spcPts val="0"/>
-              </a:spcAft>
-              <a:buClrTx/>
-              <a:buSzTx/>
-              <a:buFont typeface="Arial" pitchFamily="34" charset="0"/>
-              <a:buNone/>
-              <a:tabLst/>
-              <a:defRPr/>
-            </a:pPr>
-            <a:r>
-              <a:rPr kumimoji="0" lang="en-US" sz="2400" b="0" i="0" u="none" strike="noStrike" kern="1200" cap="none" spc="0" normalizeH="0" baseline="0" dirty="0" smtClean="0">
-                <a:ln>
-                  <a:noFill/>
-                </a:ln>
-                <a:solidFill>
-                  <a:schemeClr val="tx1"/>
-                </a:solidFill>
-                <a:effectLst/>
-                <a:uLnTx/>
-                <a:uFillTx/>
-                <a:latin typeface="+mn-lt"/>
-                <a:ea typeface="+mn-ea"/>
-                <a:cs typeface="+mn-cs"/>
-              </a:rPr>
-              <a:t>Gradient</a:t>
-            </a:r>
-            <a:r>
-              <a:rPr kumimoji="0" lang="en-US" sz="2400" b="0" i="0" u="none" strike="noStrike" kern="1200" cap="none" spc="0" normalizeH="0" dirty="0" smtClean="0">
-                <a:ln>
-                  <a:noFill/>
-                </a:ln>
-                <a:solidFill>
-                  <a:schemeClr val="tx1"/>
-                </a:solidFill>
-                <a:effectLst/>
-                <a:uLnTx/>
-                <a:uFillTx/>
-                <a:latin typeface="+mn-lt"/>
-                <a:ea typeface="+mn-ea"/>
-                <a:cs typeface="+mn-cs"/>
-              </a:rPr>
-              <a:t> Descent</a:t>
-            </a:r>
-            <a:r>
-              <a:rPr kumimoji="0" lang="en-US" sz="2400" b="0" i="0" u="none" strike="noStrike" kern="1200" cap="none" spc="0" normalizeH="0" baseline="0" noProof="0" dirty="0" smtClean="0">
-                <a:ln>
-                  <a:noFill/>
-                </a:ln>
-                <a:solidFill>
-                  <a:schemeClr val="tx1"/>
-                </a:solidFill>
-                <a:effectLst/>
-                <a:uLnTx/>
-                <a:uFillTx/>
-                <a:latin typeface="+mn-lt"/>
-                <a:ea typeface="+mn-ea"/>
-                <a:cs typeface="+mn-cs"/>
-              </a:rPr>
-              <a:t> optimizer formula</a:t>
-            </a:r>
-          </a:p>
-        </p:txBody>
-      </p:sp>
-      <p:sp>
-        <p:nvSpPr>
-          <p:cNvPr id="6" name="2 İçerik Yer Tutucusu"/>
-          <p:cNvSpPr txBox="1">
-            <a:spLocks/>
-          </p:cNvSpPr>
-          <p:nvPr/>
-        </p:nvSpPr>
-        <p:spPr>
-          <a:xfrm>
-            <a:off x="500034" y="5715016"/>
-            <a:ext cx="8229600" cy="768337"/>
-          </a:xfrm>
-          <a:prstGeom prst="rect">
-            <a:avLst/>
-          </a:prstGeom>
-        </p:spPr>
-        <p:txBody>
-          <a:bodyPr vert="horz" lIns="91440" tIns="45720" rIns="91440" bIns="45720" rtlCol="0">
-            <a:normAutofit/>
-          </a:bodyPr>
-          <a:lstStyle/>
-          <a:p>
-            <a:pPr marL="342900" marR="0" lvl="0" indent="-342900" algn="ctr" defTabSz="914400" rtl="0" eaLnBrk="1" fontAlgn="auto" latinLnBrk="0" hangingPunct="1">
-              <a:lnSpc>
-                <a:spcPct val="100000"/>
-              </a:lnSpc>
-              <a:spcBef>
-                <a:spcPct val="20000"/>
-              </a:spcBef>
-              <a:spcAft>
-                <a:spcPts val="0"/>
-              </a:spcAft>
-              <a:buClrTx/>
-              <a:buSzTx/>
-              <a:buFont typeface="Arial" pitchFamily="34" charset="0"/>
-              <a:buNone/>
-              <a:tabLst/>
-              <a:defRPr/>
-            </a:pPr>
-            <a:r>
-              <a:rPr kumimoji="0" lang="tr-TR" sz="2400" b="0" i="0" u="none" strike="noStrike" kern="1200" cap="none" spc="0" normalizeH="0" baseline="0" dirty="0" err="1" smtClean="0">
-                <a:ln>
-                  <a:noFill/>
-                </a:ln>
-                <a:solidFill>
-                  <a:schemeClr val="tx1"/>
-                </a:solidFill>
-                <a:effectLst/>
-                <a:uLnTx/>
-                <a:uFillTx/>
-                <a:latin typeface="+mn-lt"/>
-                <a:ea typeface="+mn-ea"/>
-                <a:cs typeface="+mn-cs"/>
-              </a:rPr>
-              <a:t>Hinge</a:t>
-            </a:r>
-            <a:r>
-              <a:rPr kumimoji="0" lang="tr-TR" sz="2400" b="0" i="0" u="none" strike="noStrike" kern="1200" cap="none" spc="0" normalizeH="0" baseline="0" dirty="0" smtClean="0">
-                <a:ln>
-                  <a:noFill/>
-                </a:ln>
-                <a:solidFill>
-                  <a:schemeClr val="tx1"/>
-                </a:solidFill>
-                <a:effectLst/>
-                <a:uLnTx/>
-                <a:uFillTx/>
-                <a:latin typeface="+mn-lt"/>
-                <a:ea typeface="+mn-ea"/>
-                <a:cs typeface="+mn-cs"/>
-              </a:rPr>
-              <a:t> </a:t>
-            </a:r>
-            <a:r>
-              <a:rPr kumimoji="0" lang="tr-TR" sz="2400" b="0" i="0" u="none" strike="noStrike" kern="1200" cap="none" spc="0" normalizeH="0" baseline="0" dirty="0" err="1" smtClean="0">
-                <a:ln>
-                  <a:noFill/>
-                </a:ln>
-                <a:solidFill>
-                  <a:schemeClr val="tx1"/>
-                </a:solidFill>
-                <a:effectLst/>
-                <a:uLnTx/>
-                <a:uFillTx/>
-                <a:latin typeface="+mn-lt"/>
-                <a:ea typeface="+mn-ea"/>
-                <a:cs typeface="+mn-cs"/>
-              </a:rPr>
-              <a:t>loss</a:t>
-            </a:r>
-            <a:r>
-              <a:rPr kumimoji="0" lang="tr-TR" sz="2400" b="0" i="0" u="none" strike="noStrike" kern="1200" cap="none" spc="0" normalizeH="0" baseline="0" dirty="0" smtClean="0">
-                <a:ln>
-                  <a:noFill/>
-                </a:ln>
-                <a:solidFill>
-                  <a:schemeClr val="tx1"/>
-                </a:solidFill>
-                <a:effectLst/>
-                <a:uLnTx/>
-                <a:uFillTx/>
-                <a:latin typeface="+mn-lt"/>
-                <a:ea typeface="+mn-ea"/>
-                <a:cs typeface="+mn-cs"/>
-              </a:rPr>
-              <a:t> </a:t>
-            </a:r>
-            <a:r>
-              <a:rPr kumimoji="0" lang="en-US" sz="2400" b="0" i="0" u="none" strike="noStrike" kern="1200" cap="none" spc="0" normalizeH="0" baseline="0" dirty="0" smtClean="0">
-                <a:ln>
-                  <a:noFill/>
-                </a:ln>
-                <a:solidFill>
-                  <a:schemeClr val="tx1"/>
-                </a:solidFill>
-                <a:effectLst/>
-                <a:uLnTx/>
-                <a:uFillTx/>
-                <a:latin typeface="+mn-lt"/>
-                <a:ea typeface="+mn-ea"/>
-                <a:cs typeface="+mn-cs"/>
-              </a:rPr>
-              <a:t>formula</a:t>
-            </a:r>
-          </a:p>
-        </p:txBody>
-      </p:sp>
-      <p:pic>
-        <p:nvPicPr>
-          <p:cNvPr id="10242" name="Picture 2" descr="https://upload.wikimedia.org/wikipedia/commons/thumb/f/ff/Gradient_descent.svg/350px-Gradient_descent.svg.png"/>
-          <p:cNvPicPr>
-            <a:picLocks noChangeAspect="1" noChangeArrowheads="1"/>
-          </p:cNvPicPr>
-          <p:nvPr/>
-        </p:nvPicPr>
-        <p:blipFill>
-          <a:blip r:embed="rId2"/>
-          <a:srcRect/>
-          <a:stretch>
-            <a:fillRect/>
-          </a:stretch>
-        </p:blipFill>
-        <p:spPr bwMode="auto">
-          <a:xfrm>
-            <a:off x="5810250" y="0"/>
-            <a:ext cx="3333750" cy="3571875"/>
-          </a:xfrm>
-          <a:prstGeom prst="rect">
-            <a:avLst/>
-          </a:prstGeom>
-          <a:noFill/>
-        </p:spPr>
-      </p:pic>
-      <p:pic>
-        <p:nvPicPr>
-          <p:cNvPr id="10243" name="Picture 3"/>
-          <p:cNvPicPr>
-            <a:picLocks noChangeAspect="1" noChangeArrowheads="1"/>
-          </p:cNvPicPr>
-          <p:nvPr/>
-        </p:nvPicPr>
-        <p:blipFill>
-          <a:blip r:embed="rId3"/>
-          <a:srcRect/>
-          <a:stretch>
-            <a:fillRect/>
-          </a:stretch>
-        </p:blipFill>
-        <p:spPr bwMode="auto">
-          <a:xfrm>
-            <a:off x="500034" y="1071546"/>
-            <a:ext cx="5072066" cy="1076240"/>
-          </a:xfrm>
-          <a:prstGeom prst="rect">
-            <a:avLst/>
-          </a:prstGeom>
-          <a:noFill/>
-          <a:ln w="9525">
-            <a:noFill/>
-            <a:miter lim="800000"/>
-            <a:headEnd/>
-            <a:tailEnd/>
-          </a:ln>
-          <a:effectLst/>
-        </p:spPr>
-      </p:pic>
-      <p:pic>
-        <p:nvPicPr>
-          <p:cNvPr id="10244" name="Picture 4"/>
-          <p:cNvPicPr>
-            <a:picLocks noGrp="1" noChangeAspect="1" noChangeArrowheads="1"/>
-          </p:cNvPicPr>
-          <p:nvPr>
-            <p:ph idx="1"/>
-          </p:nvPr>
-        </p:nvPicPr>
-        <p:blipFill>
-          <a:blip r:embed="rId4"/>
-          <a:srcRect/>
-          <a:stretch>
-            <a:fillRect/>
-          </a:stretch>
-        </p:blipFill>
-        <p:spPr bwMode="auto">
-          <a:xfrm>
-            <a:off x="785786" y="4500570"/>
-            <a:ext cx="5357850" cy="1094439"/>
-          </a:xfrm>
-          <a:prstGeom prst="rect">
-            <a:avLst/>
-          </a:prstGeom>
-          <a:noFill/>
-          <a:ln w="9525">
-            <a:noFill/>
-            <a:miter lim="800000"/>
-            <a:headEnd/>
-            <a:tailEnd/>
-          </a:ln>
-          <a:effectLst/>
-        </p:spPr>
-      </p:pic>
-    </p:spTree>
-  </p:cSld>
-  <p:clrMapOvr>
-    <a:masterClrMapping/>
-  </p:clrMapOvr>
 </p:sld>
 </file>
 

--- a/ee543_sunum.pptx
+++ b/ee543_sunum.pptx
@@ -6,19 +6,18 @@
   </p:sldMasterIdLst>
   <p:sldIdLst>
     <p:sldId id="256" r:id="rId2"/>
-    <p:sldId id="257" r:id="rId3"/>
-    <p:sldId id="258" r:id="rId4"/>
-    <p:sldId id="269" r:id="rId5"/>
-    <p:sldId id="260" r:id="rId6"/>
-    <p:sldId id="266" r:id="rId7"/>
+    <p:sldId id="270" r:id="rId3"/>
+    <p:sldId id="257" r:id="rId4"/>
+    <p:sldId id="258" r:id="rId5"/>
+    <p:sldId id="269" r:id="rId6"/>
+    <p:sldId id="260" r:id="rId7"/>
     <p:sldId id="261" r:id="rId8"/>
     <p:sldId id="262" r:id="rId9"/>
     <p:sldId id="259" r:id="rId10"/>
-    <p:sldId id="267" r:id="rId11"/>
-    <p:sldId id="263" r:id="rId12"/>
-    <p:sldId id="264" r:id="rId13"/>
-    <p:sldId id="265" r:id="rId14"/>
-    <p:sldId id="268" r:id="rId15"/>
+    <p:sldId id="263" r:id="rId11"/>
+    <p:sldId id="264" r:id="rId12"/>
+    <p:sldId id="265" r:id="rId13"/>
+    <p:sldId id="268" r:id="rId14"/>
   </p:sldIdLst>
   <p:sldSz cx="9144000" cy="6858000" type="screen4x3"/>
   <p:notesSz cx="6858000" cy="9144000"/>
@@ -302,7 +301,7 @@
             <a:fld id="{D9F75050-0E15-4C5B-92B0-66D068882F1F}" type="datetimeFigureOut">
               <a:rPr lang="tr-TR" smtClean="0"/>
               <a:pPr/>
-              <a:t>2.01.2019</a:t>
+              <a:t>3.01.2019</a:t>
             </a:fld>
             <a:endParaRPr lang="tr-TR" dirty="0"/>
           </a:p>
@@ -469,7 +468,7 @@
             <a:fld id="{D9F75050-0E15-4C5B-92B0-66D068882F1F}" type="datetimeFigureOut">
               <a:rPr lang="tr-TR" smtClean="0"/>
               <a:pPr/>
-              <a:t>2.01.2019</a:t>
+              <a:t>3.01.2019</a:t>
             </a:fld>
             <a:endParaRPr lang="tr-TR" dirty="0"/>
           </a:p>
@@ -646,7 +645,7 @@
             <a:fld id="{D9F75050-0E15-4C5B-92B0-66D068882F1F}" type="datetimeFigureOut">
               <a:rPr lang="tr-TR" smtClean="0"/>
               <a:pPr/>
-              <a:t>2.01.2019</a:t>
+              <a:t>3.01.2019</a:t>
             </a:fld>
             <a:endParaRPr lang="tr-TR" dirty="0"/>
           </a:p>
@@ -813,7 +812,7 @@
             <a:fld id="{D9F75050-0E15-4C5B-92B0-66D068882F1F}" type="datetimeFigureOut">
               <a:rPr lang="tr-TR" smtClean="0"/>
               <a:pPr/>
-              <a:t>2.01.2019</a:t>
+              <a:t>3.01.2019</a:t>
             </a:fld>
             <a:endParaRPr lang="tr-TR" dirty="0"/>
           </a:p>
@@ -1056,7 +1055,7 @@
             <a:fld id="{D9F75050-0E15-4C5B-92B0-66D068882F1F}" type="datetimeFigureOut">
               <a:rPr lang="tr-TR" smtClean="0"/>
               <a:pPr/>
-              <a:t>2.01.2019</a:t>
+              <a:t>3.01.2019</a:t>
             </a:fld>
             <a:endParaRPr lang="tr-TR" dirty="0"/>
           </a:p>
@@ -1341,7 +1340,7 @@
             <a:fld id="{D9F75050-0E15-4C5B-92B0-66D068882F1F}" type="datetimeFigureOut">
               <a:rPr lang="tr-TR" smtClean="0"/>
               <a:pPr/>
-              <a:t>2.01.2019</a:t>
+              <a:t>3.01.2019</a:t>
             </a:fld>
             <a:endParaRPr lang="tr-TR" dirty="0"/>
           </a:p>
@@ -1760,7 +1759,7 @@
             <a:fld id="{D9F75050-0E15-4C5B-92B0-66D068882F1F}" type="datetimeFigureOut">
               <a:rPr lang="tr-TR" smtClean="0"/>
               <a:pPr/>
-              <a:t>2.01.2019</a:t>
+              <a:t>3.01.2019</a:t>
             </a:fld>
             <a:endParaRPr lang="tr-TR" dirty="0"/>
           </a:p>
@@ -1875,7 +1874,7 @@
             <a:fld id="{D9F75050-0E15-4C5B-92B0-66D068882F1F}" type="datetimeFigureOut">
               <a:rPr lang="tr-TR" smtClean="0"/>
               <a:pPr/>
-              <a:t>2.01.2019</a:t>
+              <a:t>3.01.2019</a:t>
             </a:fld>
             <a:endParaRPr lang="tr-TR" dirty="0"/>
           </a:p>
@@ -1967,7 +1966,7 @@
             <a:fld id="{D9F75050-0E15-4C5B-92B0-66D068882F1F}" type="datetimeFigureOut">
               <a:rPr lang="tr-TR" smtClean="0"/>
               <a:pPr/>
-              <a:t>2.01.2019</a:t>
+              <a:t>3.01.2019</a:t>
             </a:fld>
             <a:endParaRPr lang="tr-TR" dirty="0"/>
           </a:p>
@@ -2241,7 +2240,7 @@
             <a:fld id="{D9F75050-0E15-4C5B-92B0-66D068882F1F}" type="datetimeFigureOut">
               <a:rPr lang="tr-TR" smtClean="0"/>
               <a:pPr/>
-              <a:t>2.01.2019</a:t>
+              <a:t>3.01.2019</a:t>
             </a:fld>
             <a:endParaRPr lang="tr-TR" dirty="0"/>
           </a:p>
@@ -2491,7 +2490,7 @@
             <a:fld id="{D9F75050-0E15-4C5B-92B0-66D068882F1F}" type="datetimeFigureOut">
               <a:rPr lang="tr-TR" smtClean="0"/>
               <a:pPr/>
-              <a:t>2.01.2019</a:t>
+              <a:t>3.01.2019</a:t>
             </a:fld>
             <a:endParaRPr lang="tr-TR" dirty="0"/>
           </a:p>
@@ -2701,7 +2700,7 @@
             <a:fld id="{D9F75050-0E15-4C5B-92B0-66D068882F1F}" type="datetimeFigureOut">
               <a:rPr lang="tr-TR" smtClean="0"/>
               <a:pPr/>
-              <a:t>2.01.2019</a:t>
+              <a:t>3.01.2019</a:t>
             </a:fld>
             <a:endParaRPr lang="tr-TR" dirty="0"/>
           </a:p>
@@ -3139,11 +3138,6 @@
               </a:rPr>
               <a:t>Güngen</a:t>
             </a:r>
-            <a:endParaRPr lang="en-US" dirty="0" smtClean="0">
-              <a:solidFill>
-                <a:schemeClr val="tx1"/>
-              </a:solidFill>
-            </a:endParaRPr>
           </a:p>
           <a:p>
             <a:r>
@@ -3152,15 +3146,7 @@
                   <a:schemeClr val="tx1"/>
                 </a:solidFill>
               </a:rPr>
-              <a:t>Msc</a:t>
-            </a:r>
-            <a:r>
-              <a:rPr lang="en-US" dirty="0" smtClean="0">
-                <a:solidFill>
-                  <a:schemeClr val="tx1"/>
-                </a:solidFill>
-              </a:rPr>
-              <a:t>- Electrical Machinery</a:t>
+              <a:t>Msc- Electrical Machinery</a:t>
             </a:r>
             <a:r>
               <a:rPr lang="tr-TR" dirty="0" smtClean="0">
@@ -3276,411 +3262,6 @@
           <a:chExt cx="0" cy="0"/>
         </a:xfrm>
       </p:grpSpPr>
-      <p:sp>
-        <p:nvSpPr>
-          <p:cNvPr id="2" name="1 Başlık"/>
-          <p:cNvSpPr>
-            <a:spLocks noGrp="1"/>
-          </p:cNvSpPr>
-          <p:nvPr>
-            <p:ph type="title"/>
-          </p:nvPr>
-        </p:nvSpPr>
-        <p:spPr/>
-        <p:txBody>
-          <a:bodyPr/>
-          <a:lstStyle/>
-          <a:p>
-            <a:endParaRPr lang="tr-TR" dirty="0"/>
-          </a:p>
-        </p:txBody>
-      </p:sp>
-      <p:sp>
-        <p:nvSpPr>
-          <p:cNvPr id="4" name="2 İçerik Yer Tutucusu"/>
-          <p:cNvSpPr txBox="1">
-            <a:spLocks/>
-          </p:cNvSpPr>
-          <p:nvPr/>
-        </p:nvSpPr>
-        <p:spPr>
-          <a:xfrm>
-            <a:off x="428596" y="2500306"/>
-            <a:ext cx="8229600" cy="768337"/>
-          </a:xfrm>
-          <a:prstGeom prst="rect">
-            <a:avLst/>
-          </a:prstGeom>
-        </p:spPr>
-        <p:txBody>
-          <a:bodyPr vert="horz" lIns="91440" tIns="45720" rIns="91440" bIns="45720" rtlCol="0">
-            <a:normAutofit/>
-          </a:bodyPr>
-          <a:lstStyle/>
-          <a:p>
-            <a:pPr marL="342900" marR="0" lvl="0" indent="-342900" algn="ctr" defTabSz="914400" rtl="0" eaLnBrk="1" fontAlgn="auto" latinLnBrk="0" hangingPunct="1">
-              <a:lnSpc>
-                <a:spcPct val="100000"/>
-              </a:lnSpc>
-              <a:spcBef>
-                <a:spcPct val="20000"/>
-              </a:spcBef>
-              <a:spcAft>
-                <a:spcPts val="0"/>
-              </a:spcAft>
-              <a:buClrTx/>
-              <a:buSzTx/>
-              <a:buFont typeface="Arial" pitchFamily="34" charset="0"/>
-              <a:buNone/>
-              <a:tabLst/>
-              <a:defRPr/>
-            </a:pPr>
-            <a:r>
-              <a:rPr kumimoji="0" lang="en-US" sz="2400" b="0" i="0" u="none" strike="noStrike" kern="1200" cap="none" spc="0" normalizeH="0" baseline="0" dirty="0" smtClean="0">
-                <a:ln>
-                  <a:noFill/>
-                </a:ln>
-                <a:solidFill>
-                  <a:schemeClr val="tx1"/>
-                </a:solidFill>
-                <a:effectLst/>
-                <a:uLnTx/>
-                <a:uFillTx/>
-                <a:latin typeface="+mn-lt"/>
-                <a:ea typeface="+mn-ea"/>
-                <a:cs typeface="+mn-cs"/>
-              </a:rPr>
-              <a:t>Gradient</a:t>
-            </a:r>
-            <a:r>
-              <a:rPr kumimoji="0" lang="en-US" sz="2400" b="0" i="0" u="none" strike="noStrike" kern="1200" cap="none" spc="0" normalizeH="0" dirty="0" smtClean="0">
-                <a:ln>
-                  <a:noFill/>
-                </a:ln>
-                <a:solidFill>
-                  <a:schemeClr val="tx1"/>
-                </a:solidFill>
-                <a:effectLst/>
-                <a:uLnTx/>
-                <a:uFillTx/>
-                <a:latin typeface="+mn-lt"/>
-                <a:ea typeface="+mn-ea"/>
-                <a:cs typeface="+mn-cs"/>
-              </a:rPr>
-              <a:t> Descent</a:t>
-            </a:r>
-            <a:r>
-              <a:rPr kumimoji="0" lang="en-US" sz="2400" b="0" i="0" u="none" strike="noStrike" kern="1200" cap="none" spc="0" normalizeH="0" baseline="0" noProof="0" dirty="0" smtClean="0">
-                <a:ln>
-                  <a:noFill/>
-                </a:ln>
-                <a:solidFill>
-                  <a:schemeClr val="tx1"/>
-                </a:solidFill>
-                <a:effectLst/>
-                <a:uLnTx/>
-                <a:uFillTx/>
-                <a:latin typeface="+mn-lt"/>
-                <a:ea typeface="+mn-ea"/>
-                <a:cs typeface="+mn-cs"/>
-              </a:rPr>
-              <a:t> optimizer formula</a:t>
-            </a:r>
-          </a:p>
-        </p:txBody>
-      </p:sp>
-      <p:sp>
-        <p:nvSpPr>
-          <p:cNvPr id="6" name="2 İçerik Yer Tutucusu"/>
-          <p:cNvSpPr txBox="1">
-            <a:spLocks/>
-          </p:cNvSpPr>
-          <p:nvPr/>
-        </p:nvSpPr>
-        <p:spPr>
-          <a:xfrm>
-            <a:off x="500034" y="5715016"/>
-            <a:ext cx="8229600" cy="768337"/>
-          </a:xfrm>
-          <a:prstGeom prst="rect">
-            <a:avLst/>
-          </a:prstGeom>
-        </p:spPr>
-        <p:txBody>
-          <a:bodyPr vert="horz" lIns="91440" tIns="45720" rIns="91440" bIns="45720" rtlCol="0">
-            <a:normAutofit/>
-          </a:bodyPr>
-          <a:lstStyle/>
-          <a:p>
-            <a:pPr marL="342900" marR="0" lvl="0" indent="-342900" algn="ctr" defTabSz="914400" rtl="0" eaLnBrk="1" fontAlgn="auto" latinLnBrk="0" hangingPunct="1">
-              <a:lnSpc>
-                <a:spcPct val="100000"/>
-              </a:lnSpc>
-              <a:spcBef>
-                <a:spcPct val="20000"/>
-              </a:spcBef>
-              <a:spcAft>
-                <a:spcPts val="0"/>
-              </a:spcAft>
-              <a:buClrTx/>
-              <a:buSzTx/>
-              <a:buFont typeface="Arial" pitchFamily="34" charset="0"/>
-              <a:buNone/>
-              <a:tabLst/>
-              <a:defRPr/>
-            </a:pPr>
-            <a:r>
-              <a:rPr kumimoji="0" lang="tr-TR" sz="2400" b="0" i="0" u="none" strike="noStrike" kern="1200" cap="none" spc="0" normalizeH="0" baseline="0" dirty="0" err="1" smtClean="0">
-                <a:ln>
-                  <a:noFill/>
-                </a:ln>
-                <a:solidFill>
-                  <a:schemeClr val="tx1"/>
-                </a:solidFill>
-                <a:effectLst/>
-                <a:uLnTx/>
-                <a:uFillTx/>
-                <a:latin typeface="+mn-lt"/>
-                <a:ea typeface="+mn-ea"/>
-                <a:cs typeface="+mn-cs"/>
-              </a:rPr>
-              <a:t>Hinge</a:t>
-            </a:r>
-            <a:r>
-              <a:rPr kumimoji="0" lang="tr-TR" sz="2400" b="0" i="0" u="none" strike="noStrike" kern="1200" cap="none" spc="0" normalizeH="0" baseline="0" dirty="0" smtClean="0">
-                <a:ln>
-                  <a:noFill/>
-                </a:ln>
-                <a:solidFill>
-                  <a:schemeClr val="tx1"/>
-                </a:solidFill>
-                <a:effectLst/>
-                <a:uLnTx/>
-                <a:uFillTx/>
-                <a:latin typeface="+mn-lt"/>
-                <a:ea typeface="+mn-ea"/>
-                <a:cs typeface="+mn-cs"/>
-              </a:rPr>
-              <a:t> </a:t>
-            </a:r>
-            <a:r>
-              <a:rPr kumimoji="0" lang="tr-TR" sz="2400" b="0" i="0" u="none" strike="noStrike" kern="1200" cap="none" spc="0" normalizeH="0" baseline="0" dirty="0" err="1" smtClean="0">
-                <a:ln>
-                  <a:noFill/>
-                </a:ln>
-                <a:solidFill>
-                  <a:schemeClr val="tx1"/>
-                </a:solidFill>
-                <a:effectLst/>
-                <a:uLnTx/>
-                <a:uFillTx/>
-                <a:latin typeface="+mn-lt"/>
-                <a:ea typeface="+mn-ea"/>
-                <a:cs typeface="+mn-cs"/>
-              </a:rPr>
-              <a:t>loss</a:t>
-            </a:r>
-            <a:r>
-              <a:rPr kumimoji="0" lang="tr-TR" sz="2400" b="0" i="0" u="none" strike="noStrike" kern="1200" cap="none" spc="0" normalizeH="0" baseline="0" dirty="0" smtClean="0">
-                <a:ln>
-                  <a:noFill/>
-                </a:ln>
-                <a:solidFill>
-                  <a:schemeClr val="tx1"/>
-                </a:solidFill>
-                <a:effectLst/>
-                <a:uLnTx/>
-                <a:uFillTx/>
-                <a:latin typeface="+mn-lt"/>
-                <a:ea typeface="+mn-ea"/>
-                <a:cs typeface="+mn-cs"/>
-              </a:rPr>
-              <a:t> </a:t>
-            </a:r>
-            <a:r>
-              <a:rPr kumimoji="0" lang="en-US" sz="2400" b="0" i="0" u="none" strike="noStrike" kern="1200" cap="none" spc="0" normalizeH="0" baseline="0" dirty="0" smtClean="0">
-                <a:ln>
-                  <a:noFill/>
-                </a:ln>
-                <a:solidFill>
-                  <a:schemeClr val="tx1"/>
-                </a:solidFill>
-                <a:effectLst/>
-                <a:uLnTx/>
-                <a:uFillTx/>
-                <a:latin typeface="+mn-lt"/>
-                <a:ea typeface="+mn-ea"/>
-                <a:cs typeface="+mn-cs"/>
-              </a:rPr>
-              <a:t>formula</a:t>
-            </a:r>
-          </a:p>
-        </p:txBody>
-      </p:sp>
-      <p:pic>
-        <p:nvPicPr>
-          <p:cNvPr id="10242" name="Picture 2" descr="https://upload.wikimedia.org/wikipedia/commons/thumb/f/ff/Gradient_descent.svg/350px-Gradient_descent.svg.png"/>
-          <p:cNvPicPr>
-            <a:picLocks noChangeAspect="1" noChangeArrowheads="1"/>
-          </p:cNvPicPr>
-          <p:nvPr/>
-        </p:nvPicPr>
-        <p:blipFill>
-          <a:blip r:embed="rId2"/>
-          <a:srcRect/>
-          <a:stretch>
-            <a:fillRect/>
-          </a:stretch>
-        </p:blipFill>
-        <p:spPr bwMode="auto">
-          <a:xfrm>
-            <a:off x="5810250" y="0"/>
-            <a:ext cx="3333750" cy="3571875"/>
-          </a:xfrm>
-          <a:prstGeom prst="rect">
-            <a:avLst/>
-          </a:prstGeom>
-          <a:noFill/>
-        </p:spPr>
-      </p:pic>
-      <p:pic>
-        <p:nvPicPr>
-          <p:cNvPr id="10243" name="Picture 3"/>
-          <p:cNvPicPr>
-            <a:picLocks noChangeAspect="1" noChangeArrowheads="1"/>
-          </p:cNvPicPr>
-          <p:nvPr/>
-        </p:nvPicPr>
-        <p:blipFill>
-          <a:blip r:embed="rId3"/>
-          <a:srcRect/>
-          <a:stretch>
-            <a:fillRect/>
-          </a:stretch>
-        </p:blipFill>
-        <p:spPr bwMode="auto">
-          <a:xfrm>
-            <a:off x="500034" y="1071546"/>
-            <a:ext cx="5072066" cy="1076240"/>
-          </a:xfrm>
-          <a:prstGeom prst="rect">
-            <a:avLst/>
-          </a:prstGeom>
-          <a:noFill/>
-          <a:ln w="9525">
-            <a:noFill/>
-            <a:miter lim="800000"/>
-            <a:headEnd/>
-            <a:tailEnd/>
-          </a:ln>
-          <a:effectLst/>
-        </p:spPr>
-      </p:pic>
-      <p:pic>
-        <p:nvPicPr>
-          <p:cNvPr id="10244" name="Picture 4"/>
-          <p:cNvPicPr>
-            <a:picLocks noGrp="1" noChangeAspect="1" noChangeArrowheads="1"/>
-          </p:cNvPicPr>
-          <p:nvPr>
-            <p:ph idx="1"/>
-          </p:nvPr>
-        </p:nvPicPr>
-        <p:blipFill>
-          <a:blip r:embed="rId4"/>
-          <a:srcRect/>
-          <a:stretch>
-            <a:fillRect/>
-          </a:stretch>
-        </p:blipFill>
-        <p:spPr bwMode="auto">
-          <a:xfrm>
-            <a:off x="785786" y="4500570"/>
-            <a:ext cx="5357850" cy="1094439"/>
-          </a:xfrm>
-          <a:prstGeom prst="rect">
-            <a:avLst/>
-          </a:prstGeom>
-          <a:noFill/>
-          <a:ln w="9525">
-            <a:noFill/>
-            <a:miter lim="800000"/>
-            <a:headEnd/>
-            <a:tailEnd/>
-          </a:ln>
-          <a:effectLst/>
-        </p:spPr>
-      </p:pic>
-    </p:spTree>
-  </p:cSld>
-  <p:clrMapOvr>
-    <a:masterClrMapping/>
-  </p:clrMapOvr>
-  <p:timing>
-    <p:tnLst>
-      <p:par>
-        <p:cTn id="1" dur="indefinite" restart="never" nodeType="tmRoot"/>
-      </p:par>
-    </p:tnLst>
-  </p:timing>
-</p:sld>
-</file>
-
-<file path=ppt/slides/slide11.xml><?xml version="1.0" encoding="utf-8"?>
-<p:sld xmlns:a="http://schemas.openxmlformats.org/drawingml/2006/main" xmlns:r="http://schemas.openxmlformats.org/officeDocument/2006/relationships" xmlns:p="http://schemas.openxmlformats.org/presentationml/2006/main">
-  <p:cSld>
-    <p:spTree>
-      <p:nvGrpSpPr>
-        <p:cNvPr id="1" name=""/>
-        <p:cNvGrpSpPr/>
-        <p:nvPr/>
-      </p:nvGrpSpPr>
-      <p:grpSpPr>
-        <a:xfrm>
-          <a:off x="0" y="0"/>
-          <a:ext cx="0" cy="0"/>
-          <a:chOff x="0" y="0"/>
-          <a:chExt cx="0" cy="0"/>
-        </a:xfrm>
-      </p:grpSpPr>
-      <p:sp>
-        <p:nvSpPr>
-          <p:cNvPr id="2" name="1 Başlık"/>
-          <p:cNvSpPr>
-            <a:spLocks noGrp="1"/>
-          </p:cNvSpPr>
-          <p:nvPr>
-            <p:ph type="title"/>
-          </p:nvPr>
-        </p:nvSpPr>
-        <p:spPr/>
-        <p:txBody>
-          <a:bodyPr/>
-          <a:lstStyle/>
-          <a:p>
-            <a:endParaRPr lang="tr-TR"/>
-          </a:p>
-        </p:txBody>
-      </p:sp>
-      <p:sp>
-        <p:nvSpPr>
-          <p:cNvPr id="3" name="2 İçerik Yer Tutucusu"/>
-          <p:cNvSpPr>
-            <a:spLocks noGrp="1"/>
-          </p:cNvSpPr>
-          <p:nvPr>
-            <p:ph idx="1"/>
-          </p:nvPr>
-        </p:nvSpPr>
-        <p:spPr/>
-        <p:txBody>
-          <a:bodyPr/>
-          <a:lstStyle/>
-          <a:p>
-            <a:endParaRPr lang="tr-TR" dirty="0"/>
-          </a:p>
-        </p:txBody>
-      </p:sp>
       <p:pic>
         <p:nvPicPr>
           <p:cNvPr id="7170" name="Picture 2" descr="C:\Users\gunge\OneDrive\Masaüstü\ee543\fotos_ML\accuracy_ML.png"/>
@@ -3733,6 +3314,167 @@
           <a:noFill/>
         </p:spPr>
       </p:pic>
+      <p:sp>
+        <p:nvSpPr>
+          <p:cNvPr id="6" name="2 İçerik Yer Tutucusu"/>
+          <p:cNvSpPr>
+            <a:spLocks noGrp="1"/>
+          </p:cNvSpPr>
+          <p:nvPr>
+            <p:ph idx="1"/>
+          </p:nvPr>
+        </p:nvSpPr>
+        <p:spPr>
+          <a:xfrm>
+            <a:off x="5000628" y="428604"/>
+            <a:ext cx="3614734" cy="2482849"/>
+          </a:xfrm>
+        </p:spPr>
+        <p:txBody>
+          <a:bodyPr>
+            <a:normAutofit/>
+          </a:bodyPr>
+          <a:lstStyle/>
+          <a:p>
+            <a:r>
+              <a:rPr lang="en-US" sz="2400" dirty="0" smtClean="0"/>
+              <a:t>%99 accuracy for train data</a:t>
+            </a:r>
+          </a:p>
+          <a:p>
+            <a:r>
+              <a:rPr lang="en-US" sz="2400" dirty="0" smtClean="0"/>
+              <a:t>%93,3 accuracy for test data</a:t>
+            </a:r>
+            <a:endParaRPr lang="tr-TR" sz="2400" dirty="0"/>
+          </a:p>
+        </p:txBody>
+      </p:sp>
+      <p:sp>
+        <p:nvSpPr>
+          <p:cNvPr id="7" name="2 İçerik Yer Tutucusu"/>
+          <p:cNvSpPr txBox="1">
+            <a:spLocks/>
+          </p:cNvSpPr>
+          <p:nvPr/>
+        </p:nvSpPr>
+        <p:spPr>
+          <a:xfrm>
+            <a:off x="357158" y="3571876"/>
+            <a:ext cx="3614734" cy="2482849"/>
+          </a:xfrm>
+          <a:prstGeom prst="rect">
+            <a:avLst/>
+          </a:prstGeom>
+        </p:spPr>
+        <p:txBody>
+          <a:bodyPr vert="horz" lIns="91440" tIns="45720" rIns="91440" bIns="45720" rtlCol="0">
+            <a:normAutofit/>
+          </a:bodyPr>
+          <a:lstStyle/>
+          <a:p>
+            <a:pPr marL="342900" marR="0" lvl="0" indent="-342900" algn="l" defTabSz="914400" rtl="0" eaLnBrk="1" fontAlgn="auto" latinLnBrk="0" hangingPunct="1">
+              <a:lnSpc>
+                <a:spcPct val="100000"/>
+              </a:lnSpc>
+              <a:spcBef>
+                <a:spcPct val="20000"/>
+              </a:spcBef>
+              <a:spcAft>
+                <a:spcPts val="0"/>
+              </a:spcAft>
+              <a:buClrTx/>
+              <a:buSzTx/>
+              <a:buFont typeface="Arial" pitchFamily="34" charset="0"/>
+              <a:buChar char="•"/>
+              <a:tabLst/>
+              <a:defRPr/>
+            </a:pPr>
+            <a:r>
+              <a:rPr kumimoji="0" lang="en-US" sz="2400" b="0" i="0" u="none" strike="noStrike" kern="1200" cap="none" spc="0" normalizeH="0" baseline="0" noProof="0" dirty="0" smtClean="0">
+                <a:ln>
+                  <a:noFill/>
+                </a:ln>
+                <a:solidFill>
+                  <a:schemeClr val="tx1"/>
+                </a:solidFill>
+                <a:effectLst/>
+                <a:uLnTx/>
+                <a:uFillTx/>
+                <a:latin typeface="+mn-lt"/>
+                <a:ea typeface="+mn-ea"/>
+                <a:cs typeface="+mn-cs"/>
+              </a:rPr>
+              <a:t>Converges 0,67 loss for train data</a:t>
+            </a:r>
+          </a:p>
+          <a:p>
+            <a:pPr marL="342900" lvl="0" indent="-342900">
+              <a:spcBef>
+                <a:spcPct val="20000"/>
+              </a:spcBef>
+              <a:buFont typeface="Arial" pitchFamily="34" charset="0"/>
+              <a:buChar char="•"/>
+            </a:pPr>
+            <a:r>
+              <a:rPr lang="en-US" sz="2400" dirty="0" smtClean="0"/>
+              <a:t>Converges </a:t>
+            </a:r>
+            <a:r>
+              <a:rPr lang="en-US" sz="2400" dirty="0" smtClean="0"/>
+              <a:t>0,2</a:t>
+            </a:r>
+            <a:r>
+              <a:rPr kumimoji="0" lang="en-US" sz="2400" b="0" i="0" u="none" strike="noStrike" kern="1200" cap="none" spc="0" normalizeH="0" noProof="0" dirty="0" smtClean="0">
+                <a:ln>
+                  <a:noFill/>
+                </a:ln>
+                <a:solidFill>
+                  <a:schemeClr val="tx1"/>
+                </a:solidFill>
+                <a:effectLst/>
+                <a:uLnTx/>
+                <a:uFillTx/>
+                <a:latin typeface="+mn-lt"/>
+                <a:ea typeface="+mn-ea"/>
+                <a:cs typeface="+mn-cs"/>
+              </a:rPr>
+              <a:t> </a:t>
+            </a:r>
+            <a:r>
+              <a:rPr kumimoji="0" lang="en-US" sz="2400" b="0" i="0" u="none" strike="noStrike" kern="1200" cap="none" spc="0" normalizeH="0" baseline="0" noProof="0" dirty="0" smtClean="0">
+                <a:ln>
+                  <a:noFill/>
+                </a:ln>
+                <a:solidFill>
+                  <a:schemeClr val="tx1"/>
+                </a:solidFill>
+                <a:effectLst/>
+                <a:uLnTx/>
+                <a:uFillTx/>
+                <a:latin typeface="+mn-lt"/>
+                <a:ea typeface="+mn-ea"/>
+                <a:cs typeface="+mn-cs"/>
+              </a:rPr>
+              <a:t>loss for test data</a:t>
+            </a:r>
+            <a:endParaRPr kumimoji="0" lang="tr-TR" sz="2400" b="0" i="0" u="none" strike="noStrike" kern="1200" cap="none" spc="0" normalizeH="0" baseline="0" noProof="0" dirty="0">
+              <a:ln>
+                <a:noFill/>
+              </a:ln>
+              <a:solidFill>
+                <a:schemeClr val="tx1"/>
+              </a:solidFill>
+              <a:effectLst/>
+              <a:uLnTx/>
+              <a:uFillTx/>
+              <a:latin typeface="+mn-lt"/>
+              <a:ea typeface="+mn-ea"/>
+              <a:cs typeface="+mn-cs"/>
+            </a:endParaRPr>
+          </a:p>
+        </p:txBody>
+      </p:sp>
     </p:spTree>
   </p:cSld>
   <p:clrMapOvr>
@@ -3748,7 +3490,7 @@
 </p:sld>
 </file>
 
-<file path=ppt/slides/slide12.xml><?xml version="1.0" encoding="utf-8"?>
+<file path=ppt/slides/slide11.xml><?xml version="1.0" encoding="utf-8"?>
 <p:sld xmlns:a="http://schemas.openxmlformats.org/drawingml/2006/main" xmlns:r="http://schemas.openxmlformats.org/officeDocument/2006/relationships" xmlns:p="http://schemas.openxmlformats.org/presentationml/2006/main">
   <p:cSld>
     <p:spTree>
@@ -4052,7 +3794,7 @@
 </p:sld>
 </file>
 
-<file path=ppt/slides/slide13.xml><?xml version="1.0" encoding="utf-8"?>
+<file path=ppt/slides/slide12.xml><?xml version="1.0" encoding="utf-8"?>
 <p:sld xmlns:a="http://schemas.openxmlformats.org/drawingml/2006/main" xmlns:r="http://schemas.openxmlformats.org/officeDocument/2006/relationships" xmlns:p="http://schemas.openxmlformats.org/presentationml/2006/main">
   <p:cSld>
     <p:spTree>
@@ -4270,11 +4012,7 @@
                     <a:p>
                       <a:r>
                         <a:rPr lang="en-US" dirty="0" smtClean="0"/>
-                        <a:t>Test </a:t>
-                      </a:r>
-                      <a:r>
-                        <a:rPr lang="en-US" dirty="0" smtClean="0"/>
-                        <a:t>Accuracy</a:t>
+                        <a:t>Test Accuracy</a:t>
                       </a:r>
                       <a:endParaRPr lang="tr-TR" dirty="0"/>
                     </a:p>
@@ -4343,11 +4081,7 @@
                       </a:pPr>
                       <a:r>
                         <a:rPr lang="en-US" dirty="0" smtClean="0"/>
-                        <a:t>Test </a:t>
-                      </a:r>
-                      <a:r>
-                        <a:rPr lang="en-US" dirty="0" smtClean="0"/>
-                        <a:t>Loss</a:t>
+                        <a:t>Test Loss</a:t>
                       </a:r>
                       <a:endParaRPr lang="tr-TR" dirty="0" smtClean="0"/>
                     </a:p>
@@ -4470,7 +4204,7 @@
 </p:sld>
 </file>
 
-<file path=ppt/slides/slide14.xml><?xml version="1.0" encoding="utf-8"?>
+<file path=ppt/slides/slide13.xml><?xml version="1.0" encoding="utf-8"?>
 <p:sld xmlns:a="http://schemas.openxmlformats.org/drawingml/2006/main" xmlns:r="http://schemas.openxmlformats.org/officeDocument/2006/relationships" xmlns:p="http://schemas.openxmlformats.org/presentationml/2006/main">
   <p:cSld>
     <p:spTree>
@@ -4503,14 +4237,10 @@
           <a:lstStyle/>
           <a:p>
             <a:r>
-              <a:rPr lang="tr-TR" dirty="0" err="1" smtClean="0"/>
-              <a:t>References</a:t>
-            </a:r>
-            <a:r>
-              <a:rPr lang="tr-TR" dirty="0" smtClean="0"/>
-              <a:t> </a:t>
-            </a:r>
-            <a:endParaRPr lang="tr-TR" dirty="0"/>
+              <a:rPr lang="en-US" dirty="0" smtClean="0"/>
+              <a:t>Conclusion</a:t>
+            </a:r>
+            <a:endParaRPr lang="en-US" dirty="0"/>
           </a:p>
         </p:txBody>
       </p:sp>
@@ -4533,10 +4263,50 @@
               <a:buNone/>
             </a:pPr>
             <a:r>
-              <a:rPr lang="tr-TR" dirty="0" smtClean="0"/>
-              <a:t>[1]</a:t>
-            </a:r>
-            <a:endParaRPr lang="tr-TR" dirty="0"/>
+              <a:rPr lang="en-US" dirty="0" smtClean="0"/>
+              <a:t>Future works</a:t>
+            </a:r>
+          </a:p>
+          <a:p>
+            <a:pPr>
+              <a:buFont typeface="Arial" charset="0"/>
+              <a:buChar char="•"/>
+            </a:pPr>
+            <a:r>
+              <a:rPr lang="en-US" dirty="0" smtClean="0"/>
+              <a:t>Increase fault types and data quantity</a:t>
+            </a:r>
+          </a:p>
+          <a:p>
+            <a:pPr>
+              <a:buFont typeface="Arial" charset="0"/>
+              <a:buChar char="•"/>
+            </a:pPr>
+            <a:r>
+              <a:rPr lang="en-US" dirty="0" smtClean="0"/>
+              <a:t>Optimize algorithm</a:t>
+            </a:r>
+          </a:p>
+          <a:p>
+            <a:pPr>
+              <a:buFont typeface="Arial" charset="0"/>
+              <a:buChar char="•"/>
+            </a:pPr>
+            <a:r>
+              <a:rPr lang="en-US" dirty="0" smtClean="0"/>
+              <a:t>Train with simulation results</a:t>
+            </a:r>
+            <a:r>
+              <a:rPr lang="en-US" dirty="0" smtClean="0"/>
+              <a:t> to estimate experimental results</a:t>
+            </a:r>
+            <a:endParaRPr lang="en-US" dirty="0" smtClean="0"/>
+          </a:p>
+          <a:p>
+            <a:pPr>
+              <a:buNone/>
+            </a:pPr>
+            <a:endParaRPr lang="en-US" dirty="0"/>
           </a:p>
         </p:txBody>
       </p:sp>
@@ -4556,6 +4326,137 @@
 </file>
 
 <file path=ppt/slides/slide2.xml><?xml version="1.0" encoding="utf-8"?>
+<p:sld xmlns:a="http://schemas.openxmlformats.org/drawingml/2006/main" xmlns:r="http://schemas.openxmlformats.org/officeDocument/2006/relationships" xmlns:p="http://schemas.openxmlformats.org/presentationml/2006/main">
+  <p:cSld>
+    <p:spTree>
+      <p:nvGrpSpPr>
+        <p:cNvPr id="1" name=""/>
+        <p:cNvGrpSpPr/>
+        <p:nvPr/>
+      </p:nvGrpSpPr>
+      <p:grpSpPr>
+        <a:xfrm>
+          <a:off x="0" y="0"/>
+          <a:ext cx="0" cy="0"/>
+          <a:chOff x="0" y="0"/>
+          <a:chExt cx="0" cy="0"/>
+        </a:xfrm>
+      </p:grpSpPr>
+      <p:sp>
+        <p:nvSpPr>
+          <p:cNvPr id="2" name="1 Başlık"/>
+          <p:cNvSpPr>
+            <a:spLocks noGrp="1"/>
+          </p:cNvSpPr>
+          <p:nvPr>
+            <p:ph type="title"/>
+          </p:nvPr>
+        </p:nvSpPr>
+        <p:spPr/>
+        <p:txBody>
+          <a:bodyPr/>
+          <a:lstStyle/>
+          <a:p>
+            <a:r>
+              <a:rPr lang="en-US" dirty="0" smtClean="0"/>
+              <a:t>Electrical Machines</a:t>
+            </a:r>
+            <a:endParaRPr lang="en-US" dirty="0"/>
+          </a:p>
+        </p:txBody>
+      </p:sp>
+      <p:sp>
+        <p:nvSpPr>
+          <p:cNvPr id="3" name="2 İçerik Yer Tutucusu"/>
+          <p:cNvSpPr>
+            <a:spLocks noGrp="1"/>
+          </p:cNvSpPr>
+          <p:nvPr>
+            <p:ph idx="1"/>
+          </p:nvPr>
+        </p:nvSpPr>
+        <p:spPr/>
+        <p:txBody>
+          <a:bodyPr>
+            <a:normAutofit/>
+          </a:bodyPr>
+          <a:lstStyle/>
+          <a:p>
+            <a:r>
+              <a:rPr lang="en-US" sz="2800" dirty="0" smtClean="0"/>
+              <a:t>%45 of electrical energy is consuming by EM at the world</a:t>
+            </a:r>
+          </a:p>
+          <a:p>
+            <a:r>
+              <a:rPr lang="en-US" sz="2800" dirty="0" smtClean="0"/>
+              <a:t>EMs have critical roles at the industry</a:t>
+            </a:r>
+          </a:p>
+          <a:p>
+            <a:r>
+              <a:rPr lang="en-US" sz="2800" dirty="0" smtClean="0"/>
+              <a:t>Stopping some of them can lead to important financial losses</a:t>
+            </a:r>
+          </a:p>
+          <a:p>
+            <a:r>
+              <a:rPr lang="en-US" sz="2800" dirty="0" smtClean="0"/>
+              <a:t>Faults should be fixed</a:t>
+            </a:r>
+            <a:endParaRPr lang="tr-TR" sz="2800" dirty="0" smtClean="0"/>
+          </a:p>
+          <a:p>
+            <a:pPr>
+              <a:buNone/>
+            </a:pPr>
+            <a:r>
+              <a:rPr lang="tr-TR" sz="2800" dirty="0" smtClean="0"/>
+              <a:t>    </a:t>
+            </a:r>
+            <a:r>
+              <a:rPr lang="en-US" sz="2800" dirty="0" smtClean="0"/>
+              <a:t> immediately</a:t>
+            </a:r>
+            <a:endParaRPr lang="en-US" sz="2800" dirty="0"/>
+          </a:p>
+        </p:txBody>
+      </p:sp>
+      <p:pic>
+        <p:nvPicPr>
+          <p:cNvPr id="1026" name="Picture 2" descr="electrical machine ile ilgili gÃ¶rsel sonucu"/>
+          <p:cNvPicPr>
+            <a:picLocks noChangeAspect="1" noChangeArrowheads="1"/>
+          </p:cNvPicPr>
+          <p:nvPr/>
+        </p:nvPicPr>
+        <p:blipFill>
+          <a:blip r:embed="rId2"/>
+          <a:srcRect/>
+          <a:stretch>
+            <a:fillRect/>
+          </a:stretch>
+        </p:blipFill>
+        <p:spPr bwMode="auto">
+          <a:xfrm>
+            <a:off x="4857752" y="3714752"/>
+            <a:ext cx="3231348" cy="2190745"/>
+          </a:xfrm>
+          <a:prstGeom prst="rect">
+            <a:avLst/>
+          </a:prstGeom>
+          <a:noFill/>
+        </p:spPr>
+      </p:pic>
+    </p:spTree>
+  </p:cSld>
+  <p:clrMapOvr>
+    <a:masterClrMapping/>
+  </p:clrMapOvr>
+</p:sld>
+</file>
+
+<file path=ppt/slides/slide3.xml><?xml version="1.0" encoding="utf-8"?>
 <p:sld xmlns:a="http://schemas.openxmlformats.org/drawingml/2006/main" xmlns:r="http://schemas.openxmlformats.org/officeDocument/2006/relationships" xmlns:p="http://schemas.openxmlformats.org/presentationml/2006/main">
   <p:cSld>
     <p:bg>
@@ -4631,13 +4532,13 @@
         </p:nvSpPr>
         <p:spPr>
           <a:xfrm>
-            <a:off x="457200" y="1600200"/>
-            <a:ext cx="4829180" cy="4525963"/>
+            <a:off x="457200" y="2786058"/>
+            <a:ext cx="4829180" cy="3340105"/>
           </a:xfrm>
         </p:spPr>
         <p:txBody>
           <a:bodyPr>
-            <a:normAutofit lnSpcReduction="10000"/>
+            <a:normAutofit fontScale="77500" lnSpcReduction="20000"/>
           </a:bodyPr>
           <a:lstStyle/>
           <a:p>
@@ -4750,7 +4651,7 @@
         <p:spPr>
           <a:xfrm>
             <a:off x="5643570" y="2786058"/>
-            <a:ext cx="2286016" cy="2831544"/>
+            <a:ext cx="2286016" cy="3139321"/>
           </a:xfrm>
           <a:prstGeom prst="rect">
             <a:avLst/>
@@ -4764,294 +4665,77 @@
           <a:lstStyle/>
           <a:p>
             <a:r>
-              <a:rPr lang="tr-TR" sz="2000" dirty="0" err="1" smtClean="0"/>
-              <a:t>In</a:t>
-            </a:r>
-            <a:r>
-              <a:rPr lang="tr-TR" sz="2000" dirty="0" smtClean="0"/>
-              <a:t> general, </a:t>
-            </a:r>
-            <a:r>
-              <a:rPr lang="tr-TR" sz="2000" dirty="0" err="1" smtClean="0"/>
-              <a:t>current</a:t>
-            </a:r>
-            <a:r>
-              <a:rPr lang="tr-TR" sz="2000" dirty="0" smtClean="0"/>
-              <a:t>, </a:t>
-            </a:r>
-            <a:r>
-              <a:rPr lang="tr-TR" sz="2000" dirty="0" err="1" smtClean="0"/>
-              <a:t>vibration</a:t>
-            </a:r>
-            <a:r>
-              <a:rPr lang="tr-TR" sz="2000" dirty="0" smtClean="0"/>
-              <a:t>, </a:t>
-            </a:r>
-            <a:r>
-              <a:rPr lang="tr-TR" sz="2000" dirty="0" err="1" smtClean="0"/>
-              <a:t>voltage</a:t>
+              <a:rPr lang="en-US" sz="2000" dirty="0" smtClean="0"/>
+              <a:t>In general, current, vibration, voltage signal analysis are used for fault detection by transforming</a:t>
             </a:r>
             <a:r>
               <a:rPr lang="tr-TR" sz="2000" dirty="0" smtClean="0"/>
               <a:t> </a:t>
             </a:r>
             <a:r>
-              <a:rPr lang="tr-TR" sz="2000" dirty="0" err="1" smtClean="0"/>
-              <a:t>signal</a:t>
-            </a:r>
-            <a:r>
-              <a:rPr lang="tr-TR" sz="2000" dirty="0" smtClean="0"/>
-              <a:t> </a:t>
-            </a:r>
-            <a:r>
-              <a:rPr lang="tr-TR" sz="2000" dirty="0" err="1" smtClean="0"/>
-              <a:t>anaysises</a:t>
-            </a:r>
-            <a:r>
-              <a:rPr lang="tr-TR" sz="2000" dirty="0" smtClean="0"/>
-              <a:t> </a:t>
-            </a:r>
-            <a:r>
-              <a:rPr lang="tr-TR" sz="2000" dirty="0" err="1" smtClean="0"/>
-              <a:t>are</a:t>
-            </a:r>
-            <a:r>
-              <a:rPr lang="tr-TR" sz="2000" dirty="0" smtClean="0"/>
-              <a:t> </a:t>
-            </a:r>
-            <a:r>
-              <a:rPr lang="tr-TR" sz="2000" dirty="0" err="1" smtClean="0"/>
-              <a:t>used</a:t>
-            </a:r>
-            <a:r>
-              <a:rPr lang="tr-TR" sz="2000" dirty="0" smtClean="0"/>
-              <a:t> </a:t>
-            </a:r>
-            <a:r>
-              <a:rPr lang="tr-TR" sz="2000" dirty="0" err="1" smtClean="0"/>
-              <a:t>for</a:t>
-            </a:r>
-            <a:r>
-              <a:rPr lang="tr-TR" sz="2000" dirty="0" smtClean="0"/>
-              <a:t> </a:t>
-            </a:r>
-            <a:r>
-              <a:rPr lang="tr-TR" sz="2000" dirty="0" err="1" smtClean="0"/>
-              <a:t>fault</a:t>
-            </a:r>
-            <a:r>
-              <a:rPr lang="tr-TR" sz="2000" dirty="0" smtClean="0"/>
-              <a:t> </a:t>
-            </a:r>
-            <a:r>
-              <a:rPr lang="tr-TR" sz="2000" dirty="0" err="1" smtClean="0"/>
-              <a:t>detection</a:t>
-            </a:r>
-            <a:r>
-              <a:rPr lang="tr-TR" sz="2000" dirty="0" smtClean="0"/>
-              <a:t> </a:t>
-            </a:r>
-            <a:r>
-              <a:rPr lang="tr-TR" sz="2000" dirty="0" err="1" smtClean="0"/>
-              <a:t>by</a:t>
-            </a:r>
-            <a:r>
-              <a:rPr lang="tr-TR" sz="2000" dirty="0" smtClean="0"/>
-              <a:t> </a:t>
-            </a:r>
-            <a:r>
-              <a:rPr lang="tr-TR" sz="2000" dirty="0" err="1" smtClean="0"/>
-              <a:t>transforming</a:t>
-            </a:r>
-            <a:r>
-              <a:rPr lang="tr-TR" sz="2000" dirty="0" smtClean="0"/>
-              <a:t> </a:t>
-            </a:r>
-            <a:r>
-              <a:rPr lang="tr-TR" sz="2000" dirty="0" err="1" smtClean="0"/>
-              <a:t>method</a:t>
-            </a:r>
-            <a:r>
-              <a:rPr lang="tr-TR" sz="2000" dirty="0" smtClean="0"/>
-              <a:t> </a:t>
-            </a:r>
-            <a:r>
-              <a:rPr lang="tr-TR" sz="2000" dirty="0" err="1" smtClean="0"/>
-              <a:t>like</a:t>
-            </a:r>
-            <a:r>
-              <a:rPr lang="tr-TR" sz="2000" dirty="0" smtClean="0"/>
-              <a:t> </a:t>
-            </a:r>
-            <a:r>
-              <a:rPr lang="tr-TR" sz="2000" dirty="0" err="1" smtClean="0"/>
-              <a:t>fourier</a:t>
-            </a:r>
-            <a:r>
-              <a:rPr lang="tr-TR" sz="2000" dirty="0" smtClean="0"/>
-              <a:t>, </a:t>
-            </a:r>
-            <a:r>
-              <a:rPr lang="tr-TR" sz="2000" dirty="0" err="1" smtClean="0"/>
-              <a:t>Wavelet</a:t>
-            </a:r>
-            <a:r>
-              <a:rPr lang="tr-TR" sz="2000" dirty="0" smtClean="0"/>
-              <a:t> </a:t>
-            </a:r>
-            <a:r>
-              <a:rPr lang="tr-TR" sz="2000" dirty="0" err="1" smtClean="0"/>
-              <a:t>transform</a:t>
-            </a:r>
-            <a:endParaRPr lang="tr-TR" sz="2000" dirty="0" smtClean="0"/>
-          </a:p>
-          <a:p>
-            <a:endParaRPr lang="tr-TR" dirty="0"/>
-          </a:p>
-        </p:txBody>
-      </p:sp>
-    </p:spTree>
-  </p:cSld>
-  <p:clrMapOvr>
-    <a:masterClrMapping/>
-  </p:clrMapOvr>
-  <p:timing>
-    <p:tnLst>
-      <p:par>
-        <p:cTn id="1" dur="indefinite" restart="never" nodeType="tmRoot"/>
-      </p:par>
-    </p:tnLst>
-  </p:timing>
-</p:sld>
-</file>
-
-<file path=ppt/slides/slide3.xml><?xml version="1.0" encoding="utf-8"?>
-<p:sld xmlns:a="http://schemas.openxmlformats.org/drawingml/2006/main" xmlns:r="http://schemas.openxmlformats.org/officeDocument/2006/relationships" xmlns:p="http://schemas.openxmlformats.org/presentationml/2006/main">
-  <p:cSld>
-    <p:spTree>
-      <p:nvGrpSpPr>
-        <p:cNvPr id="1" name=""/>
-        <p:cNvGrpSpPr/>
-        <p:nvPr/>
-      </p:nvGrpSpPr>
-      <p:grpSpPr>
-        <a:xfrm>
-          <a:off x="0" y="0"/>
-          <a:ext cx="0" cy="0"/>
-          <a:chOff x="0" y="0"/>
-          <a:chExt cx="0" cy="0"/>
-        </a:xfrm>
-      </p:grpSpPr>
-      <p:sp>
-        <p:nvSpPr>
-          <p:cNvPr id="2" name="1 Başlık"/>
-          <p:cNvSpPr>
-            <a:spLocks noGrp="1"/>
-          </p:cNvSpPr>
-          <p:nvPr>
-            <p:ph type="title"/>
-          </p:nvPr>
+              <a:rPr lang="en-US" sz="2000" dirty="0" smtClean="0"/>
+              <a:t>signal method with Fourier, Wavelet transform</a:t>
+            </a:r>
+          </a:p>
+          <a:p>
+            <a:endParaRPr lang="en-US" dirty="0"/>
+          </a:p>
+        </p:txBody>
+      </p:sp>
+      <p:sp>
+        <p:nvSpPr>
+          <p:cNvPr id="6" name="5 Metin kutusu"/>
+          <p:cNvSpPr txBox="1"/>
+          <p:nvPr/>
         </p:nvSpPr>
         <p:spPr>
           <a:xfrm>
-            <a:off x="500034" y="274638"/>
-            <a:ext cx="8186766" cy="868346"/>
-          </a:xfrm>
-        </p:spPr>
-        <p:txBody>
-          <a:bodyPr/>
-          <a:lstStyle/>
-          <a:p>
-            <a:r>
-              <a:rPr lang="en-US" dirty="0" smtClean="0"/>
-              <a:t>Database</a:t>
-            </a:r>
-            <a:endParaRPr lang="tr-TR" dirty="0"/>
-          </a:p>
-        </p:txBody>
-      </p:sp>
-      <p:sp>
-        <p:nvSpPr>
-          <p:cNvPr id="3" name="2 İçerik Yer Tutucusu"/>
-          <p:cNvSpPr>
-            <a:spLocks noGrp="1"/>
-          </p:cNvSpPr>
-          <p:nvPr>
-            <p:ph idx="1"/>
-          </p:nvPr>
-        </p:nvSpPr>
-        <p:spPr>
-          <a:xfrm>
-            <a:off x="457200" y="1285860"/>
-            <a:ext cx="8229600" cy="4840303"/>
-          </a:xfrm>
-        </p:spPr>
-        <p:txBody>
-          <a:bodyPr>
-            <a:normAutofit/>
-          </a:bodyPr>
-          <a:lstStyle/>
-          <a:p>
-            <a:r>
-              <a:rPr lang="en-US" sz="2400" dirty="0" smtClean="0"/>
-              <a:t>Includes 3 type operation as healthy, broken rotor magnet and static </a:t>
-            </a:r>
-            <a:r>
-              <a:rPr lang="en-US" sz="2400" dirty="0" err="1" smtClean="0"/>
-              <a:t>airgap</a:t>
-            </a:r>
-            <a:r>
-              <a:rPr lang="en-US" sz="2400" dirty="0" smtClean="0"/>
-              <a:t> eccentricity</a:t>
-            </a:r>
-            <a:r>
-              <a:rPr lang="tr-TR" sz="2400" dirty="0" smtClean="0"/>
-              <a:t> </a:t>
-            </a:r>
-            <a:r>
-              <a:rPr lang="en-US" sz="2400" dirty="0" smtClean="0"/>
-              <a:t>with 3 different load and 5 different speed (600, 1200, 1800, 2400, 3000 rpm)</a:t>
-            </a:r>
-            <a:r>
-              <a:rPr lang="tr-TR" sz="2400" dirty="0" smtClean="0"/>
-              <a:t>.</a:t>
-            </a:r>
-            <a:endParaRPr lang="en-US" sz="2400" dirty="0" smtClean="0"/>
-          </a:p>
-          <a:p>
-            <a:pPr>
-              <a:buNone/>
-            </a:pPr>
-            <a:endParaRPr lang="tr-TR" sz="2400" dirty="0"/>
-          </a:p>
-        </p:txBody>
-      </p:sp>
-      <p:pic>
-        <p:nvPicPr>
-          <p:cNvPr id="2051" name="Picture 3" descr="C:\Users\gunge\OneDrive\Masaüstü\ee543\sunum\dataset.jpg"/>
-          <p:cNvPicPr>
-            <a:picLocks noChangeAspect="1" noChangeArrowheads="1"/>
-          </p:cNvPicPr>
-          <p:nvPr/>
-        </p:nvPicPr>
-        <p:blipFill>
-          <a:blip r:embed="rId2"/>
-          <a:srcRect/>
-          <a:stretch>
-            <a:fillRect/>
-          </a:stretch>
-        </p:blipFill>
-        <p:spPr bwMode="auto">
-          <a:xfrm>
-            <a:off x="1214414" y="2643182"/>
-            <a:ext cx="6715172" cy="3700803"/>
+            <a:off x="1000100" y="1357298"/>
+            <a:ext cx="7000924" cy="1200329"/>
           </a:xfrm>
           <a:prstGeom prst="rect">
             <a:avLst/>
           </a:prstGeom>
           <a:noFill/>
         </p:spPr>
-      </p:pic>
+        <p:txBody>
+          <a:bodyPr wrap="square" rtlCol="0">
+            <a:spAutoFit/>
+          </a:bodyPr>
+          <a:lstStyle/>
+          <a:p>
+            <a:pPr>
+              <a:buFont typeface="Arial" charset="0"/>
+              <a:buChar char="•"/>
+            </a:pPr>
+            <a:r>
+              <a:rPr lang="en-US" sz="2400" dirty="0" smtClean="0"/>
+              <a:t>Fixing pro</a:t>
+            </a:r>
+            <a:r>
+              <a:rPr lang="tr-TR" sz="2400" dirty="0" smtClean="0"/>
+              <a:t>cess</a:t>
+            </a:r>
+            <a:r>
+              <a:rPr lang="en-US" sz="2400" dirty="0" smtClean="0"/>
+              <a:t> can take so long times</a:t>
+            </a:r>
+          </a:p>
+          <a:p>
+            <a:pPr>
+              <a:buFont typeface="Arial" charset="0"/>
+              <a:buChar char="•"/>
+            </a:pPr>
+            <a:r>
+              <a:rPr lang="en-US" sz="2400" dirty="0" smtClean="0"/>
+              <a:t>Needs to experience and theoretical knowledge</a:t>
+            </a:r>
+          </a:p>
+          <a:p>
+            <a:endParaRPr lang="en-US" sz="2400" dirty="0"/>
+          </a:p>
+        </p:txBody>
+      </p:sp>
     </p:spTree>
   </p:cSld>
   <p:clrMapOvr>
@@ -5094,49 +4778,10 @@
             <p:ph type="title"/>
           </p:nvPr>
         </p:nvSpPr>
-        <p:spPr/>
-        <p:txBody>
-          <a:bodyPr/>
-          <a:lstStyle/>
-          <a:p>
-            <a:r>
-              <a:rPr lang="tr-TR" dirty="0" err="1" smtClean="0"/>
-              <a:t>Machine</a:t>
-            </a:r>
-            <a:r>
-              <a:rPr lang="tr-TR" dirty="0" smtClean="0"/>
-              <a:t> </a:t>
-            </a:r>
-            <a:r>
-              <a:rPr lang="tr-TR" dirty="0" err="1" smtClean="0"/>
-              <a:t>Lerning</a:t>
-            </a:r>
-            <a:r>
-              <a:rPr lang="tr-TR" dirty="0" smtClean="0"/>
-              <a:t> </a:t>
-            </a:r>
-            <a:r>
-              <a:rPr lang="tr-TR" dirty="0" err="1" smtClean="0"/>
-              <a:t>Methods</a:t>
-            </a:r>
-            <a:endParaRPr lang="tr-TR" dirty="0"/>
-          </a:p>
-        </p:txBody>
-      </p:sp>
-      <p:sp>
-        <p:nvSpPr>
-          <p:cNvPr id="3" name="2 İçerik Yer Tutucusu"/>
-          <p:cNvSpPr>
-            <a:spLocks noGrp="1"/>
-          </p:cNvSpPr>
-          <p:nvPr>
-            <p:ph idx="1"/>
-          </p:nvPr>
-        </p:nvSpPr>
         <p:spPr>
           <a:xfrm>
-            <a:off x="457200" y="2285992"/>
-            <a:ext cx="8229600" cy="3840171"/>
+            <a:off x="500034" y="274638"/>
+            <a:ext cx="8186766" cy="868346"/>
           </a:xfrm>
         </p:spPr>
         <p:txBody>
@@ -5144,34 +4789,152 @@
           <a:lstStyle/>
           <a:p>
             <a:r>
-              <a:rPr lang="tr-TR" dirty="0" smtClean="0"/>
+              <a:rPr lang="en-US" dirty="0" smtClean="0"/>
+              <a:t>Database</a:t>
+            </a:r>
+            <a:endParaRPr lang="tr-TR" dirty="0"/>
+          </a:p>
+        </p:txBody>
+      </p:sp>
+      <p:sp>
+        <p:nvSpPr>
+          <p:cNvPr id="3" name="2 İçerik Yer Tutucusu"/>
+          <p:cNvSpPr>
+            <a:spLocks noGrp="1"/>
+          </p:cNvSpPr>
+          <p:nvPr>
+            <p:ph idx="1"/>
+          </p:nvPr>
+        </p:nvSpPr>
+        <p:spPr>
+          <a:xfrm>
+            <a:off x="457200" y="1071546"/>
+            <a:ext cx="8229600" cy="5054617"/>
+          </a:xfrm>
+        </p:spPr>
+        <p:txBody>
+          <a:bodyPr>
+            <a:normAutofit/>
+          </a:bodyPr>
+          <a:lstStyle/>
+          <a:p>
+            <a:r>
+              <a:rPr lang="en-US" sz="2000" dirty="0" smtClean="0"/>
+              <a:t>Data are taken from authors of paper at  Reference</a:t>
+            </a:r>
+            <a:r>
+              <a:rPr lang="tr-TR" sz="2000" dirty="0" smtClean="0"/>
+              <a:t>[</a:t>
+            </a:r>
+            <a:r>
+              <a:rPr lang="en-US" sz="2000" dirty="0" smtClean="0"/>
+              <a:t>1</a:t>
+            </a:r>
+            <a:r>
+              <a:rPr lang="tr-TR" sz="2000" dirty="0" smtClean="0"/>
+              <a:t>]</a:t>
+            </a:r>
+            <a:endParaRPr lang="en-US" sz="2000" dirty="0" smtClean="0"/>
+          </a:p>
+          <a:p>
+            <a:r>
+              <a:rPr lang="en-US" sz="2000" dirty="0" smtClean="0"/>
+              <a:t>Includes 3 phase currents of 3 </a:t>
+            </a:r>
+            <a:r>
+              <a:rPr lang="en-US" sz="2000" dirty="0" smtClean="0"/>
+              <a:t>type </a:t>
+            </a:r>
+            <a:r>
+              <a:rPr lang="en-US" sz="2000" dirty="0" smtClean="0"/>
+              <a:t>operation(1 healthy 2 fault), these are </a:t>
+            </a:r>
+            <a:r>
+              <a:rPr lang="en-US" sz="2000" dirty="0" smtClean="0"/>
+              <a:t>healthy, broken rotor </a:t>
+            </a:r>
+            <a:r>
+              <a:rPr lang="en-US" sz="2000" dirty="0" smtClean="0"/>
+              <a:t>magnet fault </a:t>
+            </a:r>
+            <a:r>
+              <a:rPr lang="en-US" sz="2000" dirty="0" smtClean="0"/>
+              <a:t>and static </a:t>
+            </a:r>
+            <a:r>
+              <a:rPr lang="en-US" sz="2000" dirty="0" err="1" smtClean="0"/>
+              <a:t>airgap</a:t>
+            </a:r>
+            <a:r>
+              <a:rPr lang="en-US" sz="2000" dirty="0" smtClean="0"/>
               <a:t> </a:t>
             </a:r>
             <a:r>
-              <a:rPr lang="en-US" dirty="0" smtClean="0"/>
-              <a:t>Convolutional Neural Network</a:t>
-            </a:r>
-            <a:endParaRPr lang="tr-TR" dirty="0" smtClean="0"/>
-          </a:p>
-          <a:p>
-            <a:r>
-              <a:rPr lang="tr-TR" dirty="0" smtClean="0"/>
+              <a:rPr lang="en-US" sz="2000" dirty="0" smtClean="0"/>
+              <a:t>eccentricity fault conditions</a:t>
+            </a:r>
+            <a:r>
+              <a:rPr lang="tr-TR" sz="2000" dirty="0" smtClean="0"/>
               <a:t> </a:t>
             </a:r>
             <a:r>
-              <a:rPr lang="en-US" dirty="0" smtClean="0"/>
-              <a:t>Multilayer Neural </a:t>
-            </a:r>
-            <a:r>
-              <a:rPr lang="tr-TR" dirty="0" smtClean="0"/>
-              <a:t>Network</a:t>
-            </a:r>
-          </a:p>
-          <a:p>
-            <a:endParaRPr lang="tr-TR" dirty="0"/>
-          </a:p>
-        </p:txBody>
-      </p:sp>
+              <a:rPr lang="en-US" sz="2000" dirty="0" smtClean="0"/>
+              <a:t>with 3 different load and 5 different speed (600, 1200, 1800, 2400, 3000 rpm)</a:t>
+            </a:r>
+            <a:r>
+              <a:rPr lang="tr-TR" sz="2000" dirty="0" smtClean="0"/>
+              <a:t>.</a:t>
+            </a:r>
+            <a:endParaRPr lang="en-US" sz="2000" dirty="0" smtClean="0"/>
+          </a:p>
+          <a:p>
+            <a:r>
+              <a:rPr lang="en-US" sz="2000" dirty="0" smtClean="0"/>
+              <a:t>Current signal of 3 phase divided 6750 train, 450 test data by </a:t>
+            </a:r>
+            <a:r>
+              <a:rPr lang="en-US" sz="2000" dirty="0" smtClean="0"/>
+              <a:t>using MATLAB</a:t>
+            </a:r>
+            <a:endParaRPr lang="en-US" sz="2000" dirty="0" smtClean="0"/>
+          </a:p>
+          <a:p>
+            <a:endParaRPr lang="en-US" sz="2000" dirty="0" smtClean="0"/>
+          </a:p>
+          <a:p>
+            <a:pPr>
+              <a:buNone/>
+            </a:pPr>
+            <a:endParaRPr lang="tr-TR" sz="2400" dirty="0"/>
+          </a:p>
+        </p:txBody>
+      </p:sp>
+      <p:pic>
+        <p:nvPicPr>
+          <p:cNvPr id="2051" name="Picture 3" descr="C:\Users\gunge\OneDrive\Masaüstü\ee543\sunum\dataset.jpg"/>
+          <p:cNvPicPr>
+            <a:picLocks noChangeAspect="1" noChangeArrowheads="1"/>
+          </p:cNvPicPr>
+          <p:nvPr/>
+        </p:nvPicPr>
+        <p:blipFill>
+          <a:blip r:embed="rId2"/>
+          <a:srcRect/>
+          <a:stretch>
+            <a:fillRect/>
+          </a:stretch>
+        </p:blipFill>
+        <p:spPr bwMode="auto">
+          <a:xfrm>
+            <a:off x="928662" y="3357562"/>
+            <a:ext cx="7072362" cy="3145275"/>
+          </a:xfrm>
+          <a:prstGeom prst="rect">
+            <a:avLst/>
+          </a:prstGeom>
+          <a:noFill/>
+        </p:spPr>
+      </p:pic>
     </p:spTree>
   </p:cSld>
   <p:clrMapOvr>
@@ -5221,8 +4984,125 @@
           <a:p>
             <a:r>
               <a:rPr lang="en-US" dirty="0" smtClean="0"/>
+              <a:t>Machine </a:t>
+            </a:r>
+            <a:r>
+              <a:rPr lang="en-US" dirty="0" err="1" smtClean="0"/>
+              <a:t>Lerning</a:t>
+            </a:r>
+            <a:r>
+              <a:rPr lang="en-US" dirty="0" smtClean="0"/>
+              <a:t> Methods</a:t>
+            </a:r>
+            <a:endParaRPr lang="en-US" dirty="0"/>
+          </a:p>
+        </p:txBody>
+      </p:sp>
+      <p:sp>
+        <p:nvSpPr>
+          <p:cNvPr id="3" name="2 İçerik Yer Tutucusu"/>
+          <p:cNvSpPr>
+            <a:spLocks noGrp="1"/>
+          </p:cNvSpPr>
+          <p:nvPr>
+            <p:ph idx="1"/>
+          </p:nvPr>
+        </p:nvSpPr>
+        <p:spPr>
+          <a:xfrm>
+            <a:off x="457200" y="2285992"/>
+            <a:ext cx="8229600" cy="3840171"/>
+          </a:xfrm>
+        </p:spPr>
+        <p:txBody>
+          <a:bodyPr/>
+          <a:lstStyle/>
+          <a:p>
+            <a:r>
+              <a:rPr lang="tr-TR" dirty="0" smtClean="0"/>
+              <a:t> </a:t>
+            </a:r>
+            <a:r>
+              <a:rPr lang="en-US" dirty="0" smtClean="0"/>
               <a:t>Convolutional Neural Network</a:t>
             </a:r>
+            <a:endParaRPr lang="tr-TR" dirty="0" smtClean="0"/>
+          </a:p>
+          <a:p>
+            <a:r>
+              <a:rPr lang="tr-TR" dirty="0" smtClean="0"/>
+              <a:t> </a:t>
+            </a:r>
+            <a:r>
+              <a:rPr lang="en-US" dirty="0" smtClean="0"/>
+              <a:t>Multilayer Neural </a:t>
+            </a:r>
+            <a:r>
+              <a:rPr lang="tr-TR" dirty="0" smtClean="0"/>
+              <a:t>Network</a:t>
+            </a:r>
+          </a:p>
+          <a:p>
+            <a:endParaRPr lang="tr-TR" dirty="0"/>
+          </a:p>
+        </p:txBody>
+      </p:sp>
+    </p:spTree>
+  </p:cSld>
+  <p:clrMapOvr>
+    <a:masterClrMapping/>
+  </p:clrMapOvr>
+  <p:timing>
+    <p:tnLst>
+      <p:par>
+        <p:cTn id="1" dur="indefinite" restart="never" nodeType="tmRoot"/>
+      </p:par>
+    </p:tnLst>
+  </p:timing>
+</p:sld>
+</file>
+
+<file path=ppt/slides/slide6.xml><?xml version="1.0" encoding="utf-8"?>
+<p:sld xmlns:a="http://schemas.openxmlformats.org/drawingml/2006/main" xmlns:r="http://schemas.openxmlformats.org/officeDocument/2006/relationships" xmlns:p="http://schemas.openxmlformats.org/presentationml/2006/main">
+  <p:cSld>
+    <p:spTree>
+      <p:nvGrpSpPr>
+        <p:cNvPr id="1" name=""/>
+        <p:cNvGrpSpPr/>
+        <p:nvPr/>
+      </p:nvGrpSpPr>
+      <p:grpSpPr>
+        <a:xfrm>
+          <a:off x="0" y="0"/>
+          <a:ext cx="0" cy="0"/>
+          <a:chOff x="0" y="0"/>
+          <a:chExt cx="0" cy="0"/>
+        </a:xfrm>
+      </p:grpSpPr>
+      <p:sp>
+        <p:nvSpPr>
+          <p:cNvPr id="2" name="1 Başlık"/>
+          <p:cNvSpPr>
+            <a:spLocks noGrp="1"/>
+          </p:cNvSpPr>
+          <p:nvPr>
+            <p:ph type="title"/>
+          </p:nvPr>
+        </p:nvSpPr>
+        <p:spPr>
+          <a:xfrm>
+            <a:off x="428596" y="0"/>
+            <a:ext cx="8229600" cy="1143000"/>
+          </a:xfrm>
+        </p:spPr>
+        <p:txBody>
+          <a:bodyPr/>
+          <a:lstStyle/>
+          <a:p>
+            <a:r>
+              <a:rPr lang="en-US" dirty="0" smtClean="0"/>
+              <a:t>Convolutional Neural Network</a:t>
+            </a:r>
             <a:endParaRPr lang="en-US" dirty="0"/>
           </a:p>
         </p:txBody>
@@ -5237,7 +5117,12 @@
             <p:ph idx="1"/>
           </p:nvPr>
         </p:nvSpPr>
-        <p:spPr/>
+        <p:spPr>
+          <a:xfrm>
+            <a:off x="457200" y="1214422"/>
+            <a:ext cx="8229600" cy="4911741"/>
+          </a:xfrm>
+        </p:spPr>
         <p:txBody>
           <a:bodyPr>
             <a:normAutofit/>
@@ -5278,6 +5163,16 @@
             <a:r>
               <a:rPr lang="tr-TR" sz="2400" dirty="0" smtClean="0"/>
               <a:t>.</a:t>
+            </a:r>
+            <a:endParaRPr lang="en-US" sz="2400" dirty="0" smtClean="0"/>
+          </a:p>
+          <a:p>
+            <a:pPr algn="ctr">
+              <a:buNone/>
+            </a:pPr>
+            <a:r>
+              <a:rPr lang="en-US" sz="2400" dirty="0" smtClean="0"/>
+              <a:t>I tried to arrange layers by taking harmonics into consideration</a:t>
             </a:r>
             <a:endParaRPr lang="en-US" sz="2400" dirty="0"/>
           </a:p>
@@ -5324,249 +5219,6 @@
 </p:sld>
 </file>
 
-<file path=ppt/slides/slide6.xml><?xml version="1.0" encoding="utf-8"?>
-<p:sld xmlns:a="http://schemas.openxmlformats.org/drawingml/2006/main" xmlns:r="http://schemas.openxmlformats.org/officeDocument/2006/relationships" xmlns:p="http://schemas.openxmlformats.org/presentationml/2006/main">
-  <p:cSld>
-    <p:spTree>
-      <p:nvGrpSpPr>
-        <p:cNvPr id="1" name=""/>
-        <p:cNvGrpSpPr/>
-        <p:nvPr/>
-      </p:nvGrpSpPr>
-      <p:grpSpPr>
-        <a:xfrm>
-          <a:off x="0" y="0"/>
-          <a:ext cx="0" cy="0"/>
-          <a:chOff x="0" y="0"/>
-          <a:chExt cx="0" cy="0"/>
-        </a:xfrm>
-      </p:grpSpPr>
-      <p:sp>
-        <p:nvSpPr>
-          <p:cNvPr id="2" name="1 Başlık"/>
-          <p:cNvSpPr>
-            <a:spLocks noGrp="1"/>
-          </p:cNvSpPr>
-          <p:nvPr>
-            <p:ph type="title"/>
-          </p:nvPr>
-        </p:nvSpPr>
-        <p:spPr/>
-        <p:txBody>
-          <a:bodyPr/>
-          <a:lstStyle/>
-          <a:p>
-            <a:endParaRPr lang="tr-TR"/>
-          </a:p>
-        </p:txBody>
-      </p:sp>
-      <p:sp>
-        <p:nvSpPr>
-          <p:cNvPr id="3" name="2 İçerik Yer Tutucusu"/>
-          <p:cNvSpPr>
-            <a:spLocks noGrp="1"/>
-          </p:cNvSpPr>
-          <p:nvPr>
-            <p:ph idx="1"/>
-          </p:nvPr>
-        </p:nvSpPr>
-        <p:spPr>
-          <a:xfrm>
-            <a:off x="428596" y="2500306"/>
-            <a:ext cx="8229600" cy="768337"/>
-          </a:xfrm>
-        </p:spPr>
-        <p:txBody>
-          <a:bodyPr>
-            <a:normAutofit/>
-          </a:bodyPr>
-          <a:lstStyle/>
-          <a:p>
-            <a:pPr algn="ctr">
-              <a:buNone/>
-            </a:pPr>
-            <a:r>
-              <a:rPr lang="en-US" sz="2400" dirty="0" smtClean="0"/>
-              <a:t>Adam optimizer formula</a:t>
-            </a:r>
-            <a:endParaRPr lang="en-US" sz="2400" dirty="0"/>
-          </a:p>
-        </p:txBody>
-      </p:sp>
-      <p:pic>
-        <p:nvPicPr>
-          <p:cNvPr id="9218" name="Picture 2"/>
-          <p:cNvPicPr>
-            <a:picLocks noChangeAspect="1" noChangeArrowheads="1"/>
-          </p:cNvPicPr>
-          <p:nvPr/>
-        </p:nvPicPr>
-        <p:blipFill>
-          <a:blip r:embed="rId2"/>
-          <a:srcRect/>
-          <a:stretch>
-            <a:fillRect/>
-          </a:stretch>
-        </p:blipFill>
-        <p:spPr bwMode="auto">
-          <a:xfrm>
-            <a:off x="500034" y="571480"/>
-            <a:ext cx="8063423" cy="1857388"/>
-          </a:xfrm>
-          <a:prstGeom prst="rect">
-            <a:avLst/>
-          </a:prstGeom>
-          <a:noFill/>
-          <a:ln w="9525">
-            <a:noFill/>
-            <a:miter lim="800000"/>
-            <a:headEnd/>
-            <a:tailEnd/>
-          </a:ln>
-          <a:effectLst/>
-        </p:spPr>
-      </p:pic>
-      <p:sp>
-        <p:nvSpPr>
-          <p:cNvPr id="6" name="2 İçerik Yer Tutucusu"/>
-          <p:cNvSpPr txBox="1">
-            <a:spLocks/>
-          </p:cNvSpPr>
-          <p:nvPr/>
-        </p:nvSpPr>
-        <p:spPr>
-          <a:xfrm>
-            <a:off x="500034" y="5715016"/>
-            <a:ext cx="8229600" cy="768337"/>
-          </a:xfrm>
-          <a:prstGeom prst="rect">
-            <a:avLst/>
-          </a:prstGeom>
-        </p:spPr>
-        <p:txBody>
-          <a:bodyPr vert="horz" lIns="91440" tIns="45720" rIns="91440" bIns="45720" rtlCol="0">
-            <a:normAutofit/>
-          </a:bodyPr>
-          <a:lstStyle/>
-          <a:p>
-            <a:pPr marL="342900" marR="0" lvl="0" indent="-342900" algn="ctr" defTabSz="914400" rtl="0" eaLnBrk="1" fontAlgn="auto" latinLnBrk="0" hangingPunct="1">
-              <a:lnSpc>
-                <a:spcPct val="100000"/>
-              </a:lnSpc>
-              <a:spcBef>
-                <a:spcPct val="20000"/>
-              </a:spcBef>
-              <a:spcAft>
-                <a:spcPts val="0"/>
-              </a:spcAft>
-              <a:buClrTx/>
-              <a:buSzTx/>
-              <a:buFont typeface="Arial" pitchFamily="34" charset="0"/>
-              <a:buNone/>
-              <a:tabLst/>
-              <a:defRPr/>
-            </a:pPr>
-            <a:r>
-              <a:rPr kumimoji="0" lang="en-US" sz="2400" b="0" i="0" u="none" strike="noStrike" kern="1200" cap="none" spc="0" normalizeH="0" baseline="0" dirty="0" smtClean="0">
-                <a:ln>
-                  <a:noFill/>
-                </a:ln>
-                <a:solidFill>
-                  <a:schemeClr val="tx1"/>
-                </a:solidFill>
-                <a:effectLst/>
-                <a:uLnTx/>
-                <a:uFillTx/>
-                <a:latin typeface="+mn-lt"/>
-                <a:ea typeface="+mn-ea"/>
-                <a:cs typeface="+mn-cs"/>
-              </a:rPr>
-              <a:t>Cross entropy formula</a:t>
-            </a:r>
-          </a:p>
-        </p:txBody>
-      </p:sp>
-      <p:pic>
-        <p:nvPicPr>
-          <p:cNvPr id="9221" name="Picture 5"/>
-          <p:cNvPicPr>
-            <a:picLocks noChangeAspect="1" noChangeArrowheads="1"/>
-          </p:cNvPicPr>
-          <p:nvPr/>
-        </p:nvPicPr>
-        <p:blipFill>
-          <a:blip r:embed="rId3"/>
-          <a:srcRect/>
-          <a:stretch>
-            <a:fillRect/>
-          </a:stretch>
-        </p:blipFill>
-        <p:spPr bwMode="auto">
-          <a:xfrm>
-            <a:off x="357158" y="3643314"/>
-            <a:ext cx="8562975" cy="2009775"/>
-          </a:xfrm>
-          <a:prstGeom prst="rect">
-            <a:avLst/>
-          </a:prstGeom>
-          <a:noFill/>
-          <a:ln w="9525">
-            <a:noFill/>
-            <a:miter lim="800000"/>
-            <a:headEnd/>
-            <a:tailEnd/>
-          </a:ln>
-          <a:effectLst/>
-        </p:spPr>
-      </p:pic>
-      <p:pic>
-        <p:nvPicPr>
-          <p:cNvPr id="9220" name="Picture 4"/>
-          <p:cNvPicPr>
-            <a:picLocks noChangeAspect="1" noChangeArrowheads="1"/>
-          </p:cNvPicPr>
-          <p:nvPr/>
-        </p:nvPicPr>
-        <p:blipFill>
-          <a:blip r:embed="rId4"/>
-          <a:srcRect/>
-          <a:stretch>
-            <a:fillRect/>
-          </a:stretch>
-        </p:blipFill>
-        <p:spPr bwMode="auto">
-          <a:xfrm>
-            <a:off x="3428992" y="4572008"/>
-            <a:ext cx="5336834" cy="857256"/>
-          </a:xfrm>
-          <a:prstGeom prst="rect">
-            <a:avLst/>
-          </a:prstGeom>
-          <a:noFill/>
-          <a:ln w="9525">
-            <a:noFill/>
-            <a:miter lim="800000"/>
-            <a:headEnd/>
-            <a:tailEnd/>
-          </a:ln>
-          <a:effectLst/>
-        </p:spPr>
-      </p:pic>
-    </p:spTree>
-  </p:cSld>
-  <p:clrMapOvr>
-    <a:masterClrMapping/>
-  </p:clrMapOvr>
-  <p:timing>
-    <p:tnLst>
-      <p:par>
-        <p:cTn id="1" dur="indefinite" restart="never" nodeType="tmRoot"/>
-      </p:par>
-    </p:tnLst>
-  </p:timing>
-</p:sld>
-</file>
-
 <file path=ppt/slides/slide7.xml><?xml version="1.0" encoding="utf-8"?>
 <p:sld xmlns:a="http://schemas.openxmlformats.org/drawingml/2006/main" xmlns:r="http://schemas.openxmlformats.org/officeDocument/2006/relationships" xmlns:p="http://schemas.openxmlformats.org/presentationml/2006/main">
   <p:cSld>
@@ -5586,25 +5238,6 @@
       </p:grpSpPr>
       <p:sp>
         <p:nvSpPr>
-          <p:cNvPr id="2" name="1 Başlık"/>
-          <p:cNvSpPr>
-            <a:spLocks noGrp="1"/>
-          </p:cNvSpPr>
-          <p:nvPr>
-            <p:ph type="title"/>
-          </p:nvPr>
-        </p:nvSpPr>
-        <p:spPr/>
-        <p:txBody>
-          <a:bodyPr/>
-          <a:lstStyle/>
-          <a:p>
-            <a:endParaRPr lang="tr-TR" dirty="0"/>
-          </a:p>
-        </p:txBody>
-      </p:sp>
-      <p:sp>
-        <p:nvSpPr>
           <p:cNvPr id="3" name="2 İçerik Yer Tutucusu"/>
           <p:cNvSpPr>
             <a:spLocks noGrp="1"/>
@@ -5613,12 +5246,29 @@
             <p:ph idx="1"/>
           </p:nvPr>
         </p:nvSpPr>
-        <p:spPr/>
-        <p:txBody>
-          <a:bodyPr/>
-          <a:lstStyle/>
-          <a:p>
-            <a:endParaRPr lang="tr-TR" dirty="0"/>
+        <p:spPr>
+          <a:xfrm>
+            <a:off x="5000628" y="428604"/>
+            <a:ext cx="3614734" cy="2482849"/>
+          </a:xfrm>
+        </p:spPr>
+        <p:txBody>
+          <a:bodyPr>
+            <a:normAutofit/>
+          </a:bodyPr>
+          <a:lstStyle/>
+          <a:p>
+            <a:r>
+              <a:rPr lang="en-US" sz="2400" dirty="0" smtClean="0"/>
+              <a:t>%100 accuracy for train data</a:t>
+            </a:r>
+          </a:p>
+          <a:p>
+            <a:r>
+              <a:rPr lang="en-US" sz="2400" dirty="0" smtClean="0"/>
+              <a:t>%96,4 accuracy for test data</a:t>
+            </a:r>
+            <a:endParaRPr lang="tr-TR" sz="2400" dirty="0"/>
           </a:p>
         </p:txBody>
       </p:sp>
@@ -5674,6 +5324,131 @@
           <a:noFill/>
         </p:spPr>
       </p:pic>
+      <p:sp>
+        <p:nvSpPr>
+          <p:cNvPr id="6" name="2 İçerik Yer Tutucusu"/>
+          <p:cNvSpPr txBox="1">
+            <a:spLocks/>
+          </p:cNvSpPr>
+          <p:nvPr/>
+        </p:nvSpPr>
+        <p:spPr>
+          <a:xfrm>
+            <a:off x="357158" y="3571876"/>
+            <a:ext cx="3614734" cy="2482849"/>
+          </a:xfrm>
+          <a:prstGeom prst="rect">
+            <a:avLst/>
+          </a:prstGeom>
+        </p:spPr>
+        <p:txBody>
+          <a:bodyPr vert="horz" lIns="91440" tIns="45720" rIns="91440" bIns="45720" rtlCol="0">
+            <a:normAutofit/>
+          </a:bodyPr>
+          <a:lstStyle/>
+          <a:p>
+            <a:pPr marL="342900" marR="0" lvl="0" indent="-342900" algn="l" defTabSz="914400" rtl="0" eaLnBrk="1" fontAlgn="auto" latinLnBrk="0" hangingPunct="1">
+              <a:lnSpc>
+                <a:spcPct val="100000"/>
+              </a:lnSpc>
+              <a:spcBef>
+                <a:spcPct val="20000"/>
+              </a:spcBef>
+              <a:spcAft>
+                <a:spcPts val="0"/>
+              </a:spcAft>
+              <a:buClrTx/>
+              <a:buSzTx/>
+              <a:buFont typeface="Arial" pitchFamily="34" charset="0"/>
+              <a:buChar char="•"/>
+              <a:tabLst/>
+              <a:defRPr/>
+            </a:pPr>
+            <a:r>
+              <a:rPr kumimoji="0" lang="en-US" sz="2400" b="0" i="0" u="none" strike="noStrike" kern="1200" cap="none" spc="0" normalizeH="0" baseline="0" noProof="0" dirty="0" smtClean="0">
+                <a:ln>
+                  <a:noFill/>
+                </a:ln>
+                <a:solidFill>
+                  <a:schemeClr val="tx1"/>
+                </a:solidFill>
+                <a:effectLst/>
+                <a:uLnTx/>
+                <a:uFillTx/>
+                <a:latin typeface="+mn-lt"/>
+                <a:ea typeface="+mn-ea"/>
+                <a:cs typeface="+mn-cs"/>
+              </a:rPr>
+              <a:t>Converges 0 loss for train data</a:t>
+            </a:r>
+          </a:p>
+          <a:p>
+            <a:pPr marL="342900" lvl="0" indent="-342900">
+              <a:spcBef>
+                <a:spcPct val="20000"/>
+              </a:spcBef>
+              <a:buFont typeface="Arial" pitchFamily="34" charset="0"/>
+              <a:buChar char="•"/>
+            </a:pPr>
+            <a:r>
+              <a:rPr lang="en-US" sz="2400" dirty="0" smtClean="0"/>
+              <a:t>Converges </a:t>
+            </a:r>
+            <a:r>
+              <a:rPr lang="en-US" sz="2400" dirty="0" smtClean="0"/>
+              <a:t>0,2</a:t>
+            </a:r>
+            <a:r>
+              <a:rPr kumimoji="0" lang="en-US" sz="2400" b="0" i="0" u="none" strike="noStrike" kern="1200" cap="none" spc="0" normalizeH="0" noProof="0" dirty="0" smtClean="0">
+                <a:ln>
+                  <a:noFill/>
+                </a:ln>
+                <a:solidFill>
+                  <a:schemeClr val="tx1"/>
+                </a:solidFill>
+                <a:effectLst/>
+                <a:uLnTx/>
+                <a:uFillTx/>
+                <a:latin typeface="+mn-lt"/>
+                <a:ea typeface="+mn-ea"/>
+                <a:cs typeface="+mn-cs"/>
+              </a:rPr>
+              <a:t> </a:t>
+            </a:r>
+            <a:r>
+              <a:rPr kumimoji="0" lang="en-US" sz="2400" b="0" i="0" u="none" strike="noStrike" kern="1200" cap="none" spc="0" normalizeH="0" baseline="0" noProof="0" dirty="0" smtClean="0">
+                <a:ln>
+                  <a:noFill/>
+                </a:ln>
+                <a:solidFill>
+                  <a:schemeClr val="tx1"/>
+                </a:solidFill>
+                <a:effectLst/>
+                <a:uLnTx/>
+                <a:uFillTx/>
+                <a:latin typeface="+mn-lt"/>
+                <a:ea typeface="+mn-ea"/>
+                <a:cs typeface="+mn-cs"/>
+              </a:rPr>
+              <a:t>loss for test data</a:t>
+            </a:r>
+            <a:endParaRPr kumimoji="0" lang="tr-TR" sz="2400" b="0" i="0" u="none" strike="noStrike" kern="1200" cap="none" spc="0" normalizeH="0" baseline="0" noProof="0" dirty="0">
+              <a:ln>
+                <a:noFill/>
+              </a:ln>
+              <a:solidFill>
+                <a:schemeClr val="tx1"/>
+              </a:solidFill>
+              <a:effectLst/>
+              <a:uLnTx/>
+              <a:uFillTx/>
+              <a:latin typeface="+mn-lt"/>
+              <a:ea typeface="+mn-ea"/>
+              <a:cs typeface="+mn-cs"/>
+            </a:endParaRPr>
+          </a:p>
+        </p:txBody>
+      </p:sp>
     </p:spTree>
   </p:cSld>
   <p:clrMapOvr>
@@ -5980,86 +5755,95 @@
               <a:buNone/>
             </a:pPr>
             <a:r>
-              <a:rPr lang="en-US" sz="2800" dirty="0" smtClean="0"/>
+              <a:rPr lang="en-US" sz="2400" dirty="0" smtClean="0"/>
               <a:t>4 layers and 2 dropouts are used.</a:t>
             </a:r>
             <a:r>
-              <a:rPr lang="tr-TR" sz="2800" dirty="0" smtClean="0"/>
+              <a:rPr lang="tr-TR" sz="2400" dirty="0" smtClean="0"/>
               <a:t> </a:t>
             </a:r>
             <a:r>
-              <a:rPr lang="en-US" sz="2800" dirty="0" smtClean="0"/>
+              <a:rPr lang="en-US" sz="2400" dirty="0" smtClean="0"/>
               <a:t>Gradient</a:t>
             </a:r>
             <a:r>
-              <a:rPr lang="tr-TR" sz="2800" dirty="0" smtClean="0"/>
+              <a:rPr lang="tr-TR" sz="2400" dirty="0" smtClean="0"/>
               <a:t> </a:t>
             </a:r>
             <a:r>
-              <a:rPr lang="en-US" sz="2800" dirty="0" smtClean="0"/>
+              <a:rPr lang="en-US" sz="2400" dirty="0" smtClean="0"/>
               <a:t>descent</a:t>
             </a:r>
             <a:r>
-              <a:rPr lang="tr-TR" sz="2800" dirty="0" smtClean="0"/>
+              <a:rPr lang="tr-TR" sz="2400" dirty="0" smtClean="0"/>
               <a:t> op</a:t>
             </a:r>
             <a:r>
-              <a:rPr lang="en-US" sz="2800" dirty="0" err="1" smtClean="0"/>
-              <a:t>timizie</a:t>
-            </a:r>
-            <a:r>
-              <a:rPr lang="tr-TR" sz="2800" dirty="0" smtClean="0"/>
+              <a:rPr lang="en-US" sz="2400" dirty="0" err="1" smtClean="0"/>
+              <a:t>timize</a:t>
+            </a:r>
+            <a:r>
+              <a:rPr lang="tr-TR" sz="2400" dirty="0" smtClean="0"/>
               <a:t>r </a:t>
             </a:r>
             <a:r>
-              <a:rPr lang="en-US" sz="2800" dirty="0" smtClean="0"/>
+              <a:rPr lang="en-US" sz="2400" dirty="0" smtClean="0"/>
               <a:t>and</a:t>
             </a:r>
             <a:r>
-              <a:rPr lang="tr-TR" sz="2800" dirty="0" smtClean="0"/>
+              <a:rPr lang="tr-TR" sz="2400" dirty="0" smtClean="0"/>
               <a:t> </a:t>
             </a:r>
             <a:r>
-              <a:rPr lang="en-US" sz="2800" dirty="0" smtClean="0"/>
+              <a:rPr lang="en-US" sz="2400" dirty="0" smtClean="0"/>
               <a:t>square root</a:t>
             </a:r>
             <a:r>
-              <a:rPr lang="tr-TR" sz="2800" dirty="0" smtClean="0"/>
+              <a:rPr lang="tr-TR" sz="2400" dirty="0" smtClean="0"/>
               <a:t> </a:t>
             </a:r>
             <a:r>
-              <a:rPr lang="en-US" sz="2800" dirty="0" smtClean="0"/>
+              <a:rPr lang="en-US" sz="2400" dirty="0" smtClean="0"/>
               <a:t>hinges</a:t>
             </a:r>
             <a:r>
-              <a:rPr lang="tr-TR" sz="2800" dirty="0" smtClean="0"/>
+              <a:rPr lang="tr-TR" sz="2400" dirty="0" smtClean="0"/>
               <a:t> </a:t>
             </a:r>
             <a:r>
-              <a:rPr lang="tr-TR" sz="2800" dirty="0" err="1" smtClean="0"/>
+              <a:rPr lang="tr-TR" sz="2400" dirty="0" err="1" smtClean="0"/>
               <a:t>loss</a:t>
             </a:r>
             <a:r>
-              <a:rPr lang="tr-TR" sz="2800" dirty="0" smtClean="0"/>
+              <a:rPr lang="tr-TR" sz="2400" dirty="0" smtClean="0"/>
               <a:t> </a:t>
             </a:r>
             <a:r>
-              <a:rPr lang="tr-TR" sz="2800" dirty="0" err="1" smtClean="0"/>
+              <a:rPr lang="en-US" sz="2400" dirty="0" smtClean="0"/>
               <a:t>function</a:t>
             </a:r>
             <a:r>
-              <a:rPr lang="tr-TR" sz="2800" dirty="0" smtClean="0"/>
-              <a:t> is </a:t>
-            </a:r>
-            <a:r>
-              <a:rPr lang="tr-TR" sz="2800" dirty="0" err="1" smtClean="0"/>
-              <a:t>chosen</a:t>
-            </a:r>
-            <a:r>
-              <a:rPr lang="en-US" sz="2800" dirty="0" smtClean="0"/>
+              <a:rPr lang="tr-TR" sz="2400" dirty="0" smtClean="0"/>
               <a:t> </a:t>
             </a:r>
-            <a:endParaRPr lang="tr-TR" sz="2800" dirty="0"/>
+            <a:r>
+              <a:rPr lang="tr-TR" sz="2400" dirty="0" smtClean="0"/>
+              <a:t>is </a:t>
+            </a:r>
+            <a:r>
+              <a:rPr lang="en-US" sz="2400" dirty="0" smtClean="0"/>
+              <a:t>chosen </a:t>
+            </a:r>
+          </a:p>
+          <a:p>
+            <a:pPr algn="ctr">
+              <a:buNone/>
+            </a:pPr>
+            <a:r>
+              <a:rPr lang="en-US" sz="2400" dirty="0" smtClean="0"/>
+              <a:t>Tried to eliminate unnecessary connections</a:t>
+            </a:r>
+            <a:endParaRPr lang="tr-TR" sz="2400" dirty="0"/>
           </a:p>
         </p:txBody>
       </p:sp>

--- a/ee543_sunum.pptx
+++ b/ee543_sunum.pptx
@@ -4,6 +4,9 @@
   <p:sldMasterIdLst>
     <p:sldMasterId id="2147483756" r:id="rId1"/>
   </p:sldMasterIdLst>
+  <p:notesMasterIdLst>
+    <p:notesMasterId r:id="rId15"/>
+  </p:notesMasterIdLst>
   <p:sldIdLst>
     <p:sldId id="256" r:id="rId2"/>
     <p:sldId id="270" r:id="rId3"/>
@@ -117,6 +120,437 @@
     </a:lvl9pPr>
   </p:defaultTextStyle>
 </p:presentation>
+</file>
+
+<file path=ppt/notesMasters/notesMaster1.xml><?xml version="1.0" encoding="utf-8"?>
+<p:notesMaster xmlns:a="http://schemas.openxmlformats.org/drawingml/2006/main" xmlns:r="http://schemas.openxmlformats.org/officeDocument/2006/relationships" xmlns:p="http://schemas.openxmlformats.org/presentationml/2006/main">
+  <p:cSld>
+    <p:bg>
+      <p:bgRef idx="1001">
+        <a:schemeClr val="bg1"/>
+      </p:bgRef>
+    </p:bg>
+    <p:spTree>
+      <p:nvGrpSpPr>
+        <p:cNvPr id="1" name=""/>
+        <p:cNvGrpSpPr/>
+        <p:nvPr/>
+      </p:nvGrpSpPr>
+      <p:grpSpPr>
+        <a:xfrm>
+          <a:off x="0" y="0"/>
+          <a:ext cx="0" cy="0"/>
+          <a:chOff x="0" y="0"/>
+          <a:chExt cx="0" cy="0"/>
+        </a:xfrm>
+      </p:grpSpPr>
+      <p:sp>
+        <p:nvSpPr>
+          <p:cNvPr id="2" name="1 Üstbilgi Yer Tutucusu"/>
+          <p:cNvSpPr>
+            <a:spLocks noGrp="1"/>
+          </p:cNvSpPr>
+          <p:nvPr>
+            <p:ph type="hdr" sz="quarter"/>
+          </p:nvPr>
+        </p:nvSpPr>
+        <p:spPr>
+          <a:xfrm>
+            <a:off x="0" y="0"/>
+            <a:ext cx="2971800" cy="457200"/>
+          </a:xfrm>
+          <a:prstGeom prst="rect">
+            <a:avLst/>
+          </a:prstGeom>
+        </p:spPr>
+        <p:txBody>
+          <a:bodyPr vert="horz" lIns="91440" tIns="45720" rIns="91440" bIns="45720" rtlCol="0"/>
+          <a:lstStyle>
+            <a:lvl1pPr algn="l">
+              <a:defRPr sz="1200"/>
+            </a:lvl1pPr>
+          </a:lstStyle>
+          <a:p>
+            <a:endParaRPr lang="tr-TR"/>
+          </a:p>
+        </p:txBody>
+      </p:sp>
+      <p:sp>
+        <p:nvSpPr>
+          <p:cNvPr id="3" name="2 Veri Yer Tutucusu"/>
+          <p:cNvSpPr>
+            <a:spLocks noGrp="1"/>
+          </p:cNvSpPr>
+          <p:nvPr>
+            <p:ph type="dt" idx="1"/>
+          </p:nvPr>
+        </p:nvSpPr>
+        <p:spPr>
+          <a:xfrm>
+            <a:off x="3884613" y="0"/>
+            <a:ext cx="2971800" cy="457200"/>
+          </a:xfrm>
+          <a:prstGeom prst="rect">
+            <a:avLst/>
+          </a:prstGeom>
+        </p:spPr>
+        <p:txBody>
+          <a:bodyPr vert="horz" lIns="91440" tIns="45720" rIns="91440" bIns="45720" rtlCol="0"/>
+          <a:lstStyle>
+            <a:lvl1pPr algn="r">
+              <a:defRPr sz="1200"/>
+            </a:lvl1pPr>
+          </a:lstStyle>
+          <a:p>
+            <a:fld id="{205923CA-6233-493B-9744-1B21A2EBBAEA}" type="datetimeFigureOut">
+              <a:rPr lang="tr-TR" smtClean="0"/>
+              <a:pPr/>
+              <a:t>3.01.2019</a:t>
+            </a:fld>
+            <a:endParaRPr lang="tr-TR"/>
+          </a:p>
+        </p:txBody>
+      </p:sp>
+      <p:sp>
+        <p:nvSpPr>
+          <p:cNvPr id="4" name="3 Slayt Görüntüsü Yer Tutucusu"/>
+          <p:cNvSpPr>
+            <a:spLocks noGrp="1" noRot="1" noChangeAspect="1"/>
+          </p:cNvSpPr>
+          <p:nvPr>
+            <p:ph type="sldImg" idx="2"/>
+          </p:nvPr>
+        </p:nvSpPr>
+        <p:spPr>
+          <a:xfrm>
+            <a:off x="1143000" y="685800"/>
+            <a:ext cx="4572000" cy="3429000"/>
+          </a:xfrm>
+          <a:prstGeom prst="rect">
+            <a:avLst/>
+          </a:prstGeom>
+          <a:noFill/>
+          <a:ln w="12700">
+            <a:solidFill>
+              <a:prstClr val="black"/>
+            </a:solidFill>
+          </a:ln>
+        </p:spPr>
+        <p:txBody>
+          <a:bodyPr vert="horz" lIns="91440" tIns="45720" rIns="91440" bIns="45720" rtlCol="0" anchor="ctr"/>
+          <a:lstStyle/>
+          <a:p>
+            <a:endParaRPr lang="tr-TR"/>
+          </a:p>
+        </p:txBody>
+      </p:sp>
+      <p:sp>
+        <p:nvSpPr>
+          <p:cNvPr id="5" name="4 Not Yer Tutucusu"/>
+          <p:cNvSpPr>
+            <a:spLocks noGrp="1"/>
+          </p:cNvSpPr>
+          <p:nvPr>
+            <p:ph type="body" sz="quarter" idx="3"/>
+          </p:nvPr>
+        </p:nvSpPr>
+        <p:spPr>
+          <a:xfrm>
+            <a:off x="685800" y="4343400"/>
+            <a:ext cx="5486400" cy="4114800"/>
+          </a:xfrm>
+          <a:prstGeom prst="rect">
+            <a:avLst/>
+          </a:prstGeom>
+        </p:spPr>
+        <p:txBody>
+          <a:bodyPr vert="horz" lIns="91440" tIns="45720" rIns="91440" bIns="45720" rtlCol="0">
+            <a:normAutofit/>
+          </a:bodyPr>
+          <a:lstStyle/>
+          <a:p>
+            <a:pPr lvl="0"/>
+            <a:r>
+              <a:rPr lang="tr-TR" smtClean="0"/>
+              <a:t>Asıl metin stillerini düzenlemek için tıklatın</a:t>
+            </a:r>
+          </a:p>
+          <a:p>
+            <a:pPr lvl="1"/>
+            <a:r>
+              <a:rPr lang="tr-TR" smtClean="0"/>
+              <a:t>İkinci düzey</a:t>
+            </a:r>
+          </a:p>
+          <a:p>
+            <a:pPr lvl="2"/>
+            <a:r>
+              <a:rPr lang="tr-TR" smtClean="0"/>
+              <a:t>Üçüncü düzey</a:t>
+            </a:r>
+          </a:p>
+          <a:p>
+            <a:pPr lvl="3"/>
+            <a:r>
+              <a:rPr lang="tr-TR" smtClean="0"/>
+              <a:t>Dördüncü düzey</a:t>
+            </a:r>
+          </a:p>
+          <a:p>
+            <a:pPr lvl="4"/>
+            <a:r>
+              <a:rPr lang="tr-TR" smtClean="0"/>
+              <a:t>Beşinci düzey</a:t>
+            </a:r>
+            <a:endParaRPr lang="tr-TR"/>
+          </a:p>
+        </p:txBody>
+      </p:sp>
+      <p:sp>
+        <p:nvSpPr>
+          <p:cNvPr id="6" name="5 Altbilgi Yer Tutucusu"/>
+          <p:cNvSpPr>
+            <a:spLocks noGrp="1"/>
+          </p:cNvSpPr>
+          <p:nvPr>
+            <p:ph type="ftr" sz="quarter" idx="4"/>
+          </p:nvPr>
+        </p:nvSpPr>
+        <p:spPr>
+          <a:xfrm>
+            <a:off x="0" y="8685213"/>
+            <a:ext cx="2971800" cy="457200"/>
+          </a:xfrm>
+          <a:prstGeom prst="rect">
+            <a:avLst/>
+          </a:prstGeom>
+        </p:spPr>
+        <p:txBody>
+          <a:bodyPr vert="horz" lIns="91440" tIns="45720" rIns="91440" bIns="45720" rtlCol="0" anchor="b"/>
+          <a:lstStyle>
+            <a:lvl1pPr algn="l">
+              <a:defRPr sz="1200"/>
+            </a:lvl1pPr>
+          </a:lstStyle>
+          <a:p>
+            <a:endParaRPr lang="tr-TR"/>
+          </a:p>
+        </p:txBody>
+      </p:sp>
+      <p:sp>
+        <p:nvSpPr>
+          <p:cNvPr id="7" name="6 Slayt Numarası Yer Tutucusu"/>
+          <p:cNvSpPr>
+            <a:spLocks noGrp="1"/>
+          </p:cNvSpPr>
+          <p:nvPr>
+            <p:ph type="sldNum" sz="quarter" idx="5"/>
+          </p:nvPr>
+        </p:nvSpPr>
+        <p:spPr>
+          <a:xfrm>
+            <a:off x="3884613" y="8685213"/>
+            <a:ext cx="2971800" cy="457200"/>
+          </a:xfrm>
+          <a:prstGeom prst="rect">
+            <a:avLst/>
+          </a:prstGeom>
+        </p:spPr>
+        <p:txBody>
+          <a:bodyPr vert="horz" lIns="91440" tIns="45720" rIns="91440" bIns="45720" rtlCol="0" anchor="b"/>
+          <a:lstStyle>
+            <a:lvl1pPr algn="r">
+              <a:defRPr sz="1200"/>
+            </a:lvl1pPr>
+          </a:lstStyle>
+          <a:p>
+            <a:fld id="{77699EC2-D303-423C-856B-853C6B49F543}" type="slidenum">
+              <a:rPr lang="tr-TR" smtClean="0"/>
+              <a:pPr/>
+              <a:t>‹#›</a:t>
+            </a:fld>
+            <a:endParaRPr lang="tr-TR"/>
+          </a:p>
+        </p:txBody>
+      </p:sp>
+    </p:spTree>
+  </p:cSld>
+  <p:clrMap bg1="lt1" tx1="dk1" bg2="lt2" tx2="dk2" accent1="accent1" accent2="accent2" accent3="accent3" accent4="accent4" accent5="accent5" accent6="accent6" hlink="hlink" folHlink="folHlink"/>
+  <p:notesStyle>
+    <a:lvl1pPr marL="0" algn="l" defTabSz="914400" rtl="0" eaLnBrk="1" latinLnBrk="0" hangingPunct="1">
+      <a:defRPr sz="1200" kern="1200">
+        <a:solidFill>
+          <a:schemeClr val="tx1"/>
+        </a:solidFill>
+        <a:latin typeface="+mn-lt"/>
+        <a:ea typeface="+mn-ea"/>
+        <a:cs typeface="+mn-cs"/>
+      </a:defRPr>
+    </a:lvl1pPr>
+    <a:lvl2pPr marL="457200" algn="l" defTabSz="914400" rtl="0" eaLnBrk="1" latinLnBrk="0" hangingPunct="1">
+      <a:defRPr sz="1200" kern="1200">
+        <a:solidFill>
+          <a:schemeClr val="tx1"/>
+        </a:solidFill>
+        <a:latin typeface="+mn-lt"/>
+        <a:ea typeface="+mn-ea"/>
+        <a:cs typeface="+mn-cs"/>
+      </a:defRPr>
+    </a:lvl2pPr>
+    <a:lvl3pPr marL="914400" algn="l" defTabSz="914400" rtl="0" eaLnBrk="1" latinLnBrk="0" hangingPunct="1">
+      <a:defRPr sz="1200" kern="1200">
+        <a:solidFill>
+          <a:schemeClr val="tx1"/>
+        </a:solidFill>
+        <a:latin typeface="+mn-lt"/>
+        <a:ea typeface="+mn-ea"/>
+        <a:cs typeface="+mn-cs"/>
+      </a:defRPr>
+    </a:lvl3pPr>
+    <a:lvl4pPr marL="1371600" algn="l" defTabSz="914400" rtl="0" eaLnBrk="1" latinLnBrk="0" hangingPunct="1">
+      <a:defRPr sz="1200" kern="1200">
+        <a:solidFill>
+          <a:schemeClr val="tx1"/>
+        </a:solidFill>
+        <a:latin typeface="+mn-lt"/>
+        <a:ea typeface="+mn-ea"/>
+        <a:cs typeface="+mn-cs"/>
+      </a:defRPr>
+    </a:lvl4pPr>
+    <a:lvl5pPr marL="1828800" algn="l" defTabSz="914400" rtl="0" eaLnBrk="1" latinLnBrk="0" hangingPunct="1">
+      <a:defRPr sz="1200" kern="1200">
+        <a:solidFill>
+          <a:schemeClr val="tx1"/>
+        </a:solidFill>
+        <a:latin typeface="+mn-lt"/>
+        <a:ea typeface="+mn-ea"/>
+        <a:cs typeface="+mn-cs"/>
+      </a:defRPr>
+    </a:lvl5pPr>
+    <a:lvl6pPr marL="2286000" algn="l" defTabSz="914400" rtl="0" eaLnBrk="1" latinLnBrk="0" hangingPunct="1">
+      <a:defRPr sz="1200" kern="1200">
+        <a:solidFill>
+          <a:schemeClr val="tx1"/>
+        </a:solidFill>
+        <a:latin typeface="+mn-lt"/>
+        <a:ea typeface="+mn-ea"/>
+        <a:cs typeface="+mn-cs"/>
+      </a:defRPr>
+    </a:lvl6pPr>
+    <a:lvl7pPr marL="2743200" algn="l" defTabSz="914400" rtl="0" eaLnBrk="1" latinLnBrk="0" hangingPunct="1">
+      <a:defRPr sz="1200" kern="1200">
+        <a:solidFill>
+          <a:schemeClr val="tx1"/>
+        </a:solidFill>
+        <a:latin typeface="+mn-lt"/>
+        <a:ea typeface="+mn-ea"/>
+        <a:cs typeface="+mn-cs"/>
+      </a:defRPr>
+    </a:lvl7pPr>
+    <a:lvl8pPr marL="3200400" algn="l" defTabSz="914400" rtl="0" eaLnBrk="1" latinLnBrk="0" hangingPunct="1">
+      <a:defRPr sz="1200" kern="1200">
+        <a:solidFill>
+          <a:schemeClr val="tx1"/>
+        </a:solidFill>
+        <a:latin typeface="+mn-lt"/>
+        <a:ea typeface="+mn-ea"/>
+        <a:cs typeface="+mn-cs"/>
+      </a:defRPr>
+    </a:lvl8pPr>
+    <a:lvl9pPr marL="3657600" algn="l" defTabSz="914400" rtl="0" eaLnBrk="1" latinLnBrk="0" hangingPunct="1">
+      <a:defRPr sz="1200" kern="1200">
+        <a:solidFill>
+          <a:schemeClr val="tx1"/>
+        </a:solidFill>
+        <a:latin typeface="+mn-lt"/>
+        <a:ea typeface="+mn-ea"/>
+        <a:cs typeface="+mn-cs"/>
+      </a:defRPr>
+    </a:lvl9pPr>
+  </p:notesStyle>
+</p:notesMaster>
+</file>
+
+<file path=ppt/notesSlides/notesSlide1.xml><?xml version="1.0" encoding="utf-8"?>
+<p:notes xmlns:a="http://schemas.openxmlformats.org/drawingml/2006/main" xmlns:r="http://schemas.openxmlformats.org/officeDocument/2006/relationships" xmlns:p="http://schemas.openxmlformats.org/presentationml/2006/main">
+  <p:cSld>
+    <p:spTree>
+      <p:nvGrpSpPr>
+        <p:cNvPr id="1" name=""/>
+        <p:cNvGrpSpPr/>
+        <p:nvPr/>
+      </p:nvGrpSpPr>
+      <p:grpSpPr>
+        <a:xfrm>
+          <a:off x="0" y="0"/>
+          <a:ext cx="0" cy="0"/>
+          <a:chOff x="0" y="0"/>
+          <a:chExt cx="0" cy="0"/>
+        </a:xfrm>
+      </p:grpSpPr>
+      <p:sp>
+        <p:nvSpPr>
+          <p:cNvPr id="2" name="1 Slayt Görüntüsü Yer Tutucusu"/>
+          <p:cNvSpPr>
+            <a:spLocks noGrp="1" noRot="1" noChangeAspect="1"/>
+          </p:cNvSpPr>
+          <p:nvPr>
+            <p:ph type="sldImg"/>
+          </p:nvPr>
+        </p:nvSpPr>
+        <p:spPr/>
+      </p:sp>
+      <p:sp>
+        <p:nvSpPr>
+          <p:cNvPr id="3" name="2 Not Yer Tutucusu"/>
+          <p:cNvSpPr>
+            <a:spLocks noGrp="1"/>
+          </p:cNvSpPr>
+          <p:nvPr>
+            <p:ph type="body" idx="1"/>
+          </p:nvPr>
+        </p:nvSpPr>
+        <p:spPr/>
+        <p:txBody>
+          <a:bodyPr>
+            <a:normAutofit/>
+          </a:bodyPr>
+          <a:lstStyle/>
+          <a:p>
+            <a:endParaRPr lang="en-US" noProof="0" dirty="0"/>
+          </a:p>
+        </p:txBody>
+      </p:sp>
+      <p:sp>
+        <p:nvSpPr>
+          <p:cNvPr id="4" name="3 Slayt Numarası Yer Tutucusu"/>
+          <p:cNvSpPr>
+            <a:spLocks noGrp="1"/>
+          </p:cNvSpPr>
+          <p:nvPr>
+            <p:ph type="sldNum" sz="quarter" idx="10"/>
+          </p:nvPr>
+        </p:nvSpPr>
+        <p:spPr/>
+        <p:txBody>
+          <a:bodyPr/>
+          <a:lstStyle/>
+          <a:p>
+            <a:fld id="{77699EC2-D303-423C-856B-853C6B49F543}" type="slidenum">
+              <a:rPr lang="tr-TR" smtClean="0"/>
+              <a:pPr/>
+              <a:t>9</a:t>
+            </a:fld>
+            <a:endParaRPr lang="tr-TR"/>
+          </a:p>
+        </p:txBody>
+      </p:sp>
+    </p:spTree>
+  </p:cSld>
+  <p:clrMapOvr>
+    <a:masterClrMapping/>
+  </p:clrMapOvr>
+</p:notes>
 </file>
 
 <file path=ppt/slideLayouts/slideLayout1.xml><?xml version="1.0" encoding="utf-8"?>
@@ -3418,11 +3852,7 @@
             </a:pPr>
             <a:r>
               <a:rPr lang="en-US" sz="2400" dirty="0" smtClean="0"/>
-              <a:t>Converges </a:t>
-            </a:r>
-            <a:r>
-              <a:rPr lang="en-US" sz="2400" dirty="0" smtClean="0"/>
-              <a:t>0,2</a:t>
+              <a:t>Converges 0,2</a:t>
             </a:r>
             <a:r>
               <a:rPr kumimoji="0" lang="en-US" sz="2400" b="0" i="0" u="none" strike="noStrike" kern="1200" cap="none" spc="0" normalizeH="0" noProof="0" dirty="0" smtClean="0">
@@ -4294,13 +4724,8 @@
             </a:pPr>
             <a:r>
               <a:rPr lang="en-US" dirty="0" smtClean="0"/>
-              <a:t>Train with simulation results</a:t>
-            </a:r>
-            <a:r>
-              <a:rPr lang="en-US" dirty="0" smtClean="0"/>
-              <a:t> to estimate experimental results</a:t>
-            </a:r>
-            <a:endParaRPr lang="en-US" dirty="0" smtClean="0"/>
+              <a:t>Train with simulation results to estimate experimental results</a:t>
+            </a:r>
           </a:p>
           <a:p>
             <a:pPr>
@@ -4453,6 +4878,13 @@
   <p:clrMapOvr>
     <a:masterClrMapping/>
   </p:clrMapOvr>
+  <p:timing>
+    <p:tnLst>
+      <p:par>
+        <p:cTn id="1" dur="indefinite" restart="never" nodeType="tmRoot"/>
+      </p:par>
+    </p:tnLst>
+  </p:timing>
 </p:sld>
 </file>
 
@@ -4839,27 +5271,7 @@
           <a:p>
             <a:r>
               <a:rPr lang="en-US" sz="2000" dirty="0" smtClean="0"/>
-              <a:t>Includes 3 phase currents of 3 </a:t>
-            </a:r>
-            <a:r>
-              <a:rPr lang="en-US" sz="2000" dirty="0" smtClean="0"/>
-              <a:t>type </a:t>
-            </a:r>
-            <a:r>
-              <a:rPr lang="en-US" sz="2000" dirty="0" smtClean="0"/>
-              <a:t>operation(1 healthy 2 fault), these are </a:t>
-            </a:r>
-            <a:r>
-              <a:rPr lang="en-US" sz="2000" dirty="0" smtClean="0"/>
-              <a:t>healthy, broken rotor </a:t>
-            </a:r>
-            <a:r>
-              <a:rPr lang="en-US" sz="2000" dirty="0" smtClean="0"/>
-              <a:t>magnet fault </a:t>
-            </a:r>
-            <a:r>
-              <a:rPr lang="en-US" sz="2000" dirty="0" smtClean="0"/>
-              <a:t>and static </a:t>
+              <a:t>Includes 3 phase currents of 3 type operation(1 healthy 2 fault), these are healthy, broken rotor magnet fault and static </a:t>
             </a:r>
             <a:r>
               <a:rPr lang="en-US" sz="2000" dirty="0" err="1" smtClean="0"/>
@@ -4867,11 +5279,7 @@
             </a:r>
             <a:r>
               <a:rPr lang="en-US" sz="2000" dirty="0" smtClean="0"/>
-              <a:t> </a:t>
-            </a:r>
-            <a:r>
-              <a:rPr lang="en-US" sz="2000" dirty="0" smtClean="0"/>
-              <a:t>eccentricity fault conditions</a:t>
+              <a:t> eccentricity fault conditions</a:t>
             </a:r>
             <a:r>
               <a:rPr lang="tr-TR" sz="2000" dirty="0" smtClean="0"/>
@@ -4890,13 +5298,8 @@
           <a:p>
             <a:r>
               <a:rPr lang="en-US" sz="2000" dirty="0" smtClean="0"/>
-              <a:t>Current signal of 3 phase divided 6750 train, 450 test data by </a:t>
-            </a:r>
-            <a:r>
-              <a:rPr lang="en-US" sz="2000" dirty="0" smtClean="0"/>
-              <a:t>using MATLAB</a:t>
-            </a:r>
-            <a:endParaRPr lang="en-US" sz="2000" dirty="0" smtClean="0"/>
+              <a:t>Current signal of 3 phase divided 6750 train, 450 test data by using MATLAB</a:t>
+            </a:r>
           </a:p>
           <a:p>
             <a:endParaRPr lang="en-US" sz="2000" dirty="0" smtClean="0"/>
@@ -4987,12 +5390,12 @@
               <a:t>Machine </a:t>
             </a:r>
             <a:r>
-              <a:rPr lang="en-US" dirty="0" err="1" smtClean="0"/>
-              <a:t>Lerning</a:t>
-            </a:r>
-            <a:r>
               <a:rPr lang="en-US" dirty="0" smtClean="0"/>
-              <a:t> Methods</a:t>
+              <a:t>Learning </a:t>
+            </a:r>
+            <a:r>
+              <a:rPr lang="en-US" dirty="0" smtClean="0"/>
+              <a:t>Methods</a:t>
             </a:r>
             <a:endParaRPr lang="en-US" dirty="0"/>
           </a:p>
@@ -5158,7 +5561,7 @@
             </a:r>
             <a:r>
               <a:rPr lang="en-US" sz="2400" dirty="0" smtClean="0"/>
-              <a:t>loss function is chosen</a:t>
+              <a:t>loss function are chosen</a:t>
             </a:r>
             <a:r>
               <a:rPr lang="tr-TR" sz="2400" dirty="0" smtClean="0"/>
@@ -5392,11 +5795,7 @@
             </a:pPr>
             <a:r>
               <a:rPr lang="en-US" sz="2400" dirty="0" smtClean="0"/>
-              <a:t>Converges </a:t>
-            </a:r>
-            <a:r>
-              <a:rPr lang="en-US" sz="2400" dirty="0" smtClean="0"/>
-              <a:t>0,2</a:t>
+              <a:t>Converges 0,2</a:t>
             </a:r>
             <a:r>
               <a:rPr kumimoji="0" lang="en-US" sz="2400" b="0" i="0" u="none" strike="noStrike" kern="1200" cap="none" spc="0" normalizeH="0" noProof="0" dirty="0" smtClean="0">
@@ -5562,8 +5961,8 @@
         </p:blipFill>
         <p:spPr bwMode="auto">
           <a:xfrm>
-            <a:off x="4500562" y="285728"/>
-            <a:ext cx="3000396" cy="1981693"/>
+            <a:off x="4643439" y="285728"/>
+            <a:ext cx="3071834" cy="2028876"/>
           </a:xfrm>
           <a:prstGeom prst="rect">
             <a:avLst/>
@@ -5666,8 +6065,8 @@
         </p:blipFill>
         <p:spPr bwMode="auto">
           <a:xfrm>
-            <a:off x="4643438" y="4643446"/>
-            <a:ext cx="2997226" cy="1979600"/>
+            <a:off x="4643437" y="4572008"/>
+            <a:ext cx="3105387" cy="2051038"/>
           </a:xfrm>
           <a:prstGeom prst="rect">
             <a:avLst/>
@@ -5776,15 +6175,15 @@
             </a:r>
             <a:r>
               <a:rPr lang="tr-TR" sz="2400" dirty="0" smtClean="0"/>
-              <a:t> op</a:t>
-            </a:r>
-            <a:r>
-              <a:rPr lang="en-US" sz="2400" dirty="0" err="1" smtClean="0"/>
-              <a:t>timize</a:t>
+              <a:t> </a:t>
+            </a:r>
+            <a:r>
+              <a:rPr lang="en-US" sz="2400" dirty="0" smtClean="0"/>
+              <a:t>optimizer</a:t>
             </a:r>
             <a:r>
               <a:rPr lang="tr-TR" sz="2400" dirty="0" smtClean="0"/>
-              <a:t>r </a:t>
+              <a:t> </a:t>
             </a:r>
             <a:r>
               <a:rPr lang="en-US" sz="2400" dirty="0" smtClean="0"/>
@@ -5811,7 +6210,7 @@
               <a:t> </a:t>
             </a:r>
             <a:r>
-              <a:rPr lang="tr-TR" sz="2400" dirty="0" err="1" smtClean="0"/>
+              <a:rPr lang="en-US" sz="2400" dirty="0" smtClean="0"/>
               <a:t>loss</a:t>
             </a:r>
             <a:r>
@@ -5820,19 +6219,7 @@
             </a:r>
             <a:r>
               <a:rPr lang="en-US" sz="2400" dirty="0" smtClean="0"/>
-              <a:t>function</a:t>
-            </a:r>
-            <a:r>
-              <a:rPr lang="tr-TR" sz="2400" dirty="0" smtClean="0"/>
-              <a:t> </a:t>
-            </a:r>
-            <a:r>
-              <a:rPr lang="tr-TR" sz="2400" dirty="0" smtClean="0"/>
-              <a:t>is </a:t>
-            </a:r>
-            <a:r>
-              <a:rPr lang="en-US" sz="2400" dirty="0" smtClean="0"/>
-              <a:t>chosen </a:t>
+              <a:t>function are chosen </a:t>
             </a:r>
           </a:p>
           <a:p>
@@ -5856,7 +6243,7 @@
           <p:nvPr/>
         </p:nvPicPr>
         <p:blipFill>
-          <a:blip r:embed="rId2"/>
+          <a:blip r:embed="rId3"/>
           <a:srcRect/>
           <a:stretch>
             <a:fillRect/>
@@ -6169,4 +6556,287 @@
   <a:objectDefaults/>
   <a:extraClrSchemeLst/>
 </a:theme>
+</file>
+
+<file path=ppt/theme/theme2.xml><?xml version="1.0" encoding="utf-8"?>
+<a:theme xmlns:a="http://schemas.openxmlformats.org/drawingml/2006/main" name="Ofis Teması">
+  <a:themeElements>
+    <a:clrScheme name="Ofis">
+      <a:dk1>
+        <a:sysClr val="windowText" lastClr="000000"/>
+      </a:dk1>
+      <a:lt1>
+        <a:sysClr val="window" lastClr="FFFFFF"/>
+      </a:lt1>
+      <a:dk2>
+        <a:srgbClr val="1F497D"/>
+      </a:dk2>
+      <a:lt2>
+        <a:srgbClr val="EEECE1"/>
+      </a:lt2>
+      <a:accent1>
+        <a:srgbClr val="4F81BD"/>
+      </a:accent1>
+      <a:accent2>
+        <a:srgbClr val="C0504D"/>
+      </a:accent2>
+      <a:accent3>
+        <a:srgbClr val="9BBB59"/>
+      </a:accent3>
+      <a:accent4>
+        <a:srgbClr val="8064A2"/>
+      </a:accent4>
+      <a:accent5>
+        <a:srgbClr val="4BACC6"/>
+      </a:accent5>
+      <a:accent6>
+        <a:srgbClr val="F79646"/>
+      </a:accent6>
+      <a:hlink>
+        <a:srgbClr val="0000FF"/>
+      </a:hlink>
+      <a:folHlink>
+        <a:srgbClr val="800080"/>
+      </a:folHlink>
+    </a:clrScheme>
+    <a:fontScheme name="Ofis">
+      <a:majorFont>
+        <a:latin typeface="Calibri"/>
+        <a:ea typeface=""/>
+        <a:cs typeface=""/>
+        <a:font script="Jpan" typeface="ＭＳ Ｐゴシック"/>
+        <a:font script="Hang" typeface="맑은 고딕"/>
+        <a:font script="Hans" typeface="宋体"/>
+        <a:font script="Hant" typeface="新細明體"/>
+        <a:font script="Arab" typeface="Times New Roman"/>
+        <a:font script="Hebr" typeface="Times New Roman"/>
+        <a:font script="Thai" typeface="Angsana New"/>
+        <a:font script="Ethi" typeface="Nyala"/>
+        <a:font script="Beng" typeface="Vrinda"/>
+        <a:font script="Gujr" typeface="Shruti"/>
+        <a:font script="Khmr" typeface="MoolBoran"/>
+        <a:font script="Knda" typeface="Tunga"/>
+        <a:font script="Guru" typeface="Raavi"/>
+        <a:font script="Cans" typeface="Euphemia"/>
+        <a:font script="Cher" typeface="Plantagenet Cherokee"/>
+        <a:font script="Yiii" typeface="Microsoft Yi Baiti"/>
+        <a:font script="Tibt" typeface="Microsoft Himalaya"/>
+        <a:font script="Thaa" typeface="MV Boli"/>
+        <a:font script="Deva" typeface="Mangal"/>
+        <a:font script="Telu" typeface="Gautami"/>
+        <a:font script="Taml" typeface="Latha"/>
+        <a:font script="Syrc" typeface="Estrangelo Edessa"/>
+        <a:font script="Orya" typeface="Kalinga"/>
+        <a:font script="Mlym" typeface="Kartika"/>
+        <a:font script="Laoo" typeface="DokChampa"/>
+        <a:font script="Sinh" typeface="Iskoola Pota"/>
+        <a:font script="Mong" typeface="Mongolian Baiti"/>
+        <a:font script="Viet" typeface="Times New Roman"/>
+        <a:font script="Uigh" typeface="Microsoft Uighur"/>
+      </a:majorFont>
+      <a:minorFont>
+        <a:latin typeface="Calibri"/>
+        <a:ea typeface=""/>
+        <a:cs typeface=""/>
+        <a:font script="Jpan" typeface="ＭＳ Ｐゴシック"/>
+        <a:font script="Hang" typeface="맑은 고딕"/>
+        <a:font script="Hans" typeface="宋体"/>
+        <a:font script="Hant" typeface="新細明體"/>
+        <a:font script="Arab" typeface="Arial"/>
+        <a:font script="Hebr" typeface="Arial"/>
+        <a:font script="Thai" typeface="Cordia New"/>
+        <a:font script="Ethi" typeface="Nyala"/>
+        <a:font script="Beng" typeface="Vrinda"/>
+        <a:font script="Gujr" typeface="Shruti"/>
+        <a:font script="Khmr" typeface="DaunPenh"/>
+        <a:font script="Knda" typeface="Tunga"/>
+        <a:font script="Guru" typeface="Raavi"/>
+        <a:font script="Cans" typeface="Euphemia"/>
+        <a:font script="Cher" typeface="Plantagenet Cherokee"/>
+        <a:font script="Yiii" typeface="Microsoft Yi Baiti"/>
+        <a:font script="Tibt" typeface="Microsoft Himalaya"/>
+        <a:font script="Thaa" typeface="MV Boli"/>
+        <a:font script="Deva" typeface="Mangal"/>
+        <a:font script="Telu" typeface="Gautami"/>
+        <a:font script="Taml" typeface="Latha"/>
+        <a:font script="Syrc" typeface="Estrangelo Edessa"/>
+        <a:font script="Orya" typeface="Kalinga"/>
+        <a:font script="Mlym" typeface="Kartika"/>
+        <a:font script="Laoo" typeface="DokChampa"/>
+        <a:font script="Sinh" typeface="Iskoola Pota"/>
+        <a:font script="Mong" typeface="Mongolian Baiti"/>
+        <a:font script="Viet" typeface="Arial"/>
+        <a:font script="Uigh" typeface="Microsoft Uighur"/>
+      </a:minorFont>
+    </a:fontScheme>
+    <a:fmtScheme name="Ofis">
+      <a:fillStyleLst>
+        <a:solidFill>
+          <a:schemeClr val="phClr"/>
+        </a:solidFill>
+        <a:gradFill rotWithShape="1">
+          <a:gsLst>
+            <a:gs pos="0">
+              <a:schemeClr val="phClr">
+                <a:tint val="50000"/>
+                <a:satMod val="300000"/>
+              </a:schemeClr>
+            </a:gs>
+            <a:gs pos="35000">
+              <a:schemeClr val="phClr">
+                <a:tint val="37000"/>
+                <a:satMod val="300000"/>
+              </a:schemeClr>
+            </a:gs>
+            <a:gs pos="100000">
+              <a:schemeClr val="phClr">
+                <a:tint val="15000"/>
+                <a:satMod val="350000"/>
+              </a:schemeClr>
+            </a:gs>
+          </a:gsLst>
+          <a:lin ang="16200000" scaled="1"/>
+        </a:gradFill>
+        <a:gradFill rotWithShape="1">
+          <a:gsLst>
+            <a:gs pos="0">
+              <a:schemeClr val="phClr">
+                <a:shade val="51000"/>
+                <a:satMod val="130000"/>
+              </a:schemeClr>
+            </a:gs>
+            <a:gs pos="80000">
+              <a:schemeClr val="phClr">
+                <a:shade val="93000"/>
+                <a:satMod val="130000"/>
+              </a:schemeClr>
+            </a:gs>
+            <a:gs pos="100000">
+              <a:schemeClr val="phClr">
+                <a:shade val="94000"/>
+                <a:satMod val="135000"/>
+              </a:schemeClr>
+            </a:gs>
+          </a:gsLst>
+          <a:lin ang="16200000" scaled="0"/>
+        </a:gradFill>
+      </a:fillStyleLst>
+      <a:lnStyleLst>
+        <a:ln w="9525" cap="flat" cmpd="sng" algn="ctr">
+          <a:solidFill>
+            <a:schemeClr val="phClr">
+              <a:shade val="95000"/>
+              <a:satMod val="105000"/>
+            </a:schemeClr>
+          </a:solidFill>
+          <a:prstDash val="solid"/>
+        </a:ln>
+        <a:ln w="25400" cap="flat" cmpd="sng" algn="ctr">
+          <a:solidFill>
+            <a:schemeClr val="phClr"/>
+          </a:solidFill>
+          <a:prstDash val="solid"/>
+        </a:ln>
+        <a:ln w="38100" cap="flat" cmpd="sng" algn="ctr">
+          <a:solidFill>
+            <a:schemeClr val="phClr"/>
+          </a:solidFill>
+          <a:prstDash val="solid"/>
+        </a:ln>
+      </a:lnStyleLst>
+      <a:effectStyleLst>
+        <a:effectStyle>
+          <a:effectLst>
+            <a:outerShdw blurRad="40000" dist="20000" dir="5400000" rotWithShape="0">
+              <a:srgbClr val="000000">
+                <a:alpha val="38000"/>
+              </a:srgbClr>
+            </a:outerShdw>
+          </a:effectLst>
+        </a:effectStyle>
+        <a:effectStyle>
+          <a:effectLst>
+            <a:outerShdw blurRad="40000" dist="23000" dir="5400000" rotWithShape="0">
+              <a:srgbClr val="000000">
+                <a:alpha val="35000"/>
+              </a:srgbClr>
+            </a:outerShdw>
+          </a:effectLst>
+        </a:effectStyle>
+        <a:effectStyle>
+          <a:effectLst>
+            <a:outerShdw blurRad="40000" dist="23000" dir="5400000" rotWithShape="0">
+              <a:srgbClr val="000000">
+                <a:alpha val="35000"/>
+              </a:srgbClr>
+            </a:outerShdw>
+          </a:effectLst>
+          <a:scene3d>
+            <a:camera prst="orthographicFront">
+              <a:rot lat="0" lon="0" rev="0"/>
+            </a:camera>
+            <a:lightRig rig="threePt" dir="t">
+              <a:rot lat="0" lon="0" rev="1200000"/>
+            </a:lightRig>
+          </a:scene3d>
+          <a:sp3d>
+            <a:bevelT w="63500" h="25400"/>
+          </a:sp3d>
+        </a:effectStyle>
+      </a:effectStyleLst>
+      <a:bgFillStyleLst>
+        <a:solidFill>
+          <a:schemeClr val="phClr"/>
+        </a:solidFill>
+        <a:gradFill rotWithShape="1">
+          <a:gsLst>
+            <a:gs pos="0">
+              <a:schemeClr val="phClr">
+                <a:tint val="40000"/>
+                <a:satMod val="350000"/>
+              </a:schemeClr>
+            </a:gs>
+            <a:gs pos="40000">
+              <a:schemeClr val="phClr">
+                <a:tint val="45000"/>
+                <a:shade val="99000"/>
+                <a:satMod val="350000"/>
+              </a:schemeClr>
+            </a:gs>
+            <a:gs pos="100000">
+              <a:schemeClr val="phClr">
+                <a:shade val="20000"/>
+                <a:satMod val="255000"/>
+              </a:schemeClr>
+            </a:gs>
+          </a:gsLst>
+          <a:path path="circle">
+            <a:fillToRect l="50000" t="-80000" r="50000" b="180000"/>
+          </a:path>
+        </a:gradFill>
+        <a:gradFill rotWithShape="1">
+          <a:gsLst>
+            <a:gs pos="0">
+              <a:schemeClr val="phClr">
+                <a:tint val="80000"/>
+                <a:satMod val="300000"/>
+              </a:schemeClr>
+            </a:gs>
+            <a:gs pos="100000">
+              <a:schemeClr val="phClr">
+                <a:shade val="30000"/>
+                <a:satMod val="200000"/>
+              </a:schemeClr>
+            </a:gs>
+          </a:gsLst>
+          <a:path path="circle">
+            <a:fillToRect l="50000" t="50000" r="50000" b="50000"/>
+          </a:path>
+        </a:gradFill>
+      </a:bgFillStyleLst>
+    </a:fmtScheme>
+  </a:themeElements>
+  <a:objectDefaults/>
+  <a:extraClrSchemeLst/>
+</a:theme>
 </file>
--- a/ee543_sunum.pptx
+++ b/ee543_sunum.pptx
@@ -5,7 +5,7 @@
     <p:sldMasterId id="2147483756" r:id="rId1"/>
   </p:sldMasterIdLst>
   <p:notesMasterIdLst>
-    <p:notesMasterId r:id="rId15"/>
+    <p:notesMasterId r:id="rId16"/>
   </p:notesMasterIdLst>
   <p:sldIdLst>
     <p:sldId id="256" r:id="rId2"/>
@@ -21,6 +21,7 @@
     <p:sldId id="264" r:id="rId12"/>
     <p:sldId id="265" r:id="rId13"/>
     <p:sldId id="268" r:id="rId14"/>
+    <p:sldId id="271" r:id="rId15"/>
   </p:sldIdLst>
   <p:sldSz cx="9144000" cy="6858000" type="screen4x3"/>
   <p:notesSz cx="6858000" cy="9144000"/>
@@ -4750,6 +4751,116 @@
 </p:sld>
 </file>
 
+<file path=ppt/slides/slide14.xml><?xml version="1.0" encoding="utf-8"?>
+<p:sld xmlns:a="http://schemas.openxmlformats.org/drawingml/2006/main" xmlns:r="http://schemas.openxmlformats.org/officeDocument/2006/relationships" xmlns:p="http://schemas.openxmlformats.org/presentationml/2006/main">
+  <p:cSld>
+    <p:spTree>
+      <p:nvGrpSpPr>
+        <p:cNvPr id="1" name=""/>
+        <p:cNvGrpSpPr/>
+        <p:nvPr/>
+      </p:nvGrpSpPr>
+      <p:grpSpPr>
+        <a:xfrm>
+          <a:off x="0" y="0"/>
+          <a:ext cx="0" cy="0"/>
+          <a:chOff x="0" y="0"/>
+          <a:chExt cx="0" cy="0"/>
+        </a:xfrm>
+      </p:grpSpPr>
+      <p:sp>
+        <p:nvSpPr>
+          <p:cNvPr id="2" name="1 Başlık"/>
+          <p:cNvSpPr>
+            <a:spLocks noGrp="1"/>
+          </p:cNvSpPr>
+          <p:nvPr>
+            <p:ph type="title"/>
+          </p:nvPr>
+        </p:nvSpPr>
+        <p:spPr/>
+        <p:txBody>
+          <a:bodyPr/>
+          <a:lstStyle/>
+          <a:p>
+            <a:r>
+              <a:rPr lang="tr-TR" dirty="0" err="1" smtClean="0"/>
+              <a:t>Reference</a:t>
+            </a:r>
+            <a:r>
+              <a:rPr lang="tr-TR" dirty="0" smtClean="0"/>
+              <a:t> </a:t>
+            </a:r>
+            <a:endParaRPr lang="tr-TR" dirty="0"/>
+          </a:p>
+        </p:txBody>
+      </p:sp>
+      <p:sp>
+        <p:nvSpPr>
+          <p:cNvPr id="3" name="2 İçerik Yer Tutucusu"/>
+          <p:cNvSpPr>
+            <a:spLocks noGrp="1"/>
+          </p:cNvSpPr>
+          <p:nvPr>
+            <p:ph idx="1"/>
+          </p:nvPr>
+        </p:nvSpPr>
+        <p:spPr/>
+        <p:txBody>
+          <a:bodyPr/>
+          <a:lstStyle/>
+          <a:p>
+            <a:r>
+              <a:rPr lang="en-US" dirty="0" smtClean="0"/>
+              <a:t>[1] </a:t>
+            </a:r>
+            <a:r>
+              <a:rPr lang="en-US" dirty="0" err="1" smtClean="0"/>
+              <a:t>Heydarzadeh</a:t>
+            </a:r>
+            <a:r>
+              <a:rPr lang="en-US" dirty="0" smtClean="0"/>
+              <a:t>, M., </a:t>
+            </a:r>
+            <a:r>
+              <a:rPr lang="en-US" dirty="0" err="1" smtClean="0"/>
+              <a:t>Zafarani</a:t>
+            </a:r>
+            <a:r>
+              <a:rPr lang="en-US" dirty="0" smtClean="0"/>
+              <a:t>, M., Akin, B., &amp; </a:t>
+            </a:r>
+            <a:r>
+              <a:rPr lang="en-US" dirty="0" err="1" smtClean="0"/>
+              <a:t>Nourani</a:t>
+            </a:r>
+            <a:r>
+              <a:rPr lang="en-US" dirty="0" smtClean="0"/>
+              <a:t>, M. (2018). A Wavelet-Based Fault Diagnosis Approach for Permanent Magnet Synchronous Motors. </a:t>
+            </a:r>
+            <a:r>
+              <a:rPr lang="en-US" i="1" dirty="0" smtClean="0"/>
+              <a:t>IEEE Transactions on Energy Conversion,</a:t>
+            </a:r>
+            <a:r>
+              <a:rPr lang="en-US" dirty="0" smtClean="0"/>
+              <a:t> 1-1. doi:10.1109/tec.2018.2864570</a:t>
+            </a:r>
+            <a:endParaRPr lang="tr-TR" dirty="0" smtClean="0"/>
+          </a:p>
+          <a:p>
+            <a:endParaRPr lang="tr-TR" dirty="0"/>
+          </a:p>
+        </p:txBody>
+      </p:sp>
+    </p:spTree>
+  </p:cSld>
+  <p:clrMapOvr>
+    <a:masterClrMapping/>
+  </p:clrMapOvr>
+</p:sld>
+</file>
+
 <file path=ppt/slides/slide2.xml><?xml version="1.0" encoding="utf-8"?>
 <p:sld xmlns:a="http://schemas.openxmlformats.org/drawingml/2006/main" xmlns:r="http://schemas.openxmlformats.org/officeDocument/2006/relationships" xmlns:p="http://schemas.openxmlformats.org/presentationml/2006/main">
   <p:cSld>
@@ -5387,15 +5498,7 @@
           <a:p>
             <a:r>
               <a:rPr lang="en-US" dirty="0" smtClean="0"/>
-              <a:t>Machine </a:t>
-            </a:r>
-            <a:r>
-              <a:rPr lang="en-US" dirty="0" smtClean="0"/>
-              <a:t>Learning </a:t>
-            </a:r>
-            <a:r>
-              <a:rPr lang="en-US" dirty="0" smtClean="0"/>
-              <a:t>Methods</a:t>
+              <a:t>Machine Learning Methods</a:t>
             </a:r>
             <a:endParaRPr lang="en-US" dirty="0"/>
           </a:p>
